--- a/Презентация.pptx
+++ b/Презентация.pptx
@@ -2,13 +2,15 @@
 <file path=ppt/presentation.xml><?xml version="1.0" encoding="utf-8"?>
 <p:presentation xmlns:a="http://schemas.openxmlformats.org/drawingml/2006/main" xmlns:r="http://schemas.openxmlformats.org/officeDocument/2006/relationships" xmlns:p="http://schemas.openxmlformats.org/presentationml/2006/main" saveSubsetFonts="1">
   <p:sldMasterIdLst>
-    <p:sldMasterId id="2147483648" r:id="rId1"/>
+    <p:sldMasterId id="2147483660" r:id="rId1"/>
   </p:sldMasterIdLst>
   <p:sldIdLst>
     <p:sldId id="256" r:id="rId2"/>
     <p:sldId id="257" r:id="rId3"/>
     <p:sldId id="258" r:id="rId4"/>
-    <p:sldId id="259" r:id="rId5"/>
+    <p:sldId id="260" r:id="rId5"/>
+    <p:sldId id="261" r:id="rId6"/>
+    <p:sldId id="262" r:id="rId7"/>
   </p:sldIdLst>
   <p:sldSz cx="9144000" cy="6858000" type="screen4x3"/>
   <p:notesSz cx="6858000" cy="9144000"/>
@@ -111,7 +113,7 @@
 </file>
 
 <file path=ppt/slideLayouts/slideLayout1.xml><?xml version="1.0" encoding="utf-8"?>
-<p:sldLayout xmlns:a="http://schemas.openxmlformats.org/drawingml/2006/main" xmlns:r="http://schemas.openxmlformats.org/officeDocument/2006/relationships" xmlns:p="http://schemas.openxmlformats.org/presentationml/2006/main" type="title" preserve="1">
+<p:sldLayout xmlns:a="http://schemas.openxmlformats.org/drawingml/2006/main" xmlns:r="http://schemas.openxmlformats.org/officeDocument/2006/relationships" xmlns:p="http://schemas.openxmlformats.org/presentationml/2006/main" showMasterSp="0" type="title" preserve="1">
   <p:cSld name="Титульный слайд">
     <p:spTree>
       <p:nvGrpSpPr>
@@ -127,37 +129,99 @@
           <a:chExt cx="0" cy="0"/>
         </a:xfrm>
       </p:grpSpPr>
-      <p:sp>
-        <p:nvSpPr>
-          <p:cNvPr id="2" name="Заголовок 1"/>
-          <p:cNvSpPr>
-            <a:spLocks noGrp="1"/>
-          </p:cNvSpPr>
-          <p:nvPr>
-            <p:ph type="ctrTitle"/>
-          </p:nvPr>
-        </p:nvSpPr>
+      <p:pic>
+        <p:nvPicPr>
+          <p:cNvPr id="7" name="Picture 6" descr="horizon.png"/>
+          <p:cNvPicPr>
+            <a:picLocks noChangeAspect="1"/>
+          </p:cNvPicPr>
+          <p:nvPr/>
+        </p:nvPicPr>
+        <p:blipFill>
+          <a:blip r:embed="rId2" cstate="print"/>
+          <a:srcRect t="33333"/>
+          <a:stretch>
+            <a:fillRect/>
+          </a:stretch>
+        </p:blipFill>
         <p:spPr>
           <a:xfrm>
-            <a:off x="685800" y="2130425"/>
-            <a:ext cx="7772400" cy="1470025"/>
+            <a:off x="0" y="0"/>
+            <a:ext cx="9144000" cy="4572000"/>
           </a:xfrm>
+          <a:prstGeom prst="rect">
+            <a:avLst/>
+          </a:prstGeom>
         </p:spPr>
+      </p:pic>
+      <p:sp>
+        <p:nvSpPr>
+          <p:cNvPr id="4" name="Date Placeholder 3"/>
+          <p:cNvSpPr>
+            <a:spLocks noGrp="1"/>
+          </p:cNvSpPr>
+          <p:nvPr>
+            <p:ph type="dt" sz="half" idx="10"/>
+          </p:nvPr>
+        </p:nvSpPr>
+        <p:spPr/>
         <p:txBody>
           <a:bodyPr/>
           <a:lstStyle/>
           <a:p>
-            <a:r>
-              <a:rPr lang="ru-RU" smtClean="0"/>
-              <a:t>Образец заголовка</a:t>
-            </a:r>
+            <a:fld id="{59A4CC1F-664D-4651-BADE-B4764E3B834B}" type="datetimeFigureOut">
+              <a:rPr lang="ru-RU" smtClean="0"/>
+              <a:t>25.04.2019</a:t>
+            </a:fld>
             <a:endParaRPr lang="ru-RU"/>
           </a:p>
         </p:txBody>
       </p:sp>
       <p:sp>
         <p:nvSpPr>
-          <p:cNvPr id="3" name="Подзаголовок 2"/>
+          <p:cNvPr id="5" name="Footer Placeholder 4"/>
+          <p:cNvSpPr>
+            <a:spLocks noGrp="1"/>
+          </p:cNvSpPr>
+          <p:nvPr>
+            <p:ph type="ftr" sz="quarter" idx="11"/>
+          </p:nvPr>
+        </p:nvSpPr>
+        <p:spPr/>
+        <p:txBody>
+          <a:bodyPr/>
+          <a:lstStyle/>
+          <a:p>
+            <a:endParaRPr lang="ru-RU"/>
+          </a:p>
+        </p:txBody>
+      </p:sp>
+      <p:sp>
+        <p:nvSpPr>
+          <p:cNvPr id="6" name="Slide Number Placeholder 5"/>
+          <p:cNvSpPr>
+            <a:spLocks noGrp="1"/>
+          </p:cNvSpPr>
+          <p:nvPr>
+            <p:ph type="sldNum" sz="quarter" idx="12"/>
+          </p:nvPr>
+        </p:nvSpPr>
+        <p:spPr/>
+        <p:txBody>
+          <a:bodyPr/>
+          <a:lstStyle/>
+          <a:p>
+            <a:fld id="{D5F576BD-AA4A-4D04-8FB1-22BDCB4C228B}" type="slidenum">
+              <a:rPr lang="ru-RU" smtClean="0"/>
+              <a:t>‹#›</a:t>
+            </a:fld>
+            <a:endParaRPr lang="ru-RU"/>
+          </a:p>
+        </p:txBody>
+      </p:sp>
+      <p:sp>
+        <p:nvSpPr>
+          <p:cNvPr id="3" name="Subtitle 2"/>
           <p:cNvSpPr>
             <a:spLocks noGrp="1"/>
           </p:cNvSpPr>
@@ -167,20 +231,20 @@
         </p:nvSpPr>
         <p:spPr>
           <a:xfrm>
-            <a:off x="1371600" y="3886200"/>
+            <a:off x="1219200" y="3886200"/>
             <a:ext cx="6400800" cy="1752600"/>
           </a:xfrm>
         </p:spPr>
         <p:txBody>
-          <a:bodyPr/>
+          <a:bodyPr>
+            <a:normAutofit/>
+          </a:bodyPr>
           <a:lstStyle>
             <a:lvl1pPr marL="0" indent="0" algn="ctr">
               <a:buNone/>
-              <a:defRPr>
+              <a:defRPr sz="1700" baseline="0">
                 <a:solidFill>
-                  <a:schemeClr val="tx1">
-                    <a:tint val="75000"/>
-                  </a:schemeClr>
+                  <a:schemeClr val="tx2"/>
                 </a:solidFill>
               </a:defRPr>
             </a:lvl1pPr>
@@ -270,81 +334,43 @@
               <a:rPr lang="ru-RU" smtClean="0"/>
               <a:t>Образец подзаголовка</a:t>
             </a:r>
-            <a:endParaRPr lang="ru-RU"/>
-          </a:p>
-        </p:txBody>
-      </p:sp>
-      <p:sp>
-        <p:nvSpPr>
-          <p:cNvPr id="4" name="Дата 3"/>
-          <p:cNvSpPr>
-            <a:spLocks noGrp="1"/>
-          </p:cNvSpPr>
-          <p:nvPr>
-            <p:ph type="dt" sz="half" idx="10"/>
-          </p:nvPr>
-        </p:nvSpPr>
-        <p:spPr/>
+            <a:endParaRPr lang="en-US" dirty="0"/>
+          </a:p>
+        </p:txBody>
+      </p:sp>
+      <p:sp>
+        <p:nvSpPr>
+          <p:cNvPr id="2" name="Title 1"/>
+          <p:cNvSpPr>
+            <a:spLocks noGrp="1"/>
+          </p:cNvSpPr>
+          <p:nvPr>
+            <p:ph type="ctrTitle"/>
+          </p:nvPr>
+        </p:nvSpPr>
+        <p:spPr>
+          <a:xfrm>
+            <a:off x="685800" y="2007888"/>
+            <a:ext cx="7772400" cy="1470025"/>
+          </a:xfrm>
+        </p:spPr>
         <p:txBody>
           <a:bodyPr/>
-          <a:lstStyle/>
-          <a:p>
-            <a:fld id="{59A4CC1F-664D-4651-BADE-B4764E3B834B}" type="datetimeFigureOut">
-              <a:rPr lang="ru-RU" smtClean="0"/>
-              <a:t>10.03.2019</a:t>
-            </a:fld>
-            <a:endParaRPr lang="ru-RU"/>
-          </a:p>
-        </p:txBody>
-      </p:sp>
-      <p:sp>
-        <p:nvSpPr>
-          <p:cNvPr id="5" name="Нижний колонтитул 4"/>
-          <p:cNvSpPr>
-            <a:spLocks noGrp="1"/>
-          </p:cNvSpPr>
-          <p:nvPr>
-            <p:ph type="ftr" sz="quarter" idx="11"/>
-          </p:nvPr>
-        </p:nvSpPr>
-        <p:spPr/>
-        <p:txBody>
-          <a:bodyPr/>
-          <a:lstStyle/>
-          <a:p>
-            <a:endParaRPr lang="ru-RU"/>
-          </a:p>
-        </p:txBody>
-      </p:sp>
-      <p:sp>
-        <p:nvSpPr>
-          <p:cNvPr id="6" name="Номер слайда 5"/>
-          <p:cNvSpPr>
-            <a:spLocks noGrp="1"/>
-          </p:cNvSpPr>
-          <p:nvPr>
-            <p:ph type="sldNum" sz="quarter" idx="12"/>
-          </p:nvPr>
-        </p:nvSpPr>
-        <p:spPr/>
-        <p:txBody>
-          <a:bodyPr/>
-          <a:lstStyle/>
-          <a:p>
-            <a:fld id="{D5F576BD-AA4A-4D04-8FB1-22BDCB4C228B}" type="slidenum">
-              <a:rPr lang="ru-RU" smtClean="0"/>
-              <a:t>‹#›</a:t>
-            </a:fld>
-            <a:endParaRPr lang="ru-RU"/>
+          <a:lstStyle>
+            <a:lvl1pPr algn="ctr">
+              <a:defRPr sz="3200"/>
+            </a:lvl1pPr>
+          </a:lstStyle>
+          <a:p>
+            <a:r>
+              <a:rPr lang="ru-RU" smtClean="0"/>
+              <a:t>Образец заголовка</a:t>
+            </a:r>
+            <a:endParaRPr lang="en-US" dirty="0"/>
           </a:p>
         </p:txBody>
       </p:sp>
     </p:spTree>
-    <p:extLst>
-      <p:ext uri="{BB962C8B-B14F-4D97-AF65-F5344CB8AC3E}">
-        <p14:creationId xmlns:p14="http://schemas.microsoft.com/office/powerpoint/2010/main" val="3204294232"/>
-      </p:ext>
-    </p:extLst>
   </p:cSld>
   <p:clrMapOvr>
     <a:masterClrMapping/>
@@ -371,7 +397,7 @@
       </p:grpSpPr>
       <p:sp>
         <p:nvSpPr>
-          <p:cNvPr id="2" name="Заголовок 1"/>
+          <p:cNvPr id="2" name="Title 1"/>
           <p:cNvSpPr>
             <a:spLocks noGrp="1"/>
           </p:cNvSpPr>
@@ -388,13 +414,13 @@
               <a:rPr lang="ru-RU" smtClean="0"/>
               <a:t>Образец заголовка</a:t>
             </a:r>
-            <a:endParaRPr lang="ru-RU"/>
-          </a:p>
-        </p:txBody>
-      </p:sp>
-      <p:sp>
-        <p:nvSpPr>
-          <p:cNvPr id="3" name="Вертикальный текст 2"/>
+            <a:endParaRPr lang="en-US" dirty="0"/>
+          </a:p>
+        </p:txBody>
+      </p:sp>
+      <p:sp>
+        <p:nvSpPr>
+          <p:cNvPr id="3" name="Vertical Text Placeholder 2"/>
           <p:cNvSpPr>
             <a:spLocks noGrp="1"/>
           </p:cNvSpPr>
@@ -440,13 +466,13 @@
               <a:rPr lang="ru-RU" smtClean="0"/>
               <a:t>Пятый уровень</a:t>
             </a:r>
-            <a:endParaRPr lang="ru-RU"/>
-          </a:p>
-        </p:txBody>
-      </p:sp>
-      <p:sp>
-        <p:nvSpPr>
-          <p:cNvPr id="4" name="Дата 3"/>
+            <a:endParaRPr lang="en-US"/>
+          </a:p>
+        </p:txBody>
+      </p:sp>
+      <p:sp>
+        <p:nvSpPr>
+          <p:cNvPr id="4" name="Date Placeholder 3"/>
           <p:cNvSpPr>
             <a:spLocks noGrp="1"/>
           </p:cNvSpPr>
@@ -461,7 +487,7 @@
           <a:p>
             <a:fld id="{59A4CC1F-664D-4651-BADE-B4764E3B834B}" type="datetimeFigureOut">
               <a:rPr lang="ru-RU" smtClean="0"/>
-              <a:t>10.03.2019</a:t>
+              <a:t>25.04.2019</a:t>
             </a:fld>
             <a:endParaRPr lang="ru-RU"/>
           </a:p>
@@ -469,7 +495,7 @@
       </p:sp>
       <p:sp>
         <p:nvSpPr>
-          <p:cNvPr id="5" name="Нижний колонтитул 4"/>
+          <p:cNvPr id="5" name="Footer Placeholder 4"/>
           <p:cNvSpPr>
             <a:spLocks noGrp="1"/>
           </p:cNvSpPr>
@@ -488,7 +514,7 @@
       </p:sp>
       <p:sp>
         <p:nvSpPr>
-          <p:cNvPr id="6" name="Номер слайда 5"/>
+          <p:cNvPr id="6" name="Slide Number Placeholder 5"/>
           <p:cNvSpPr>
             <a:spLocks noGrp="1"/>
           </p:cNvSpPr>
@@ -510,11 +536,6 @@
         </p:txBody>
       </p:sp>
     </p:spTree>
-    <p:extLst>
-      <p:ext uri="{BB962C8B-B14F-4D97-AF65-F5344CB8AC3E}">
-        <p14:creationId xmlns:p14="http://schemas.microsoft.com/office/powerpoint/2010/main" val="2374410708"/>
-      </p:ext>
-    </p:extLst>
   </p:cSld>
   <p:clrMapOvr>
     <a:masterClrMapping/>
@@ -541,7 +562,7 @@
       </p:grpSpPr>
       <p:sp>
         <p:nvSpPr>
-          <p:cNvPr id="2" name="Вертикальный заголовок 1"/>
+          <p:cNvPr id="2" name="Vertical Title 1"/>
           <p:cNvSpPr>
             <a:spLocks noGrp="1"/>
           </p:cNvSpPr>
@@ -563,13 +584,13 @@
               <a:rPr lang="ru-RU" smtClean="0"/>
               <a:t>Образец заголовка</a:t>
             </a:r>
-            <a:endParaRPr lang="ru-RU"/>
-          </a:p>
-        </p:txBody>
-      </p:sp>
-      <p:sp>
-        <p:nvSpPr>
-          <p:cNvPr id="3" name="Вертикальный текст 2"/>
+            <a:endParaRPr lang="en-US" dirty="0"/>
+          </a:p>
+        </p:txBody>
+      </p:sp>
+      <p:sp>
+        <p:nvSpPr>
+          <p:cNvPr id="3" name="Vertical Text Placeholder 2"/>
           <p:cNvSpPr>
             <a:spLocks noGrp="1"/>
           </p:cNvSpPr>
@@ -620,13 +641,13 @@
               <a:rPr lang="ru-RU" smtClean="0"/>
               <a:t>Пятый уровень</a:t>
             </a:r>
-            <a:endParaRPr lang="ru-RU"/>
-          </a:p>
-        </p:txBody>
-      </p:sp>
-      <p:sp>
-        <p:nvSpPr>
-          <p:cNvPr id="4" name="Дата 3"/>
+            <a:endParaRPr lang="en-US"/>
+          </a:p>
+        </p:txBody>
+      </p:sp>
+      <p:sp>
+        <p:nvSpPr>
+          <p:cNvPr id="4" name="Date Placeholder 3"/>
           <p:cNvSpPr>
             <a:spLocks noGrp="1"/>
           </p:cNvSpPr>
@@ -641,7 +662,7 @@
           <a:p>
             <a:fld id="{59A4CC1F-664D-4651-BADE-B4764E3B834B}" type="datetimeFigureOut">
               <a:rPr lang="ru-RU" smtClean="0"/>
-              <a:t>10.03.2019</a:t>
+              <a:t>25.04.2019</a:t>
             </a:fld>
             <a:endParaRPr lang="ru-RU"/>
           </a:p>
@@ -649,7 +670,7 @@
       </p:sp>
       <p:sp>
         <p:nvSpPr>
-          <p:cNvPr id="5" name="Нижний колонтитул 4"/>
+          <p:cNvPr id="5" name="Footer Placeholder 4"/>
           <p:cNvSpPr>
             <a:spLocks noGrp="1"/>
           </p:cNvSpPr>
@@ -668,7 +689,7 @@
       </p:sp>
       <p:sp>
         <p:nvSpPr>
-          <p:cNvPr id="6" name="Номер слайда 5"/>
+          <p:cNvPr id="6" name="Slide Number Placeholder 5"/>
           <p:cNvSpPr>
             <a:spLocks noGrp="1"/>
           </p:cNvSpPr>
@@ -690,11 +711,6 @@
         </p:txBody>
       </p:sp>
     </p:spTree>
-    <p:extLst>
-      <p:ext uri="{BB962C8B-B14F-4D97-AF65-F5344CB8AC3E}">
-        <p14:creationId xmlns:p14="http://schemas.microsoft.com/office/powerpoint/2010/main" val="992732998"/>
-      </p:ext>
-    </p:extLst>
   </p:cSld>
   <p:clrMapOvr>
     <a:masterClrMapping/>
@@ -721,7 +737,7 @@
       </p:grpSpPr>
       <p:sp>
         <p:nvSpPr>
-          <p:cNvPr id="2" name="Заголовок 1"/>
+          <p:cNvPr id="2" name="Title 1"/>
           <p:cNvSpPr>
             <a:spLocks noGrp="1"/>
           </p:cNvSpPr>
@@ -729,89 +745,42 @@
             <p:ph type="title"/>
           </p:nvPr>
         </p:nvSpPr>
+        <p:spPr>
+          <a:xfrm>
+            <a:off x="609600" y="274638"/>
+            <a:ext cx="7924800" cy="1143000"/>
+          </a:xfrm>
+        </p:spPr>
+        <p:txBody>
+          <a:bodyPr/>
+          <a:lstStyle/>
+          <a:p>
+            <a:r>
+              <a:rPr lang="ru-RU" smtClean="0"/>
+              <a:t>Образец заголовка</a:t>
+            </a:r>
+            <a:endParaRPr lang="en-US" dirty="0"/>
+          </a:p>
+        </p:txBody>
+      </p:sp>
+      <p:sp>
+        <p:nvSpPr>
+          <p:cNvPr id="4" name="Date Placeholder 3"/>
+          <p:cNvSpPr>
+            <a:spLocks noGrp="1"/>
+          </p:cNvSpPr>
+          <p:nvPr>
+            <p:ph type="dt" sz="half" idx="10"/>
+          </p:nvPr>
+        </p:nvSpPr>
         <p:spPr/>
         <p:txBody>
           <a:bodyPr/>
           <a:lstStyle/>
           <a:p>
-            <a:r>
-              <a:rPr lang="ru-RU" smtClean="0"/>
-              <a:t>Образец заголовка</a:t>
-            </a:r>
-            <a:endParaRPr lang="ru-RU"/>
-          </a:p>
-        </p:txBody>
-      </p:sp>
-      <p:sp>
-        <p:nvSpPr>
-          <p:cNvPr id="3" name="Объект 2"/>
-          <p:cNvSpPr>
-            <a:spLocks noGrp="1"/>
-          </p:cNvSpPr>
-          <p:nvPr>
-            <p:ph idx="1"/>
-          </p:nvPr>
-        </p:nvSpPr>
-        <p:spPr/>
-        <p:txBody>
-          <a:bodyPr/>
-          <a:lstStyle/>
-          <a:p>
-            <a:pPr lvl="0"/>
-            <a:r>
-              <a:rPr lang="ru-RU" smtClean="0"/>
-              <a:t>Образец текста</a:t>
-            </a:r>
-          </a:p>
-          <a:p>
-            <a:pPr lvl="1"/>
-            <a:r>
-              <a:rPr lang="ru-RU" smtClean="0"/>
-              <a:t>Второй уровень</a:t>
-            </a:r>
-          </a:p>
-          <a:p>
-            <a:pPr lvl="2"/>
-            <a:r>
-              <a:rPr lang="ru-RU" smtClean="0"/>
-              <a:t>Третий уровень</a:t>
-            </a:r>
-          </a:p>
-          <a:p>
-            <a:pPr lvl="3"/>
-            <a:r>
-              <a:rPr lang="ru-RU" smtClean="0"/>
-              <a:t>Четвертый уровень</a:t>
-            </a:r>
-          </a:p>
-          <a:p>
-            <a:pPr lvl="4"/>
-            <a:r>
-              <a:rPr lang="ru-RU" smtClean="0"/>
-              <a:t>Пятый уровень</a:t>
-            </a:r>
-            <a:endParaRPr lang="ru-RU"/>
-          </a:p>
-        </p:txBody>
-      </p:sp>
-      <p:sp>
-        <p:nvSpPr>
-          <p:cNvPr id="4" name="Дата 3"/>
-          <p:cNvSpPr>
-            <a:spLocks noGrp="1"/>
-          </p:cNvSpPr>
-          <p:nvPr>
-            <p:ph type="dt" sz="half" idx="10"/>
-          </p:nvPr>
-        </p:nvSpPr>
-        <p:spPr/>
-        <p:txBody>
-          <a:bodyPr/>
-          <a:lstStyle/>
-          <a:p>
             <a:fld id="{59A4CC1F-664D-4651-BADE-B4764E3B834B}" type="datetimeFigureOut">
               <a:rPr lang="ru-RU" smtClean="0"/>
-              <a:t>10.03.2019</a:t>
+              <a:t>25.04.2019</a:t>
             </a:fld>
             <a:endParaRPr lang="ru-RU"/>
           </a:p>
@@ -819,7 +788,7 @@
       </p:sp>
       <p:sp>
         <p:nvSpPr>
-          <p:cNvPr id="5" name="Нижний колонтитул 4"/>
+          <p:cNvPr id="5" name="Footer Placeholder 4"/>
           <p:cNvSpPr>
             <a:spLocks noGrp="1"/>
           </p:cNvSpPr>
@@ -838,7 +807,7 @@
       </p:sp>
       <p:sp>
         <p:nvSpPr>
-          <p:cNvPr id="6" name="Номер слайда 5"/>
+          <p:cNvPr id="6" name="Slide Number Placeholder 5"/>
           <p:cNvSpPr>
             <a:spLocks noGrp="1"/>
           </p:cNvSpPr>
@@ -859,12 +828,64 @@
           </a:p>
         </p:txBody>
       </p:sp>
+      <p:sp>
+        <p:nvSpPr>
+          <p:cNvPr id="8" name="Content Placeholder 7"/>
+          <p:cNvSpPr>
+            <a:spLocks noGrp="1"/>
+          </p:cNvSpPr>
+          <p:nvPr>
+            <p:ph sz="quarter" idx="13"/>
+          </p:nvPr>
+        </p:nvSpPr>
+        <p:spPr>
+          <a:xfrm>
+            <a:off x="609600" y="1600200"/>
+            <a:ext cx="7924800" cy="4114800"/>
+          </a:xfrm>
+        </p:spPr>
+        <p:txBody>
+          <a:bodyPr/>
+          <a:lstStyle/>
+          <a:p>
+            <a:pPr lvl="0"/>
+            <a:r>
+              <a:rPr lang="ru-RU" smtClean="0"/>
+              <a:t>Образец текста</a:t>
+            </a:r>
+          </a:p>
+          <a:p>
+            <a:pPr lvl="1"/>
+            <a:r>
+              <a:rPr lang="ru-RU" smtClean="0"/>
+              <a:t>Второй уровень</a:t>
+            </a:r>
+          </a:p>
+          <a:p>
+            <a:pPr lvl="2"/>
+            <a:r>
+              <a:rPr lang="ru-RU" smtClean="0"/>
+              <a:t>Третий уровень</a:t>
+            </a:r>
+          </a:p>
+          <a:p>
+            <a:pPr lvl="3"/>
+            <a:r>
+              <a:rPr lang="ru-RU" smtClean="0"/>
+              <a:t>Четвертый уровень</a:t>
+            </a:r>
+          </a:p>
+          <a:p>
+            <a:pPr lvl="4"/>
+            <a:r>
+              <a:rPr lang="ru-RU" smtClean="0"/>
+              <a:t>Пятый уровень</a:t>
+            </a:r>
+            <a:endParaRPr lang="en-US" dirty="0"/>
+          </a:p>
+        </p:txBody>
+      </p:sp>
     </p:spTree>
-    <p:extLst>
-      <p:ext uri="{BB962C8B-B14F-4D97-AF65-F5344CB8AC3E}">
-        <p14:creationId xmlns:p14="http://schemas.microsoft.com/office/powerpoint/2010/main" val="2083867258"/>
-      </p:ext>
-    </p:extLst>
   </p:cSld>
   <p:clrMapOvr>
     <a:masterClrMapping/>
@@ -873,7 +894,7 @@
 </file>
 
 <file path=ppt/slideLayouts/slideLayout3.xml><?xml version="1.0" encoding="utf-8"?>
-<p:sldLayout xmlns:a="http://schemas.openxmlformats.org/drawingml/2006/main" xmlns:r="http://schemas.openxmlformats.org/officeDocument/2006/relationships" xmlns:p="http://schemas.openxmlformats.org/presentationml/2006/main" type="secHead" preserve="1">
+<p:sldLayout xmlns:a="http://schemas.openxmlformats.org/drawingml/2006/main" xmlns:r="http://schemas.openxmlformats.org/officeDocument/2006/relationships" xmlns:p="http://schemas.openxmlformats.org/presentationml/2006/main" showMasterSp="0" type="secHead" preserve="1">
   <p:cSld name="Заголовок раздела">
     <p:spTree>
       <p:nvGrpSpPr>
@@ -891,7 +912,7 @@
       </p:grpSpPr>
       <p:sp>
         <p:nvSpPr>
-          <p:cNvPr id="2" name="Заголовок 1"/>
+          <p:cNvPr id="2" name="Title 1"/>
           <p:cNvSpPr>
             <a:spLocks noGrp="1"/>
           </p:cNvSpPr>
@@ -901,15 +922,15 @@
         </p:nvSpPr>
         <p:spPr>
           <a:xfrm>
-            <a:off x="722313" y="4406900"/>
-            <a:ext cx="7772400" cy="1362075"/>
+            <a:off x="609600" y="4962525"/>
+            <a:ext cx="7885113" cy="1362075"/>
           </a:xfrm>
         </p:spPr>
         <p:txBody>
           <a:bodyPr anchor="t"/>
           <a:lstStyle>
             <a:lvl1pPr algn="l">
-              <a:defRPr sz="4000" b="1" cap="all"/>
+              <a:defRPr sz="3200" b="0" i="0" cap="all" baseline="0"/>
             </a:lvl1pPr>
           </a:lstStyle>
           <a:p>
@@ -917,13 +938,13 @@
               <a:rPr lang="ru-RU" smtClean="0"/>
               <a:t>Образец заголовка</a:t>
             </a:r>
-            <a:endParaRPr lang="ru-RU"/>
-          </a:p>
-        </p:txBody>
-      </p:sp>
-      <p:sp>
-        <p:nvSpPr>
-          <p:cNvPr id="3" name="Текст 2"/>
+            <a:endParaRPr lang="en-US" dirty="0"/>
+          </a:p>
+        </p:txBody>
+      </p:sp>
+      <p:sp>
+        <p:nvSpPr>
+          <p:cNvPr id="3" name="Text Placeholder 2"/>
           <p:cNvSpPr>
             <a:spLocks noGrp="1"/>
           </p:cNvSpPr>
@@ -933,20 +954,20 @@
         </p:nvSpPr>
         <p:spPr>
           <a:xfrm>
-            <a:off x="722313" y="2906713"/>
-            <a:ext cx="7772400" cy="1500187"/>
+            <a:off x="609600" y="3462338"/>
+            <a:ext cx="7885113" cy="1500187"/>
           </a:xfrm>
         </p:spPr>
         <p:txBody>
-          <a:bodyPr anchor="b"/>
+          <a:bodyPr anchor="b">
+            <a:normAutofit/>
+          </a:bodyPr>
           <a:lstStyle>
             <a:lvl1pPr marL="0" indent="0">
               <a:buNone/>
-              <a:defRPr sz="2000">
+              <a:defRPr sz="1700" baseline="0">
                 <a:solidFill>
-                  <a:schemeClr val="tx1">
-                    <a:tint val="75000"/>
-                  </a:schemeClr>
+                  <a:schemeClr val="tx2"/>
                 </a:solidFill>
               </a:defRPr>
             </a:lvl1pPr>
@@ -1042,7 +1063,7 @@
       </p:sp>
       <p:sp>
         <p:nvSpPr>
-          <p:cNvPr id="4" name="Дата 3"/>
+          <p:cNvPr id="4" name="Date Placeholder 3"/>
           <p:cNvSpPr>
             <a:spLocks noGrp="1"/>
           </p:cNvSpPr>
@@ -1057,7 +1078,7 @@
           <a:p>
             <a:fld id="{59A4CC1F-664D-4651-BADE-B4764E3B834B}" type="datetimeFigureOut">
               <a:rPr lang="ru-RU" smtClean="0"/>
-              <a:t>10.03.2019</a:t>
+              <a:t>25.04.2019</a:t>
             </a:fld>
             <a:endParaRPr lang="ru-RU"/>
           </a:p>
@@ -1065,7 +1086,7 @@
       </p:sp>
       <p:sp>
         <p:nvSpPr>
-          <p:cNvPr id="5" name="Нижний колонтитул 4"/>
+          <p:cNvPr id="5" name="Footer Placeholder 4"/>
           <p:cNvSpPr>
             <a:spLocks noGrp="1"/>
           </p:cNvSpPr>
@@ -1084,7 +1105,7 @@
       </p:sp>
       <p:sp>
         <p:nvSpPr>
-          <p:cNvPr id="6" name="Номер слайда 5"/>
+          <p:cNvPr id="6" name="Slide Number Placeholder 5"/>
           <p:cNvSpPr>
             <a:spLocks noGrp="1"/>
           </p:cNvSpPr>
@@ -1106,11 +1127,6 @@
         </p:txBody>
       </p:sp>
     </p:spTree>
-    <p:extLst>
-      <p:ext uri="{BB962C8B-B14F-4D97-AF65-F5344CB8AC3E}">
-        <p14:creationId xmlns:p14="http://schemas.microsoft.com/office/powerpoint/2010/main" val="4128087642"/>
-      </p:ext>
-    </p:extLst>
   </p:cSld>
   <p:clrMapOvr>
     <a:masterClrMapping/>
@@ -1137,72 +1153,57 @@
       </p:grpSpPr>
       <p:sp>
         <p:nvSpPr>
-          <p:cNvPr id="2" name="Заголовок 1"/>
-          <p:cNvSpPr>
-            <a:spLocks noGrp="1"/>
-          </p:cNvSpPr>
-          <p:nvPr>
-            <p:ph type="title"/>
-          </p:nvPr>
-        </p:nvSpPr>
-        <p:spPr/>
-        <p:txBody>
-          <a:bodyPr/>
-          <a:lstStyle/>
-          <a:p>
-            <a:r>
-              <a:rPr lang="ru-RU" smtClean="0"/>
-              <a:t>Образец заголовка</a:t>
-            </a:r>
-            <a:endParaRPr lang="ru-RU"/>
-          </a:p>
-        </p:txBody>
-      </p:sp>
-      <p:sp>
-        <p:nvSpPr>
-          <p:cNvPr id="3" name="Объект 2"/>
-          <p:cNvSpPr>
-            <a:spLocks noGrp="1"/>
-          </p:cNvSpPr>
-          <p:nvPr>
-            <p:ph sz="half" idx="1"/>
+          <p:cNvPr id="11" name="Content Placeholder 10"/>
+          <p:cNvSpPr>
+            <a:spLocks noGrp="1"/>
+          </p:cNvSpPr>
+          <p:nvPr>
+            <p:ph sz="quarter" idx="13"/>
           </p:nvPr>
         </p:nvSpPr>
         <p:spPr>
           <a:xfrm>
-            <a:off x="457200" y="1600200"/>
-            <a:ext cx="4038600" cy="4525963"/>
+            <a:off x="609600" y="1600200"/>
+            <a:ext cx="3733800" cy="4114800"/>
           </a:xfrm>
         </p:spPr>
         <p:txBody>
           <a:bodyPr/>
           <a:lstStyle>
-            <a:lvl1pPr>
-              <a:defRPr sz="2800"/>
-            </a:lvl1pPr>
-            <a:lvl2pPr>
-              <a:defRPr sz="2400"/>
-            </a:lvl2pPr>
-            <a:lvl3pPr>
-              <a:defRPr sz="2000"/>
-            </a:lvl3pPr>
-            <a:lvl4pPr>
-              <a:defRPr sz="1800"/>
-            </a:lvl4pPr>
             <a:lvl5pPr>
-              <a:defRPr sz="1800"/>
+              <a:defRPr/>
             </a:lvl5pPr>
             <a:lvl6pPr>
-              <a:defRPr sz="1800"/>
+              <a:buClr>
+                <a:schemeClr val="tx2"/>
+              </a:buClr>
+              <a:buFont typeface="Arial" pitchFamily="34" charset="0"/>
+              <a:buChar char="•"/>
+              <a:defRPr/>
             </a:lvl6pPr>
             <a:lvl7pPr>
-              <a:defRPr sz="1800"/>
+              <a:buClr>
+                <a:schemeClr val="tx2"/>
+              </a:buClr>
+              <a:buFont typeface="Arial" pitchFamily="34" charset="0"/>
+              <a:buChar char="•"/>
+              <a:defRPr/>
             </a:lvl7pPr>
             <a:lvl8pPr>
-              <a:defRPr sz="1800"/>
+              <a:buClr>
+                <a:schemeClr val="tx2"/>
+              </a:buClr>
+              <a:buFont typeface="Arial" pitchFamily="34" charset="0"/>
+              <a:buChar char="•"/>
+              <a:defRPr/>
             </a:lvl8pPr>
             <a:lvl9pPr>
-              <a:defRPr sz="1800"/>
+              <a:buClr>
+                <a:schemeClr val="tx2"/>
+              </a:buClr>
+              <a:buFont typeface="Arial" pitchFamily="34" charset="0"/>
+              <a:buChar char="•"/>
+              <a:defRPr/>
             </a:lvl9pPr>
           </a:lstStyle>
           <a:p>
@@ -1239,55 +1240,52 @@
               <a:rPr lang="ru-RU" smtClean="0"/>
               <a:t>Пятый уровень</a:t>
             </a:r>
-            <a:endParaRPr lang="ru-RU"/>
-          </a:p>
-        </p:txBody>
-      </p:sp>
-      <p:sp>
-        <p:nvSpPr>
-          <p:cNvPr id="4" name="Объект 3"/>
-          <p:cNvSpPr>
-            <a:spLocks noGrp="1"/>
-          </p:cNvSpPr>
-          <p:nvPr>
-            <p:ph sz="half" idx="2"/>
+            <a:endParaRPr lang="en-US" dirty="0" smtClean="0"/>
+          </a:p>
+        </p:txBody>
+      </p:sp>
+      <p:sp>
+        <p:nvSpPr>
+          <p:cNvPr id="13" name="Content Placeholder 12"/>
+          <p:cNvSpPr>
+            <a:spLocks noGrp="1"/>
+          </p:cNvSpPr>
+          <p:nvPr>
+            <p:ph sz="quarter" idx="14"/>
           </p:nvPr>
         </p:nvSpPr>
         <p:spPr>
           <a:xfrm>
-            <a:off x="4648200" y="1600200"/>
-            <a:ext cx="4038600" cy="4525963"/>
+            <a:off x="4800600" y="1600200"/>
+            <a:ext cx="3733800" cy="4114800"/>
           </a:xfrm>
         </p:spPr>
         <p:txBody>
           <a:bodyPr/>
           <a:lstStyle>
-            <a:lvl1pPr>
-              <a:defRPr sz="2800"/>
-            </a:lvl1pPr>
-            <a:lvl2pPr>
-              <a:defRPr sz="2400"/>
-            </a:lvl2pPr>
-            <a:lvl3pPr>
-              <a:defRPr sz="2000"/>
-            </a:lvl3pPr>
-            <a:lvl4pPr>
-              <a:defRPr sz="1800"/>
-            </a:lvl4pPr>
-            <a:lvl5pPr>
-              <a:defRPr sz="1800"/>
-            </a:lvl5pPr>
             <a:lvl6pPr>
-              <a:defRPr sz="1800"/>
+              <a:buClr>
+                <a:schemeClr val="tx2"/>
+              </a:buClr>
+              <a:defRPr/>
             </a:lvl6pPr>
             <a:lvl7pPr>
-              <a:defRPr sz="1800"/>
+              <a:buClr>
+                <a:schemeClr val="tx2"/>
+              </a:buClr>
+              <a:defRPr/>
             </a:lvl7pPr>
             <a:lvl8pPr>
-              <a:defRPr sz="1800"/>
+              <a:buClr>
+                <a:schemeClr val="tx2"/>
+              </a:buClr>
+              <a:defRPr/>
             </a:lvl8pPr>
             <a:lvl9pPr>
-              <a:defRPr sz="1800"/>
+              <a:buClr>
+                <a:schemeClr val="tx2"/>
+              </a:buClr>
+              <a:defRPr/>
             </a:lvl9pPr>
           </a:lstStyle>
           <a:p>
@@ -1324,13 +1322,41 @@
               <a:rPr lang="ru-RU" smtClean="0"/>
               <a:t>Пятый уровень</a:t>
             </a:r>
-            <a:endParaRPr lang="ru-RU"/>
-          </a:p>
-        </p:txBody>
-      </p:sp>
-      <p:sp>
-        <p:nvSpPr>
-          <p:cNvPr id="5" name="Дата 4"/>
+            <a:endParaRPr lang="en-US" dirty="0" smtClean="0"/>
+          </a:p>
+        </p:txBody>
+      </p:sp>
+      <p:sp>
+        <p:nvSpPr>
+          <p:cNvPr id="2" name="Title 1"/>
+          <p:cNvSpPr>
+            <a:spLocks noGrp="1"/>
+          </p:cNvSpPr>
+          <p:nvPr>
+            <p:ph type="title"/>
+          </p:nvPr>
+        </p:nvSpPr>
+        <p:spPr>
+          <a:xfrm>
+            <a:off x="609600" y="274638"/>
+            <a:ext cx="7924800" cy="1143000"/>
+          </a:xfrm>
+        </p:spPr>
+        <p:txBody>
+          <a:bodyPr/>
+          <a:lstStyle/>
+          <a:p>
+            <a:r>
+              <a:rPr lang="ru-RU" smtClean="0"/>
+              <a:t>Образец заголовка</a:t>
+            </a:r>
+            <a:endParaRPr lang="en-US" dirty="0"/>
+          </a:p>
+        </p:txBody>
+      </p:sp>
+      <p:sp>
+        <p:nvSpPr>
+          <p:cNvPr id="5" name="Date Placeholder 4"/>
           <p:cNvSpPr>
             <a:spLocks noGrp="1"/>
           </p:cNvSpPr>
@@ -1345,7 +1371,7 @@
           <a:p>
             <a:fld id="{59A4CC1F-664D-4651-BADE-B4764E3B834B}" type="datetimeFigureOut">
               <a:rPr lang="ru-RU" smtClean="0"/>
-              <a:t>10.03.2019</a:t>
+              <a:t>25.04.2019</a:t>
             </a:fld>
             <a:endParaRPr lang="ru-RU"/>
           </a:p>
@@ -1353,7 +1379,7 @@
       </p:sp>
       <p:sp>
         <p:nvSpPr>
-          <p:cNvPr id="6" name="Нижний колонтитул 5"/>
+          <p:cNvPr id="6" name="Footer Placeholder 5"/>
           <p:cNvSpPr>
             <a:spLocks noGrp="1"/>
           </p:cNvSpPr>
@@ -1372,7 +1398,7 @@
       </p:sp>
       <p:sp>
         <p:nvSpPr>
-          <p:cNvPr id="7" name="Номер слайда 6"/>
+          <p:cNvPr id="7" name="Slide Number Placeholder 6"/>
           <p:cNvSpPr>
             <a:spLocks noGrp="1"/>
           </p:cNvSpPr>
@@ -1394,11 +1420,6 @@
         </p:txBody>
       </p:sp>
     </p:spTree>
-    <p:extLst>
-      <p:ext uri="{BB962C8B-B14F-4D97-AF65-F5344CB8AC3E}">
-        <p14:creationId xmlns:p14="http://schemas.microsoft.com/office/powerpoint/2010/main" val="606818580"/>
-      </p:ext>
-    </p:extLst>
   </p:cSld>
   <p:clrMapOvr>
     <a:masterClrMapping/>
@@ -1425,7 +1446,171 @@
       </p:grpSpPr>
       <p:sp>
         <p:nvSpPr>
-          <p:cNvPr id="2" name="Заголовок 1"/>
+          <p:cNvPr id="13" name="Content Placeholder 12"/>
+          <p:cNvSpPr>
+            <a:spLocks noGrp="1"/>
+          </p:cNvSpPr>
+          <p:nvPr>
+            <p:ph sz="quarter" idx="14"/>
+          </p:nvPr>
+        </p:nvSpPr>
+        <p:spPr>
+          <a:xfrm>
+            <a:off x="4800600" y="2209800"/>
+            <a:ext cx="3733800" cy="3505200"/>
+          </a:xfrm>
+        </p:spPr>
+        <p:txBody>
+          <a:bodyPr/>
+          <a:lstStyle>
+            <a:lvl6pPr>
+              <a:buClr>
+                <a:schemeClr val="tx2"/>
+              </a:buClr>
+              <a:defRPr/>
+            </a:lvl6pPr>
+            <a:lvl7pPr>
+              <a:buClr>
+                <a:schemeClr val="tx2"/>
+              </a:buClr>
+              <a:defRPr/>
+            </a:lvl7pPr>
+            <a:lvl8pPr>
+              <a:buClr>
+                <a:schemeClr val="tx2"/>
+              </a:buClr>
+              <a:defRPr/>
+            </a:lvl8pPr>
+            <a:lvl9pPr>
+              <a:buClr>
+                <a:schemeClr val="tx2"/>
+              </a:buClr>
+              <a:defRPr/>
+            </a:lvl9pPr>
+          </a:lstStyle>
+          <a:p>
+            <a:pPr lvl="0"/>
+            <a:r>
+              <a:rPr lang="ru-RU" smtClean="0"/>
+              <a:t>Образец текста</a:t>
+            </a:r>
+          </a:p>
+          <a:p>
+            <a:pPr lvl="1"/>
+            <a:r>
+              <a:rPr lang="ru-RU" smtClean="0"/>
+              <a:t>Второй уровень</a:t>
+            </a:r>
+          </a:p>
+          <a:p>
+            <a:pPr lvl="2"/>
+            <a:r>
+              <a:rPr lang="ru-RU" smtClean="0"/>
+              <a:t>Третий уровень</a:t>
+            </a:r>
+          </a:p>
+          <a:p>
+            <a:pPr lvl="3"/>
+            <a:r>
+              <a:rPr lang="ru-RU" smtClean="0"/>
+              <a:t>Четвертый уровень</a:t>
+            </a:r>
+          </a:p>
+          <a:p>
+            <a:pPr lvl="4"/>
+            <a:r>
+              <a:rPr lang="ru-RU" smtClean="0"/>
+              <a:t>Пятый уровень</a:t>
+            </a:r>
+            <a:endParaRPr lang="en-US" dirty="0" smtClean="0"/>
+          </a:p>
+        </p:txBody>
+      </p:sp>
+      <p:sp>
+        <p:nvSpPr>
+          <p:cNvPr id="11" name="Content Placeholder 10"/>
+          <p:cNvSpPr>
+            <a:spLocks noGrp="1"/>
+          </p:cNvSpPr>
+          <p:nvPr>
+            <p:ph sz="quarter" idx="13"/>
+          </p:nvPr>
+        </p:nvSpPr>
+        <p:spPr>
+          <a:xfrm>
+            <a:off x="609600" y="2209800"/>
+            <a:ext cx="3733800" cy="3505200"/>
+          </a:xfrm>
+        </p:spPr>
+        <p:txBody>
+          <a:bodyPr/>
+          <a:lstStyle>
+            <a:lvl6pPr>
+              <a:buClr>
+                <a:schemeClr val="tx2"/>
+              </a:buClr>
+              <a:defRPr/>
+            </a:lvl6pPr>
+            <a:lvl7pPr>
+              <a:buClr>
+                <a:schemeClr val="tx2"/>
+              </a:buClr>
+              <a:defRPr/>
+            </a:lvl7pPr>
+            <a:lvl8pPr>
+              <a:buClr>
+                <a:schemeClr val="tx2"/>
+              </a:buClr>
+              <a:defRPr/>
+            </a:lvl8pPr>
+            <a:lvl9pPr>
+              <a:buClr>
+                <a:schemeClr val="tx2"/>
+              </a:buClr>
+              <a:defRPr/>
+            </a:lvl9pPr>
+          </a:lstStyle>
+          <a:p>
+            <a:pPr lvl="0"/>
+            <a:r>
+              <a:rPr lang="ru-RU" smtClean="0"/>
+              <a:t>Образец текста</a:t>
+            </a:r>
+          </a:p>
+          <a:p>
+            <a:pPr lvl="1"/>
+            <a:r>
+              <a:rPr lang="ru-RU" smtClean="0"/>
+              <a:t>Второй уровень</a:t>
+            </a:r>
+          </a:p>
+          <a:p>
+            <a:pPr lvl="2"/>
+            <a:r>
+              <a:rPr lang="ru-RU" smtClean="0"/>
+              <a:t>Третий уровень</a:t>
+            </a:r>
+          </a:p>
+          <a:p>
+            <a:pPr lvl="3"/>
+            <a:r>
+              <a:rPr lang="ru-RU" smtClean="0"/>
+              <a:t>Четвертый уровень</a:t>
+            </a:r>
+          </a:p>
+          <a:p>
+            <a:pPr lvl="4"/>
+            <a:r>
+              <a:rPr lang="ru-RU" smtClean="0"/>
+              <a:t>Пятый уровень</a:t>
+            </a:r>
+            <a:endParaRPr lang="en-US" dirty="0" smtClean="0"/>
+          </a:p>
+        </p:txBody>
+      </p:sp>
+      <p:sp>
+        <p:nvSpPr>
+          <p:cNvPr id="2" name="Title 1"/>
           <p:cNvSpPr>
             <a:spLocks noGrp="1"/>
           </p:cNvSpPr>
@@ -1433,7 +1618,12 @@
             <p:ph type="title"/>
           </p:nvPr>
         </p:nvSpPr>
-        <p:spPr/>
+        <p:spPr>
+          <a:xfrm>
+            <a:off x="609600" y="274638"/>
+            <a:ext cx="7924800" cy="1143000"/>
+          </a:xfrm>
+        </p:spPr>
         <p:txBody>
           <a:bodyPr/>
           <a:lstStyle>
@@ -1446,13 +1636,13 @@
               <a:rPr lang="ru-RU" smtClean="0"/>
               <a:t>Образец заголовка</a:t>
             </a:r>
-            <a:endParaRPr lang="ru-RU"/>
-          </a:p>
-        </p:txBody>
-      </p:sp>
-      <p:sp>
-        <p:nvSpPr>
-          <p:cNvPr id="3" name="Текст 2"/>
+            <a:endParaRPr lang="en-US" dirty="0"/>
+          </a:p>
+        </p:txBody>
+      </p:sp>
+      <p:sp>
+        <p:nvSpPr>
+          <p:cNvPr id="3" name="Text Placeholder 2"/>
           <p:cNvSpPr>
             <a:spLocks noGrp="1"/>
           </p:cNvSpPr>
@@ -1462,16 +1652,22 @@
         </p:nvSpPr>
         <p:spPr>
           <a:xfrm>
-            <a:off x="457200" y="1535113"/>
-            <a:ext cx="4040188" cy="639762"/>
+            <a:off x="609600" y="1600199"/>
+            <a:ext cx="3733800" cy="574675"/>
           </a:xfrm>
         </p:spPr>
         <p:txBody>
-          <a:bodyPr anchor="b"/>
+          <a:bodyPr anchor="b">
+            <a:normAutofit/>
+          </a:bodyPr>
           <a:lstStyle>
             <a:lvl1pPr marL="0" indent="0">
               <a:buNone/>
-              <a:defRPr sz="2400" b="1"/>
+              <a:defRPr sz="1700" b="0" i="0" baseline="0">
+                <a:solidFill>
+                  <a:schemeClr val="tx2"/>
+                </a:solidFill>
+              </a:defRPr>
             </a:lvl1pPr>
             <a:lvl2pPr marL="457200" indent="0">
               <a:buNone/>
@@ -1517,111 +1713,32 @@
       </p:sp>
       <p:sp>
         <p:nvSpPr>
-          <p:cNvPr id="4" name="Объект 3"/>
-          <p:cNvSpPr>
-            <a:spLocks noGrp="1"/>
-          </p:cNvSpPr>
-          <p:nvPr>
-            <p:ph sz="half" idx="2"/>
+          <p:cNvPr id="5" name="Text Placeholder 4"/>
+          <p:cNvSpPr>
+            <a:spLocks noGrp="1"/>
+          </p:cNvSpPr>
+          <p:nvPr>
+            <p:ph type="body" sz="quarter" idx="3"/>
           </p:nvPr>
         </p:nvSpPr>
         <p:spPr>
           <a:xfrm>
-            <a:off x="457200" y="2174875"/>
-            <a:ext cx="4040188" cy="3951288"/>
+            <a:off x="4800600" y="1600199"/>
+            <a:ext cx="3733800" cy="574675"/>
           </a:xfrm>
         </p:spPr>
         <p:txBody>
-          <a:bodyPr/>
-          <a:lstStyle>
-            <a:lvl1pPr>
-              <a:defRPr sz="2400"/>
-            </a:lvl1pPr>
-            <a:lvl2pPr>
-              <a:defRPr sz="2000"/>
-            </a:lvl2pPr>
-            <a:lvl3pPr>
-              <a:defRPr sz="1800"/>
-            </a:lvl3pPr>
-            <a:lvl4pPr>
-              <a:defRPr sz="1600"/>
-            </a:lvl4pPr>
-            <a:lvl5pPr>
-              <a:defRPr sz="1600"/>
-            </a:lvl5pPr>
-            <a:lvl6pPr>
-              <a:defRPr sz="1600"/>
-            </a:lvl6pPr>
-            <a:lvl7pPr>
-              <a:defRPr sz="1600"/>
-            </a:lvl7pPr>
-            <a:lvl8pPr>
-              <a:defRPr sz="1600"/>
-            </a:lvl8pPr>
-            <a:lvl9pPr>
-              <a:defRPr sz="1600"/>
-            </a:lvl9pPr>
-          </a:lstStyle>
-          <a:p>
-            <a:pPr lvl="0"/>
-            <a:r>
-              <a:rPr lang="ru-RU" smtClean="0"/>
-              <a:t>Образец текста</a:t>
-            </a:r>
-          </a:p>
-          <a:p>
-            <a:pPr lvl="1"/>
-            <a:r>
-              <a:rPr lang="ru-RU" smtClean="0"/>
-              <a:t>Второй уровень</a:t>
-            </a:r>
-          </a:p>
-          <a:p>
-            <a:pPr lvl="2"/>
-            <a:r>
-              <a:rPr lang="ru-RU" smtClean="0"/>
-              <a:t>Третий уровень</a:t>
-            </a:r>
-          </a:p>
-          <a:p>
-            <a:pPr lvl="3"/>
-            <a:r>
-              <a:rPr lang="ru-RU" smtClean="0"/>
-              <a:t>Четвертый уровень</a:t>
-            </a:r>
-          </a:p>
-          <a:p>
-            <a:pPr lvl="4"/>
-            <a:r>
-              <a:rPr lang="ru-RU" smtClean="0"/>
-              <a:t>Пятый уровень</a:t>
-            </a:r>
-            <a:endParaRPr lang="ru-RU"/>
-          </a:p>
-        </p:txBody>
-      </p:sp>
-      <p:sp>
-        <p:nvSpPr>
-          <p:cNvPr id="5" name="Текст 4"/>
-          <p:cNvSpPr>
-            <a:spLocks noGrp="1"/>
-          </p:cNvSpPr>
-          <p:nvPr>
-            <p:ph type="body" sz="quarter" idx="3"/>
-          </p:nvPr>
-        </p:nvSpPr>
-        <p:spPr>
-          <a:xfrm>
-            <a:off x="4645025" y="1535113"/>
-            <a:ext cx="4041775" cy="639762"/>
-          </a:xfrm>
-        </p:spPr>
-        <p:txBody>
-          <a:bodyPr anchor="b"/>
+          <a:bodyPr anchor="b">
+            <a:normAutofit/>
+          </a:bodyPr>
           <a:lstStyle>
             <a:lvl1pPr marL="0" indent="0">
               <a:buNone/>
-              <a:defRPr sz="2400" b="1"/>
+              <a:defRPr sz="1700" b="0" i="0" baseline="0">
+                <a:solidFill>
+                  <a:schemeClr val="tx2"/>
+                </a:solidFill>
+              </a:defRPr>
             </a:lvl1pPr>
             <a:lvl2pPr marL="457200" indent="0">
               <a:buNone/>
@@ -1667,107 +1784,22 @@
       </p:sp>
       <p:sp>
         <p:nvSpPr>
-          <p:cNvPr id="6" name="Объект 5"/>
-          <p:cNvSpPr>
-            <a:spLocks noGrp="1"/>
-          </p:cNvSpPr>
-          <p:nvPr>
-            <p:ph sz="quarter" idx="4"/>
-          </p:nvPr>
-        </p:nvSpPr>
-        <p:spPr>
-          <a:xfrm>
-            <a:off x="4645025" y="2174875"/>
-            <a:ext cx="4041775" cy="3951288"/>
-          </a:xfrm>
-        </p:spPr>
+          <p:cNvPr id="7" name="Date Placeholder 6"/>
+          <p:cNvSpPr>
+            <a:spLocks noGrp="1"/>
+          </p:cNvSpPr>
+          <p:nvPr>
+            <p:ph type="dt" sz="half" idx="10"/>
+          </p:nvPr>
+        </p:nvSpPr>
+        <p:spPr/>
         <p:txBody>
           <a:bodyPr/>
-          <a:lstStyle>
-            <a:lvl1pPr>
-              <a:defRPr sz="2400"/>
-            </a:lvl1pPr>
-            <a:lvl2pPr>
-              <a:defRPr sz="2000"/>
-            </a:lvl2pPr>
-            <a:lvl3pPr>
-              <a:defRPr sz="1800"/>
-            </a:lvl3pPr>
-            <a:lvl4pPr>
-              <a:defRPr sz="1600"/>
-            </a:lvl4pPr>
-            <a:lvl5pPr>
-              <a:defRPr sz="1600"/>
-            </a:lvl5pPr>
-            <a:lvl6pPr>
-              <a:defRPr sz="1600"/>
-            </a:lvl6pPr>
-            <a:lvl7pPr>
-              <a:defRPr sz="1600"/>
-            </a:lvl7pPr>
-            <a:lvl8pPr>
-              <a:defRPr sz="1600"/>
-            </a:lvl8pPr>
-            <a:lvl9pPr>
-              <a:defRPr sz="1600"/>
-            </a:lvl9pPr>
-          </a:lstStyle>
-          <a:p>
-            <a:pPr lvl="0"/>
-            <a:r>
-              <a:rPr lang="ru-RU" smtClean="0"/>
-              <a:t>Образец текста</a:t>
-            </a:r>
-          </a:p>
-          <a:p>
-            <a:pPr lvl="1"/>
-            <a:r>
-              <a:rPr lang="ru-RU" smtClean="0"/>
-              <a:t>Второй уровень</a:t>
-            </a:r>
-          </a:p>
-          <a:p>
-            <a:pPr lvl="2"/>
-            <a:r>
-              <a:rPr lang="ru-RU" smtClean="0"/>
-              <a:t>Третий уровень</a:t>
-            </a:r>
-          </a:p>
-          <a:p>
-            <a:pPr lvl="3"/>
-            <a:r>
-              <a:rPr lang="ru-RU" smtClean="0"/>
-              <a:t>Четвертый уровень</a:t>
-            </a:r>
-          </a:p>
-          <a:p>
-            <a:pPr lvl="4"/>
-            <a:r>
-              <a:rPr lang="ru-RU" smtClean="0"/>
-              <a:t>Пятый уровень</a:t>
-            </a:r>
-            <a:endParaRPr lang="ru-RU"/>
-          </a:p>
-        </p:txBody>
-      </p:sp>
-      <p:sp>
-        <p:nvSpPr>
-          <p:cNvPr id="7" name="Дата 6"/>
-          <p:cNvSpPr>
-            <a:spLocks noGrp="1"/>
-          </p:cNvSpPr>
-          <p:nvPr>
-            <p:ph type="dt" sz="half" idx="10"/>
-          </p:nvPr>
-        </p:nvSpPr>
-        <p:spPr/>
-        <p:txBody>
-          <a:bodyPr/>
           <a:lstStyle/>
           <a:p>
             <a:fld id="{59A4CC1F-664D-4651-BADE-B4764E3B834B}" type="datetimeFigureOut">
               <a:rPr lang="ru-RU" smtClean="0"/>
-              <a:t>10.03.2019</a:t>
+              <a:t>25.04.2019</a:t>
             </a:fld>
             <a:endParaRPr lang="ru-RU"/>
           </a:p>
@@ -1775,7 +1807,7 @@
       </p:sp>
       <p:sp>
         <p:nvSpPr>
-          <p:cNvPr id="8" name="Нижний колонтитул 7"/>
+          <p:cNvPr id="8" name="Footer Placeholder 7"/>
           <p:cNvSpPr>
             <a:spLocks noGrp="1"/>
           </p:cNvSpPr>
@@ -1794,7 +1826,7 @@
       </p:sp>
       <p:sp>
         <p:nvSpPr>
-          <p:cNvPr id="9" name="Номер слайда 8"/>
+          <p:cNvPr id="9" name="Slide Number Placeholder 8"/>
           <p:cNvSpPr>
             <a:spLocks noGrp="1"/>
           </p:cNvSpPr>
@@ -1816,11 +1848,6 @@
         </p:txBody>
       </p:sp>
     </p:spTree>
-    <p:extLst>
-      <p:ext uri="{BB962C8B-B14F-4D97-AF65-F5344CB8AC3E}">
-        <p14:creationId xmlns:p14="http://schemas.microsoft.com/office/powerpoint/2010/main" val="2912413023"/>
-      </p:ext>
-    </p:extLst>
   </p:cSld>
   <p:clrMapOvr>
     <a:masterClrMapping/>
@@ -1847,7 +1874,7 @@
       </p:grpSpPr>
       <p:sp>
         <p:nvSpPr>
-          <p:cNvPr id="2" name="Заголовок 1"/>
+          <p:cNvPr id="2" name="Title 1"/>
           <p:cNvSpPr>
             <a:spLocks noGrp="1"/>
           </p:cNvSpPr>
@@ -1855,37 +1882,42 @@
             <p:ph type="title"/>
           </p:nvPr>
         </p:nvSpPr>
+        <p:spPr>
+          <a:xfrm>
+            <a:off x="609600" y="274638"/>
+            <a:ext cx="7924800" cy="1143000"/>
+          </a:xfrm>
+        </p:spPr>
+        <p:txBody>
+          <a:bodyPr/>
+          <a:lstStyle/>
+          <a:p>
+            <a:r>
+              <a:rPr lang="ru-RU" smtClean="0"/>
+              <a:t>Образец заголовка</a:t>
+            </a:r>
+            <a:endParaRPr lang="en-US" dirty="0"/>
+          </a:p>
+        </p:txBody>
+      </p:sp>
+      <p:sp>
+        <p:nvSpPr>
+          <p:cNvPr id="3" name="Date Placeholder 2"/>
+          <p:cNvSpPr>
+            <a:spLocks noGrp="1"/>
+          </p:cNvSpPr>
+          <p:nvPr>
+            <p:ph type="dt" sz="half" idx="10"/>
+          </p:nvPr>
+        </p:nvSpPr>
         <p:spPr/>
         <p:txBody>
           <a:bodyPr/>
           <a:lstStyle/>
           <a:p>
-            <a:r>
-              <a:rPr lang="ru-RU" smtClean="0"/>
-              <a:t>Образец заголовка</a:t>
-            </a:r>
-            <a:endParaRPr lang="ru-RU"/>
-          </a:p>
-        </p:txBody>
-      </p:sp>
-      <p:sp>
-        <p:nvSpPr>
-          <p:cNvPr id="3" name="Дата 2"/>
-          <p:cNvSpPr>
-            <a:spLocks noGrp="1"/>
-          </p:cNvSpPr>
-          <p:nvPr>
-            <p:ph type="dt" sz="half" idx="10"/>
-          </p:nvPr>
-        </p:nvSpPr>
-        <p:spPr/>
-        <p:txBody>
-          <a:bodyPr/>
-          <a:lstStyle/>
-          <a:p>
             <a:fld id="{59A4CC1F-664D-4651-BADE-B4764E3B834B}" type="datetimeFigureOut">
               <a:rPr lang="ru-RU" smtClean="0"/>
-              <a:t>10.03.2019</a:t>
+              <a:t>25.04.2019</a:t>
             </a:fld>
             <a:endParaRPr lang="ru-RU"/>
           </a:p>
@@ -1893,7 +1925,7 @@
       </p:sp>
       <p:sp>
         <p:nvSpPr>
-          <p:cNvPr id="4" name="Нижний колонтитул 3"/>
+          <p:cNvPr id="4" name="Footer Placeholder 3"/>
           <p:cNvSpPr>
             <a:spLocks noGrp="1"/>
           </p:cNvSpPr>
@@ -1912,7 +1944,7 @@
       </p:sp>
       <p:sp>
         <p:nvSpPr>
-          <p:cNvPr id="5" name="Номер слайда 4"/>
+          <p:cNvPr id="5" name="Slide Number Placeholder 4"/>
           <p:cNvSpPr>
             <a:spLocks noGrp="1"/>
           </p:cNvSpPr>
@@ -1934,11 +1966,6 @@
         </p:txBody>
       </p:sp>
     </p:spTree>
-    <p:extLst>
-      <p:ext uri="{BB962C8B-B14F-4D97-AF65-F5344CB8AC3E}">
-        <p14:creationId xmlns:p14="http://schemas.microsoft.com/office/powerpoint/2010/main" val="4281955079"/>
-      </p:ext>
-    </p:extLst>
   </p:cSld>
   <p:clrMapOvr>
     <a:masterClrMapping/>
@@ -1965,7 +1992,7 @@
       </p:grpSpPr>
       <p:sp>
         <p:nvSpPr>
-          <p:cNvPr id="2" name="Дата 1"/>
+          <p:cNvPr id="2" name="Date Placeholder 1"/>
           <p:cNvSpPr>
             <a:spLocks noGrp="1"/>
           </p:cNvSpPr>
@@ -1980,7 +2007,7 @@
           <a:p>
             <a:fld id="{59A4CC1F-664D-4651-BADE-B4764E3B834B}" type="datetimeFigureOut">
               <a:rPr lang="ru-RU" smtClean="0"/>
-              <a:t>10.03.2019</a:t>
+              <a:t>25.04.2019</a:t>
             </a:fld>
             <a:endParaRPr lang="ru-RU"/>
           </a:p>
@@ -1988,7 +2015,7 @@
       </p:sp>
       <p:sp>
         <p:nvSpPr>
-          <p:cNvPr id="3" name="Нижний колонтитул 2"/>
+          <p:cNvPr id="3" name="Footer Placeholder 2"/>
           <p:cNvSpPr>
             <a:spLocks noGrp="1"/>
           </p:cNvSpPr>
@@ -2007,7 +2034,7 @@
       </p:sp>
       <p:sp>
         <p:nvSpPr>
-          <p:cNvPr id="4" name="Номер слайда 3"/>
+          <p:cNvPr id="4" name="Slide Number Placeholder 3"/>
           <p:cNvSpPr>
             <a:spLocks noGrp="1"/>
           </p:cNvSpPr>
@@ -2029,11 +2056,6 @@
         </p:txBody>
       </p:sp>
     </p:spTree>
-    <p:extLst>
-      <p:ext uri="{BB962C8B-B14F-4D97-AF65-F5344CB8AC3E}">
-        <p14:creationId xmlns:p14="http://schemas.microsoft.com/office/powerpoint/2010/main" val="2489054612"/>
-      </p:ext>
-    </p:extLst>
   </p:cSld>
   <p:clrMapOvr>
     <a:masterClrMapping/>
@@ -2060,25 +2082,86 @@
       </p:grpSpPr>
       <p:sp>
         <p:nvSpPr>
-          <p:cNvPr id="2" name="Заголовок 1"/>
-          <p:cNvSpPr>
-            <a:spLocks noGrp="1"/>
-          </p:cNvSpPr>
-          <p:nvPr>
-            <p:ph type="title"/>
+          <p:cNvPr id="9" name="Content Placeholder 8"/>
+          <p:cNvSpPr>
+            <a:spLocks noGrp="1"/>
+          </p:cNvSpPr>
+          <p:nvPr>
+            <p:ph sz="quarter" idx="13"/>
           </p:nvPr>
         </p:nvSpPr>
         <p:spPr>
           <a:xfrm>
-            <a:off x="457200" y="273050"/>
-            <a:ext cx="3008313" cy="1162050"/>
+            <a:off x="3962400" y="1447800"/>
+            <a:ext cx="4648200" cy="4267200"/>
+          </a:xfrm>
+        </p:spPr>
+        <p:txBody>
+          <a:bodyPr/>
+          <a:lstStyle/>
+          <a:p>
+            <a:pPr lvl="0"/>
+            <a:r>
+              <a:rPr lang="ru-RU" smtClean="0"/>
+              <a:t>Образец текста</a:t>
+            </a:r>
+          </a:p>
+          <a:p>
+            <a:pPr lvl="1"/>
+            <a:r>
+              <a:rPr lang="ru-RU" smtClean="0"/>
+              <a:t>Второй уровень</a:t>
+            </a:r>
+          </a:p>
+          <a:p>
+            <a:pPr lvl="2"/>
+            <a:r>
+              <a:rPr lang="ru-RU" smtClean="0"/>
+              <a:t>Третий уровень</a:t>
+            </a:r>
+          </a:p>
+          <a:p>
+            <a:pPr lvl="3"/>
+            <a:r>
+              <a:rPr lang="ru-RU" smtClean="0"/>
+              <a:t>Четвертый уровень</a:t>
+            </a:r>
+          </a:p>
+          <a:p>
+            <a:pPr lvl="4"/>
+            <a:r>
+              <a:rPr lang="ru-RU" smtClean="0"/>
+              <a:t>Пятый уровень</a:t>
+            </a:r>
+            <a:endParaRPr lang="en-US" dirty="0"/>
+          </a:p>
+        </p:txBody>
+      </p:sp>
+      <p:sp>
+        <p:nvSpPr>
+          <p:cNvPr id="2" name="Title 1"/>
+          <p:cNvSpPr>
+            <a:spLocks noGrp="1"/>
+          </p:cNvSpPr>
+          <p:nvPr>
+            <p:ph type="title"/>
+          </p:nvPr>
+        </p:nvSpPr>
+        <p:spPr>
+          <a:xfrm>
+            <a:off x="612648" y="1447800"/>
+            <a:ext cx="2971800" cy="1097280"/>
           </a:xfrm>
         </p:spPr>
         <p:txBody>
           <a:bodyPr anchor="b"/>
           <a:lstStyle>
             <a:lvl1pPr algn="l">
-              <a:defRPr sz="2000" b="1"/>
+              <a:defRPr sz="1800" b="0" i="0" cap="none" baseline="0">
+                <a:solidFill>
+                  <a:schemeClr val="tx2"/>
+                </a:solidFill>
+              </a:defRPr>
             </a:lvl1pPr>
           </a:lstStyle>
           <a:p>
@@ -2086,113 +2169,30 @@
               <a:rPr lang="ru-RU" smtClean="0"/>
               <a:t>Образец заголовка</a:t>
             </a:r>
-            <a:endParaRPr lang="ru-RU"/>
-          </a:p>
-        </p:txBody>
-      </p:sp>
-      <p:sp>
-        <p:nvSpPr>
-          <p:cNvPr id="3" name="Объект 2"/>
-          <p:cNvSpPr>
-            <a:spLocks noGrp="1"/>
-          </p:cNvSpPr>
-          <p:nvPr>
-            <p:ph idx="1"/>
+            <a:endParaRPr lang="en-US" dirty="0"/>
+          </a:p>
+        </p:txBody>
+      </p:sp>
+      <p:sp>
+        <p:nvSpPr>
+          <p:cNvPr id="4" name="Text Placeholder 3"/>
+          <p:cNvSpPr>
+            <a:spLocks noGrp="1"/>
+          </p:cNvSpPr>
+          <p:nvPr>
+            <p:ph type="body" sz="half" idx="2"/>
           </p:nvPr>
         </p:nvSpPr>
         <p:spPr>
           <a:xfrm>
-            <a:off x="3575050" y="273050"/>
-            <a:ext cx="5111750" cy="5853113"/>
+            <a:off x="612648" y="2547891"/>
+            <a:ext cx="2971800" cy="3167109"/>
           </a:xfrm>
         </p:spPr>
         <p:txBody>
-          <a:bodyPr/>
-          <a:lstStyle>
-            <a:lvl1pPr>
-              <a:defRPr sz="3200"/>
-            </a:lvl1pPr>
-            <a:lvl2pPr>
-              <a:defRPr sz="2800"/>
-            </a:lvl2pPr>
-            <a:lvl3pPr>
-              <a:defRPr sz="2400"/>
-            </a:lvl3pPr>
-            <a:lvl4pPr>
-              <a:defRPr sz="2000"/>
-            </a:lvl4pPr>
-            <a:lvl5pPr>
-              <a:defRPr sz="2000"/>
-            </a:lvl5pPr>
-            <a:lvl6pPr>
-              <a:defRPr sz="2000"/>
-            </a:lvl6pPr>
-            <a:lvl7pPr>
-              <a:defRPr sz="2000"/>
-            </a:lvl7pPr>
-            <a:lvl8pPr>
-              <a:defRPr sz="2000"/>
-            </a:lvl8pPr>
-            <a:lvl9pPr>
-              <a:defRPr sz="2000"/>
-            </a:lvl9pPr>
-          </a:lstStyle>
-          <a:p>
-            <a:pPr lvl="0"/>
-            <a:r>
-              <a:rPr lang="ru-RU" smtClean="0"/>
-              <a:t>Образец текста</a:t>
-            </a:r>
-          </a:p>
-          <a:p>
-            <a:pPr lvl="1"/>
-            <a:r>
-              <a:rPr lang="ru-RU" smtClean="0"/>
-              <a:t>Второй уровень</a:t>
-            </a:r>
-          </a:p>
-          <a:p>
-            <a:pPr lvl="2"/>
-            <a:r>
-              <a:rPr lang="ru-RU" smtClean="0"/>
-              <a:t>Третий уровень</a:t>
-            </a:r>
-          </a:p>
-          <a:p>
-            <a:pPr lvl="3"/>
-            <a:r>
-              <a:rPr lang="ru-RU" smtClean="0"/>
-              <a:t>Четвертый уровень</a:t>
-            </a:r>
-          </a:p>
-          <a:p>
-            <a:pPr lvl="4"/>
-            <a:r>
-              <a:rPr lang="ru-RU" smtClean="0"/>
-              <a:t>Пятый уровень</a:t>
-            </a:r>
-            <a:endParaRPr lang="ru-RU"/>
-          </a:p>
-        </p:txBody>
-      </p:sp>
-      <p:sp>
-        <p:nvSpPr>
-          <p:cNvPr id="4" name="Текст 3"/>
-          <p:cNvSpPr>
-            <a:spLocks noGrp="1"/>
-          </p:cNvSpPr>
-          <p:nvPr>
-            <p:ph type="body" sz="half" idx="2"/>
-          </p:nvPr>
-        </p:nvSpPr>
-        <p:spPr>
-          <a:xfrm>
-            <a:off x="457200" y="1435100"/>
-            <a:ext cx="3008313" cy="4691063"/>
-          </a:xfrm>
-        </p:spPr>
-        <p:txBody>
-          <a:bodyPr/>
+          <a:bodyPr tIns="9144">
+            <a:normAutofit/>
+          </a:bodyPr>
           <a:lstStyle>
             <a:lvl1pPr marL="0" indent="0">
               <a:buNone/>
@@ -2242,7 +2242,7 @@
       </p:sp>
       <p:sp>
         <p:nvSpPr>
-          <p:cNvPr id="5" name="Дата 4"/>
+          <p:cNvPr id="5" name="Date Placeholder 4"/>
           <p:cNvSpPr>
             <a:spLocks noGrp="1"/>
           </p:cNvSpPr>
@@ -2257,7 +2257,7 @@
           <a:p>
             <a:fld id="{59A4CC1F-664D-4651-BADE-B4764E3B834B}" type="datetimeFigureOut">
               <a:rPr lang="ru-RU" smtClean="0"/>
-              <a:t>10.03.2019</a:t>
+              <a:t>25.04.2019</a:t>
             </a:fld>
             <a:endParaRPr lang="ru-RU"/>
           </a:p>
@@ -2265,7 +2265,7 @@
       </p:sp>
       <p:sp>
         <p:nvSpPr>
-          <p:cNvPr id="6" name="Нижний колонтитул 5"/>
+          <p:cNvPr id="6" name="Footer Placeholder 5"/>
           <p:cNvSpPr>
             <a:spLocks noGrp="1"/>
           </p:cNvSpPr>
@@ -2284,7 +2284,7 @@
       </p:sp>
       <p:sp>
         <p:nvSpPr>
-          <p:cNvPr id="7" name="Номер слайда 6"/>
+          <p:cNvPr id="7" name="Slide Number Placeholder 6"/>
           <p:cNvSpPr>
             <a:spLocks noGrp="1"/>
           </p:cNvSpPr>
@@ -2306,11 +2306,6 @@
         </p:txBody>
       </p:sp>
     </p:spTree>
-    <p:extLst>
-      <p:ext uri="{BB962C8B-B14F-4D97-AF65-F5344CB8AC3E}">
-        <p14:creationId xmlns:p14="http://schemas.microsoft.com/office/powerpoint/2010/main" val="702865941"/>
-      </p:ext>
-    </p:extLst>
   </p:cSld>
   <p:clrMapOvr>
     <a:masterClrMapping/>
@@ -2319,7 +2314,7 @@
 </file>
 
 <file path=ppt/slideLayouts/slideLayout9.xml><?xml version="1.0" encoding="utf-8"?>
-<p:sldLayout xmlns:a="http://schemas.openxmlformats.org/drawingml/2006/main" xmlns:r="http://schemas.openxmlformats.org/officeDocument/2006/relationships" xmlns:p="http://schemas.openxmlformats.org/presentationml/2006/main" type="picTx" preserve="1">
+<p:sldLayout xmlns:a="http://schemas.openxmlformats.org/drawingml/2006/main" xmlns:r="http://schemas.openxmlformats.org/officeDocument/2006/relationships" xmlns:p="http://schemas.openxmlformats.org/presentationml/2006/main" showMasterSp="0" type="picTx" preserve="1">
   <p:cSld name="Рисунок с подписью">
     <p:spTree>
       <p:nvGrpSpPr>
@@ -2335,27 +2330,55 @@
           <a:chExt cx="0" cy="0"/>
         </a:xfrm>
       </p:grpSpPr>
-      <p:sp>
-        <p:nvSpPr>
-          <p:cNvPr id="2" name="Заголовок 1"/>
-          <p:cNvSpPr>
-            <a:spLocks noGrp="1"/>
-          </p:cNvSpPr>
-          <p:nvPr>
-            <p:ph type="title"/>
-          </p:nvPr>
-        </p:nvSpPr>
+      <p:pic>
+        <p:nvPicPr>
+          <p:cNvPr id="11" name="Picture 10" descr="horizon.png"/>
+          <p:cNvPicPr>
+            <a:picLocks noChangeAspect="1"/>
+          </p:cNvPicPr>
+          <p:nvPr/>
+        </p:nvPicPr>
+        <p:blipFill>
+          <a:blip r:embed="rId2" cstate="print"/>
+          <a:stretch>
+            <a:fillRect/>
+          </a:stretch>
+        </p:blipFill>
         <p:spPr>
           <a:xfrm>
-            <a:off x="1792288" y="4800600"/>
-            <a:ext cx="5486400" cy="566738"/>
+            <a:off x="0" y="0"/>
+            <a:ext cx="9144000" cy="6858000"/>
+          </a:xfrm>
+          <a:prstGeom prst="rect">
+            <a:avLst/>
+          </a:prstGeom>
+        </p:spPr>
+      </p:pic>
+      <p:sp>
+        <p:nvSpPr>
+          <p:cNvPr id="2" name="Title 1"/>
+          <p:cNvSpPr>
+            <a:spLocks noGrp="1"/>
+          </p:cNvSpPr>
+          <p:nvPr>
+            <p:ph type="title"/>
+          </p:nvPr>
+        </p:nvSpPr>
+        <p:spPr>
+          <a:xfrm>
+            <a:off x="609600" y="1447800"/>
+            <a:ext cx="2971800" cy="1097280"/>
           </a:xfrm>
         </p:spPr>
         <p:txBody>
           <a:bodyPr anchor="b"/>
           <a:lstStyle>
             <a:lvl1pPr algn="l">
-              <a:defRPr sz="2000" b="1"/>
+              <a:defRPr sz="1800" b="0" i="0" cap="none" baseline="0">
+                <a:solidFill>
+                  <a:schemeClr val="tx2"/>
+                </a:solidFill>
+              </a:defRPr>
             </a:lvl1pPr>
           </a:lstStyle>
           <a:p>
@@ -2363,13 +2386,13 @@
               <a:rPr lang="ru-RU" smtClean="0"/>
               <a:t>Образец заголовка</a:t>
             </a:r>
-            <a:endParaRPr lang="ru-RU"/>
-          </a:p>
-        </p:txBody>
-      </p:sp>
-      <p:sp>
-        <p:nvSpPr>
-          <p:cNvPr id="3" name="Рисунок 2"/>
+            <a:endParaRPr lang="en-US" dirty="0"/>
+          </a:p>
+        </p:txBody>
+      </p:sp>
+      <p:sp>
+        <p:nvSpPr>
+          <p:cNvPr id="3" name="Picture Placeholder 2"/>
           <p:cNvSpPr>
             <a:spLocks noGrp="1"/>
           </p:cNvSpPr>
@@ -2379,16 +2402,250 @@
         </p:nvSpPr>
         <p:spPr>
           <a:xfrm>
-            <a:off x="1792288" y="612775"/>
-            <a:ext cx="5486400" cy="4114800"/>
+            <a:off x="4657344" y="1447800"/>
+            <a:ext cx="3419856" cy="3474720"/>
           </a:xfrm>
+          <a:custGeom>
+            <a:avLst/>
+            <a:gdLst>
+              <a:gd name="connsiteX0" fmla="*/ 0 w 3419856"/>
+              <a:gd name="connsiteY0" fmla="*/ 74450 h 3429000"/>
+              <a:gd name="connsiteX1" fmla="*/ 21806 w 3419856"/>
+              <a:gd name="connsiteY1" fmla="*/ 21806 h 3429000"/>
+              <a:gd name="connsiteX2" fmla="*/ 74450 w 3419856"/>
+              <a:gd name="connsiteY2" fmla="*/ 0 h 3429000"/>
+              <a:gd name="connsiteX3" fmla="*/ 3345406 w 3419856"/>
+              <a:gd name="connsiteY3" fmla="*/ 0 h 3429000"/>
+              <a:gd name="connsiteX4" fmla="*/ 3398050 w 3419856"/>
+              <a:gd name="connsiteY4" fmla="*/ 21806 h 3429000"/>
+              <a:gd name="connsiteX5" fmla="*/ 3419856 w 3419856"/>
+              <a:gd name="connsiteY5" fmla="*/ 74450 h 3429000"/>
+              <a:gd name="connsiteX6" fmla="*/ 3419856 w 3419856"/>
+              <a:gd name="connsiteY6" fmla="*/ 3354550 h 3429000"/>
+              <a:gd name="connsiteX7" fmla="*/ 3398050 w 3419856"/>
+              <a:gd name="connsiteY7" fmla="*/ 3407194 h 3429000"/>
+              <a:gd name="connsiteX8" fmla="*/ 3345406 w 3419856"/>
+              <a:gd name="connsiteY8" fmla="*/ 3429000 h 3429000"/>
+              <a:gd name="connsiteX9" fmla="*/ 74450 w 3419856"/>
+              <a:gd name="connsiteY9" fmla="*/ 3429000 h 3429000"/>
+              <a:gd name="connsiteX10" fmla="*/ 21806 w 3419856"/>
+              <a:gd name="connsiteY10" fmla="*/ 3407194 h 3429000"/>
+              <a:gd name="connsiteX11" fmla="*/ 0 w 3419856"/>
+              <a:gd name="connsiteY11" fmla="*/ 3354550 h 3429000"/>
+              <a:gd name="connsiteX12" fmla="*/ 0 w 3419856"/>
+              <a:gd name="connsiteY12" fmla="*/ 74450 h 3429000"/>
+              <a:gd name="connsiteX0" fmla="*/ 0 w 3419856"/>
+              <a:gd name="connsiteY0" fmla="*/ 74450 h 3429000"/>
+              <a:gd name="connsiteX1" fmla="*/ 21806 w 3419856"/>
+              <a:gd name="connsiteY1" fmla="*/ 21806 h 3429000"/>
+              <a:gd name="connsiteX2" fmla="*/ 74450 w 3419856"/>
+              <a:gd name="connsiteY2" fmla="*/ 0 h 3429000"/>
+              <a:gd name="connsiteX3" fmla="*/ 3345406 w 3419856"/>
+              <a:gd name="connsiteY3" fmla="*/ 0 h 3429000"/>
+              <a:gd name="connsiteX4" fmla="*/ 3398050 w 3419856"/>
+              <a:gd name="connsiteY4" fmla="*/ 21806 h 3429000"/>
+              <a:gd name="connsiteX5" fmla="*/ 3419856 w 3419856"/>
+              <a:gd name="connsiteY5" fmla="*/ 74450 h 3429000"/>
+              <a:gd name="connsiteX6" fmla="*/ 3419856 w 3419856"/>
+              <a:gd name="connsiteY6" fmla="*/ 3354550 h 3429000"/>
+              <a:gd name="connsiteX7" fmla="*/ 3398050 w 3419856"/>
+              <a:gd name="connsiteY7" fmla="*/ 3407194 h 3429000"/>
+              <a:gd name="connsiteX8" fmla="*/ 3345406 w 3419856"/>
+              <a:gd name="connsiteY8" fmla="*/ 3429000 h 3429000"/>
+              <a:gd name="connsiteX9" fmla="*/ 21806 w 3419856"/>
+              <a:gd name="connsiteY9" fmla="*/ 3407194 h 3429000"/>
+              <a:gd name="connsiteX10" fmla="*/ 0 w 3419856"/>
+              <a:gd name="connsiteY10" fmla="*/ 3354550 h 3429000"/>
+              <a:gd name="connsiteX11" fmla="*/ 0 w 3419856"/>
+              <a:gd name="connsiteY11" fmla="*/ 74450 h 3429000"/>
+              <a:gd name="connsiteX0" fmla="*/ 0 w 3964392"/>
+              <a:gd name="connsiteY0" fmla="*/ 74450 h 3415968"/>
+              <a:gd name="connsiteX1" fmla="*/ 21806 w 3964392"/>
+              <a:gd name="connsiteY1" fmla="*/ 21806 h 3415968"/>
+              <a:gd name="connsiteX2" fmla="*/ 74450 w 3964392"/>
+              <a:gd name="connsiteY2" fmla="*/ 0 h 3415968"/>
+              <a:gd name="connsiteX3" fmla="*/ 3345406 w 3964392"/>
+              <a:gd name="connsiteY3" fmla="*/ 0 h 3415968"/>
+              <a:gd name="connsiteX4" fmla="*/ 3398050 w 3964392"/>
+              <a:gd name="connsiteY4" fmla="*/ 21806 h 3415968"/>
+              <a:gd name="connsiteX5" fmla="*/ 3419856 w 3964392"/>
+              <a:gd name="connsiteY5" fmla="*/ 74450 h 3415968"/>
+              <a:gd name="connsiteX6" fmla="*/ 3419856 w 3964392"/>
+              <a:gd name="connsiteY6" fmla="*/ 3354550 h 3415968"/>
+              <a:gd name="connsiteX7" fmla="*/ 3398050 w 3964392"/>
+              <a:gd name="connsiteY7" fmla="*/ 3407194 h 3415968"/>
+              <a:gd name="connsiteX8" fmla="*/ 21806 w 3964392"/>
+              <a:gd name="connsiteY8" fmla="*/ 3407194 h 3415968"/>
+              <a:gd name="connsiteX9" fmla="*/ 0 w 3964392"/>
+              <a:gd name="connsiteY9" fmla="*/ 3354550 h 3415968"/>
+              <a:gd name="connsiteX10" fmla="*/ 0 w 3964392"/>
+              <a:gd name="connsiteY10" fmla="*/ 74450 h 3415968"/>
+              <a:gd name="connsiteX0" fmla="*/ 0 w 3964392"/>
+              <a:gd name="connsiteY0" fmla="*/ 74450 h 3415968"/>
+              <a:gd name="connsiteX1" fmla="*/ 21806 w 3964392"/>
+              <a:gd name="connsiteY1" fmla="*/ 21806 h 3415968"/>
+              <a:gd name="connsiteX2" fmla="*/ 74450 w 3964392"/>
+              <a:gd name="connsiteY2" fmla="*/ 0 h 3415968"/>
+              <a:gd name="connsiteX3" fmla="*/ 3345406 w 3964392"/>
+              <a:gd name="connsiteY3" fmla="*/ 0 h 3415968"/>
+              <a:gd name="connsiteX4" fmla="*/ 3398050 w 3964392"/>
+              <a:gd name="connsiteY4" fmla="*/ 21806 h 3415968"/>
+              <a:gd name="connsiteX5" fmla="*/ 3419856 w 3964392"/>
+              <a:gd name="connsiteY5" fmla="*/ 74450 h 3415968"/>
+              <a:gd name="connsiteX6" fmla="*/ 3419856 w 3964392"/>
+              <a:gd name="connsiteY6" fmla="*/ 3354550 h 3415968"/>
+              <a:gd name="connsiteX7" fmla="*/ 3398050 w 3964392"/>
+              <a:gd name="connsiteY7" fmla="*/ 3407194 h 3415968"/>
+              <a:gd name="connsiteX8" fmla="*/ 21806 w 3964392"/>
+              <a:gd name="connsiteY8" fmla="*/ 3407194 h 3415968"/>
+              <a:gd name="connsiteX9" fmla="*/ 0 w 3964392"/>
+              <a:gd name="connsiteY9" fmla="*/ 3354550 h 3415968"/>
+              <a:gd name="connsiteX10" fmla="*/ 0 w 3964392"/>
+              <a:gd name="connsiteY10" fmla="*/ 74450 h 3415968"/>
+              <a:gd name="connsiteX0" fmla="*/ 0 w 3968026"/>
+              <a:gd name="connsiteY0" fmla="*/ 74450 h 3910007"/>
+              <a:gd name="connsiteX1" fmla="*/ 21806 w 3968026"/>
+              <a:gd name="connsiteY1" fmla="*/ 21806 h 3910007"/>
+              <a:gd name="connsiteX2" fmla="*/ 74450 w 3968026"/>
+              <a:gd name="connsiteY2" fmla="*/ 0 h 3910007"/>
+              <a:gd name="connsiteX3" fmla="*/ 3345406 w 3968026"/>
+              <a:gd name="connsiteY3" fmla="*/ 0 h 3910007"/>
+              <a:gd name="connsiteX4" fmla="*/ 3398050 w 3968026"/>
+              <a:gd name="connsiteY4" fmla="*/ 21806 h 3910007"/>
+              <a:gd name="connsiteX5" fmla="*/ 3419856 w 3968026"/>
+              <a:gd name="connsiteY5" fmla="*/ 74450 h 3910007"/>
+              <a:gd name="connsiteX6" fmla="*/ 3419856 w 3968026"/>
+              <a:gd name="connsiteY6" fmla="*/ 3354550 h 3910007"/>
+              <a:gd name="connsiteX7" fmla="*/ 3398050 w 3968026"/>
+              <a:gd name="connsiteY7" fmla="*/ 3407194 h 3910007"/>
+              <a:gd name="connsiteX8" fmla="*/ 0 w 3968026"/>
+              <a:gd name="connsiteY8" fmla="*/ 3354550 h 3910007"/>
+              <a:gd name="connsiteX9" fmla="*/ 0 w 3968026"/>
+              <a:gd name="connsiteY9" fmla="*/ 74450 h 3910007"/>
+              <a:gd name="connsiteX0" fmla="*/ 0 w 3419856"/>
+              <a:gd name="connsiteY0" fmla="*/ 74450 h 3901233"/>
+              <a:gd name="connsiteX1" fmla="*/ 21806 w 3419856"/>
+              <a:gd name="connsiteY1" fmla="*/ 21806 h 3901233"/>
+              <a:gd name="connsiteX2" fmla="*/ 74450 w 3419856"/>
+              <a:gd name="connsiteY2" fmla="*/ 0 h 3901233"/>
+              <a:gd name="connsiteX3" fmla="*/ 3345406 w 3419856"/>
+              <a:gd name="connsiteY3" fmla="*/ 0 h 3901233"/>
+              <a:gd name="connsiteX4" fmla="*/ 3398050 w 3419856"/>
+              <a:gd name="connsiteY4" fmla="*/ 21806 h 3901233"/>
+              <a:gd name="connsiteX5" fmla="*/ 3419856 w 3419856"/>
+              <a:gd name="connsiteY5" fmla="*/ 74450 h 3901233"/>
+              <a:gd name="connsiteX6" fmla="*/ 3419856 w 3419856"/>
+              <a:gd name="connsiteY6" fmla="*/ 3354550 h 3901233"/>
+              <a:gd name="connsiteX7" fmla="*/ 0 w 3419856"/>
+              <a:gd name="connsiteY7" fmla="*/ 3354550 h 3901233"/>
+              <a:gd name="connsiteX8" fmla="*/ 0 w 3419856"/>
+              <a:gd name="connsiteY8" fmla="*/ 74450 h 3901233"/>
+              <a:gd name="connsiteX0" fmla="*/ 0 w 3419856"/>
+              <a:gd name="connsiteY0" fmla="*/ 74450 h 3354550"/>
+              <a:gd name="connsiteX1" fmla="*/ 21806 w 3419856"/>
+              <a:gd name="connsiteY1" fmla="*/ 21806 h 3354550"/>
+              <a:gd name="connsiteX2" fmla="*/ 74450 w 3419856"/>
+              <a:gd name="connsiteY2" fmla="*/ 0 h 3354550"/>
+              <a:gd name="connsiteX3" fmla="*/ 3345406 w 3419856"/>
+              <a:gd name="connsiteY3" fmla="*/ 0 h 3354550"/>
+              <a:gd name="connsiteX4" fmla="*/ 3398050 w 3419856"/>
+              <a:gd name="connsiteY4" fmla="*/ 21806 h 3354550"/>
+              <a:gd name="connsiteX5" fmla="*/ 3419856 w 3419856"/>
+              <a:gd name="connsiteY5" fmla="*/ 74450 h 3354550"/>
+              <a:gd name="connsiteX6" fmla="*/ 3419856 w 3419856"/>
+              <a:gd name="connsiteY6" fmla="*/ 3354550 h 3354550"/>
+              <a:gd name="connsiteX7" fmla="*/ 0 w 3419856"/>
+              <a:gd name="connsiteY7" fmla="*/ 3354550 h 3354550"/>
+              <a:gd name="connsiteX8" fmla="*/ 0 w 3419856"/>
+              <a:gd name="connsiteY8" fmla="*/ 74450 h 3354550"/>
+            </a:gdLst>
+            <a:ahLst/>
+            <a:cxnLst>
+              <a:cxn ang="0">
+                <a:pos x="connsiteX0" y="connsiteY0"/>
+              </a:cxn>
+              <a:cxn ang="0">
+                <a:pos x="connsiteX1" y="connsiteY1"/>
+              </a:cxn>
+              <a:cxn ang="0">
+                <a:pos x="connsiteX2" y="connsiteY2"/>
+              </a:cxn>
+              <a:cxn ang="0">
+                <a:pos x="connsiteX3" y="connsiteY3"/>
+              </a:cxn>
+              <a:cxn ang="0">
+                <a:pos x="connsiteX4" y="connsiteY4"/>
+              </a:cxn>
+              <a:cxn ang="0">
+                <a:pos x="connsiteX5" y="connsiteY5"/>
+              </a:cxn>
+              <a:cxn ang="0">
+                <a:pos x="connsiteX6" y="connsiteY6"/>
+              </a:cxn>
+              <a:cxn ang="0">
+                <a:pos x="connsiteX7" y="connsiteY7"/>
+              </a:cxn>
+              <a:cxn ang="0">
+                <a:pos x="connsiteX8" y="connsiteY8"/>
+              </a:cxn>
+            </a:cxnLst>
+            <a:rect l="l" t="t" r="r" b="b"/>
+            <a:pathLst>
+              <a:path w="3419856" h="3354550">
+                <a:moveTo>
+                  <a:pt x="0" y="74450"/>
+                </a:moveTo>
+                <a:cubicBezTo>
+                  <a:pt x="0" y="54705"/>
+                  <a:pt x="7844" y="35768"/>
+                  <a:pt x="21806" y="21806"/>
+                </a:cubicBezTo>
+                <a:cubicBezTo>
+                  <a:pt x="35768" y="7844"/>
+                  <a:pt x="54705" y="0"/>
+                  <a:pt x="74450" y="0"/>
+                </a:cubicBezTo>
+                <a:lnTo>
+                  <a:pt x="3345406" y="0"/>
+                </a:lnTo>
+                <a:cubicBezTo>
+                  <a:pt x="3365151" y="0"/>
+                  <a:pt x="3384088" y="7844"/>
+                  <a:pt x="3398050" y="21806"/>
+                </a:cubicBezTo>
+                <a:cubicBezTo>
+                  <a:pt x="3412012" y="35768"/>
+                  <a:pt x="3419856" y="54705"/>
+                  <a:pt x="3419856" y="74450"/>
+                </a:cubicBezTo>
+                <a:lnTo>
+                  <a:pt x="3419856" y="3354550"/>
+                </a:lnTo>
+                <a:lnTo>
+                  <a:pt x="0" y="3354550"/>
+                </a:lnTo>
+                <a:lnTo>
+                  <a:pt x="0" y="74450"/>
+                </a:lnTo>
+                <a:close/>
+              </a:path>
+            </a:pathLst>
+          </a:custGeom>
         </p:spPr>
         <p:txBody>
-          <a:bodyPr/>
+          <a:bodyPr>
+            <a:normAutofit/>
+          </a:bodyPr>
           <a:lstStyle>
-            <a:lvl1pPr marL="0" indent="0">
-              <a:buNone/>
-              <a:defRPr sz="3200"/>
+            <a:lvl1pPr marL="0" indent="0" algn="ctr">
+              <a:buNone/>
+              <a:defRPr sz="2000" baseline="0">
+                <a:solidFill>
+                  <a:schemeClr val="tx1">
+                    <a:lumMod val="65000"/>
+                  </a:schemeClr>
+                </a:solidFill>
+              </a:defRPr>
             </a:lvl1pPr>
             <a:lvl2pPr marL="457200" indent="0">
               <a:buNone/>
@@ -2424,13 +2681,17 @@
             </a:lvl9pPr>
           </a:lstStyle>
           <a:p>
-            <a:endParaRPr lang="ru-RU"/>
-          </a:p>
-        </p:txBody>
-      </p:sp>
-      <p:sp>
-        <p:nvSpPr>
-          <p:cNvPr id="4" name="Текст 3"/>
+            <a:r>
+              <a:rPr lang="ru-RU" smtClean="0"/>
+              <a:t>Вставка рисунка</a:t>
+            </a:r>
+            <a:endParaRPr lang="en-US" dirty="0"/>
+          </a:p>
+        </p:txBody>
+      </p:sp>
+      <p:sp>
+        <p:nvSpPr>
+          <p:cNvPr id="4" name="Text Placeholder 3"/>
           <p:cNvSpPr>
             <a:spLocks noGrp="1"/>
           </p:cNvSpPr>
@@ -2440,12 +2701,14 @@
         </p:nvSpPr>
         <p:spPr>
           <a:xfrm>
-            <a:off x="1792288" y="5367338"/>
-            <a:ext cx="5486400" cy="804862"/>
+            <a:off x="609600" y="2547890"/>
+            <a:ext cx="2971800" cy="2405109"/>
           </a:xfrm>
         </p:spPr>
         <p:txBody>
-          <a:bodyPr/>
+          <a:bodyPr tIns="9144">
+            <a:normAutofit/>
+          </a:bodyPr>
           <a:lstStyle>
             <a:lvl1pPr marL="0" indent="0">
               <a:buNone/>
@@ -2495,7 +2758,7 @@
       </p:sp>
       <p:sp>
         <p:nvSpPr>
-          <p:cNvPr id="5" name="Дата 4"/>
+          <p:cNvPr id="5" name="Date Placeholder 4"/>
           <p:cNvSpPr>
             <a:spLocks noGrp="1"/>
           </p:cNvSpPr>
@@ -2510,7 +2773,7 @@
           <a:p>
             <a:fld id="{59A4CC1F-664D-4651-BADE-B4764E3B834B}" type="datetimeFigureOut">
               <a:rPr lang="ru-RU" smtClean="0"/>
-              <a:t>10.03.2019</a:t>
+              <a:t>25.04.2019</a:t>
             </a:fld>
             <a:endParaRPr lang="ru-RU"/>
           </a:p>
@@ -2518,7 +2781,7 @@
       </p:sp>
       <p:sp>
         <p:nvSpPr>
-          <p:cNvPr id="6" name="Нижний колонтитул 5"/>
+          <p:cNvPr id="6" name="Footer Placeholder 5"/>
           <p:cNvSpPr>
             <a:spLocks noGrp="1"/>
           </p:cNvSpPr>
@@ -2537,7 +2800,7 @@
       </p:sp>
       <p:sp>
         <p:nvSpPr>
-          <p:cNvPr id="7" name="Номер слайда 6"/>
+          <p:cNvPr id="7" name="Slide Number Placeholder 6"/>
           <p:cNvSpPr>
             <a:spLocks noGrp="1"/>
           </p:cNvSpPr>
@@ -2559,11 +2822,6 @@
         </p:txBody>
       </p:sp>
     </p:spTree>
-    <p:extLst>
-      <p:ext uri="{BB962C8B-B14F-4D97-AF65-F5344CB8AC3E}">
-        <p14:creationId xmlns:p14="http://schemas.microsoft.com/office/powerpoint/2010/main" val="3117455029"/>
-      </p:ext>
-    </p:extLst>
   </p:cSld>
   <p:clrMapOvr>
     <a:masterClrMapping/>
@@ -2575,7 +2833,7 @@
 <p:sldMaster xmlns:a="http://schemas.openxmlformats.org/drawingml/2006/main" xmlns:r="http://schemas.openxmlformats.org/officeDocument/2006/relationships" xmlns:p="http://schemas.openxmlformats.org/presentationml/2006/main">
   <p:cSld>
     <p:bg>
-      <p:bgRef idx="1001">
+      <p:bgRef idx="1002">
         <a:schemeClr val="bg1"/>
       </p:bgRef>
     </p:bg>
@@ -2593,129 +2851,151 @@
           <a:chExt cx="0" cy="0"/>
         </a:xfrm>
       </p:grpSpPr>
-      <p:sp>
-        <p:nvSpPr>
-          <p:cNvPr id="2" name="Заголовок 1"/>
-          <p:cNvSpPr>
-            <a:spLocks noGrp="1"/>
-          </p:cNvSpPr>
-          <p:nvPr>
-            <p:ph type="title"/>
-          </p:nvPr>
-        </p:nvSpPr>
+      <p:pic>
+        <p:nvPicPr>
+          <p:cNvPr id="7" name="Picture 6" descr="horizon.png"/>
+          <p:cNvPicPr>
+            <a:picLocks noChangeAspect="1"/>
+          </p:cNvPicPr>
+          <p:nvPr/>
+        </p:nvPicPr>
+        <p:blipFill>
+          <a:blip r:embed="rId13" cstate="print"/>
+          <a:stretch>
+            <a:fillRect/>
+          </a:stretch>
+        </p:blipFill>
         <p:spPr>
           <a:xfrm>
-            <a:off x="457200" y="274638"/>
-            <a:ext cx="8229600" cy="1143000"/>
+            <a:off x="0" y="0"/>
+            <a:ext cx="9144000" cy="6858000"/>
           </a:xfrm>
           <a:prstGeom prst="rect">
             <a:avLst/>
           </a:prstGeom>
         </p:spPr>
-        <p:txBody>
-          <a:bodyPr vert="horz" lIns="91440" tIns="45720" rIns="91440" bIns="45720" rtlCol="0" anchor="ctr">
-            <a:normAutofit/>
-          </a:bodyPr>
-          <a:lstStyle/>
-          <a:p>
-            <a:r>
-              <a:rPr lang="ru-RU" smtClean="0"/>
-              <a:t>Образец заголовка</a:t>
-            </a:r>
-            <a:endParaRPr lang="ru-RU"/>
-          </a:p>
-        </p:txBody>
-      </p:sp>
-      <p:sp>
-        <p:nvSpPr>
-          <p:cNvPr id="3" name="Текст 2"/>
-          <p:cNvSpPr>
-            <a:spLocks noGrp="1"/>
-          </p:cNvSpPr>
-          <p:nvPr>
-            <p:ph type="body" idx="1"/>
+      </p:pic>
+      <p:sp>
+        <p:nvSpPr>
+          <p:cNvPr id="2" name="Title Placeholder 1"/>
+          <p:cNvSpPr>
+            <a:spLocks noGrp="1"/>
+          </p:cNvSpPr>
+          <p:nvPr>
+            <p:ph type="title"/>
           </p:nvPr>
         </p:nvSpPr>
         <p:spPr>
           <a:xfrm>
-            <a:off x="457200" y="1600200"/>
-            <a:ext cx="8229600" cy="4525963"/>
+            <a:off x="609600" y="274638"/>
+            <a:ext cx="7924800" cy="1143000"/>
           </a:xfrm>
           <a:prstGeom prst="rect">
             <a:avLst/>
           </a:prstGeom>
         </p:spPr>
         <p:txBody>
-          <a:bodyPr vert="horz" lIns="91440" tIns="45720" rIns="91440" bIns="45720" rtlCol="0">
-            <a:normAutofit/>
+          <a:bodyPr vert="horz" lIns="91440" tIns="45720" rIns="91440" bIns="45720" rtlCol="0" anchor="b" anchorCtr="0">
+            <a:noAutofit/>
           </a:bodyPr>
           <a:lstStyle/>
           <a:p>
-            <a:pPr lvl="0"/>
-            <a:r>
-              <a:rPr lang="ru-RU" smtClean="0"/>
-              <a:t>Образец текста</a:t>
-            </a:r>
-          </a:p>
-          <a:p>
-            <a:pPr lvl="1"/>
-            <a:r>
-              <a:rPr lang="ru-RU" smtClean="0"/>
-              <a:t>Второй уровень</a:t>
-            </a:r>
-          </a:p>
-          <a:p>
-            <a:pPr lvl="2"/>
-            <a:r>
-              <a:rPr lang="ru-RU" smtClean="0"/>
-              <a:t>Третий уровень</a:t>
-            </a:r>
-          </a:p>
-          <a:p>
-            <a:pPr lvl="3"/>
-            <a:r>
-              <a:rPr lang="ru-RU" smtClean="0"/>
-              <a:t>Четвертый уровень</a:t>
-            </a:r>
-          </a:p>
-          <a:p>
-            <a:pPr lvl="4"/>
-            <a:r>
-              <a:rPr lang="ru-RU" smtClean="0"/>
-              <a:t>Пятый уровень</a:t>
-            </a:r>
-            <a:endParaRPr lang="ru-RU"/>
-          </a:p>
-        </p:txBody>
-      </p:sp>
-      <p:sp>
-        <p:nvSpPr>
-          <p:cNvPr id="4" name="Дата 3"/>
-          <p:cNvSpPr>
-            <a:spLocks noGrp="1"/>
-          </p:cNvSpPr>
-          <p:nvPr>
-            <p:ph type="dt" sz="half" idx="2"/>
+            <a:r>
+              <a:rPr lang="ru-RU" smtClean="0"/>
+              <a:t>Образец заголовка</a:t>
+            </a:r>
+            <a:endParaRPr lang="en-US" dirty="0"/>
+          </a:p>
+        </p:txBody>
+      </p:sp>
+      <p:sp>
+        <p:nvSpPr>
+          <p:cNvPr id="3" name="Text Placeholder 2"/>
+          <p:cNvSpPr>
+            <a:spLocks noGrp="1"/>
+          </p:cNvSpPr>
+          <p:nvPr>
+            <p:ph type="body" idx="1"/>
           </p:nvPr>
         </p:nvSpPr>
         <p:spPr>
           <a:xfrm>
-            <a:off x="457200" y="6356350"/>
-            <a:ext cx="2133600" cy="365125"/>
+            <a:off x="609600" y="1600200"/>
+            <a:ext cx="7924800" cy="4525963"/>
           </a:xfrm>
           <a:prstGeom prst="rect">
             <a:avLst/>
           </a:prstGeom>
         </p:spPr>
         <p:txBody>
+          <a:bodyPr vert="horz" lIns="91440" tIns="45720" rIns="91440" bIns="45720" rtlCol="0">
+            <a:normAutofit/>
+          </a:bodyPr>
+          <a:lstStyle/>
+          <a:p>
+            <a:pPr lvl="0"/>
+            <a:r>
+              <a:rPr lang="ru-RU" smtClean="0"/>
+              <a:t>Образец текста</a:t>
+            </a:r>
+          </a:p>
+          <a:p>
+            <a:pPr lvl="1"/>
+            <a:r>
+              <a:rPr lang="ru-RU" smtClean="0"/>
+              <a:t>Второй уровень</a:t>
+            </a:r>
+          </a:p>
+          <a:p>
+            <a:pPr lvl="2"/>
+            <a:r>
+              <a:rPr lang="ru-RU" smtClean="0"/>
+              <a:t>Третий уровень</a:t>
+            </a:r>
+          </a:p>
+          <a:p>
+            <a:pPr lvl="3"/>
+            <a:r>
+              <a:rPr lang="ru-RU" smtClean="0"/>
+              <a:t>Четвертый уровень</a:t>
+            </a:r>
+          </a:p>
+          <a:p>
+            <a:pPr lvl="4"/>
+            <a:r>
+              <a:rPr lang="ru-RU" smtClean="0"/>
+              <a:t>Пятый уровень</a:t>
+            </a:r>
+            <a:endParaRPr lang="en-US" dirty="0" smtClean="0"/>
+          </a:p>
+        </p:txBody>
+      </p:sp>
+      <p:sp>
+        <p:nvSpPr>
+          <p:cNvPr id="4" name="Date Placeholder 3"/>
+          <p:cNvSpPr>
+            <a:spLocks noGrp="1"/>
+          </p:cNvSpPr>
+          <p:nvPr>
+            <p:ph type="dt" sz="half" idx="2"/>
+          </p:nvPr>
+        </p:nvSpPr>
+        <p:spPr>
+          <a:xfrm>
+            <a:off x="5715000" y="6356350"/>
+            <a:ext cx="1524000" cy="365125"/>
+          </a:xfrm>
+          <a:prstGeom prst="rect">
+            <a:avLst/>
+          </a:prstGeom>
+        </p:spPr>
+        <p:txBody>
           <a:bodyPr vert="horz" lIns="91440" tIns="45720" rIns="91440" bIns="45720" rtlCol="0" anchor="ctr"/>
           <a:lstStyle>
-            <a:lvl1pPr algn="l">
-              <a:defRPr sz="1200">
+            <a:lvl1pPr algn="r">
+              <a:defRPr sz="1000" strike="noStrike" spc="60" baseline="0">
                 <a:solidFill>
-                  <a:schemeClr val="tx1">
-                    <a:tint val="75000"/>
-                  </a:schemeClr>
+                  <a:schemeClr val="tx1"/>
                 </a:solidFill>
               </a:defRPr>
             </a:lvl1pPr>
@@ -2723,7 +3003,7 @@
           <a:p>
             <a:fld id="{59A4CC1F-664D-4651-BADE-B4764E3B834B}" type="datetimeFigureOut">
               <a:rPr lang="ru-RU" smtClean="0"/>
-              <a:t>10.03.2019</a:t>
+              <a:t>25.04.2019</a:t>
             </a:fld>
             <a:endParaRPr lang="ru-RU"/>
           </a:p>
@@ -2731,7 +3011,7 @@
       </p:sp>
       <p:sp>
         <p:nvSpPr>
-          <p:cNvPr id="5" name="Нижний колонтитул 4"/>
+          <p:cNvPr id="5" name="Footer Placeholder 4"/>
           <p:cNvSpPr>
             <a:spLocks noGrp="1"/>
           </p:cNvSpPr>
@@ -2741,7 +3021,7 @@
         </p:nvSpPr>
         <p:spPr>
           <a:xfrm>
-            <a:off x="3124200" y="6356350"/>
+            <a:off x="609600" y="6356350"/>
             <a:ext cx="2895600" cy="365125"/>
           </a:xfrm>
           <a:prstGeom prst="rect">
@@ -2751,12 +3031,10 @@
         <p:txBody>
           <a:bodyPr vert="horz" lIns="91440" tIns="45720" rIns="91440" bIns="45720" rtlCol="0" anchor="ctr"/>
           <a:lstStyle>
-            <a:lvl1pPr algn="ctr">
-              <a:defRPr sz="1200">
+            <a:lvl1pPr algn="l">
+              <a:defRPr sz="1000" cap="all" spc="60" baseline="0">
                 <a:solidFill>
-                  <a:schemeClr val="tx1">
-                    <a:tint val="75000"/>
-                  </a:schemeClr>
+                  <a:schemeClr val="tx1"/>
                 </a:solidFill>
               </a:defRPr>
             </a:lvl1pPr>
@@ -2768,7 +3046,7 @@
       </p:sp>
       <p:sp>
         <p:nvSpPr>
-          <p:cNvPr id="6" name="Номер слайда 5"/>
+          <p:cNvPr id="6" name="Slide Number Placeholder 5"/>
           <p:cNvSpPr>
             <a:spLocks noGrp="1"/>
           </p:cNvSpPr>
@@ -2778,8 +3056,8 @@
         </p:nvSpPr>
         <p:spPr>
           <a:xfrm>
-            <a:off x="6553200" y="6356350"/>
-            <a:ext cx="2133600" cy="365125"/>
+            <a:off x="7543800" y="6356350"/>
+            <a:ext cx="990600" cy="365125"/>
           </a:xfrm>
           <a:prstGeom prst="rect">
             <a:avLst/>
@@ -2789,11 +3067,9 @@
           <a:bodyPr vert="horz" lIns="91440" tIns="45720" rIns="91440" bIns="45720" rtlCol="0" anchor="ctr"/>
           <a:lstStyle>
             <a:lvl1pPr algn="r">
-              <a:defRPr sz="1200">
+              <a:defRPr sz="1100" baseline="0">
                 <a:solidFill>
-                  <a:schemeClr val="tx1">
-                    <a:tint val="75000"/>
-                  </a:schemeClr>
+                  <a:schemeClr val="tx1"/>
                 </a:solidFill>
               </a:defRPr>
             </a:lvl1pPr>
@@ -2808,34 +3084,29 @@
         </p:txBody>
       </p:sp>
     </p:spTree>
-    <p:extLst>
-      <p:ext uri="{BB962C8B-B14F-4D97-AF65-F5344CB8AC3E}">
-        <p14:creationId xmlns:p14="http://schemas.microsoft.com/office/powerpoint/2010/main" val="2168659427"/>
-      </p:ext>
-    </p:extLst>
   </p:cSld>
-  <p:clrMap bg1="lt1" tx1="dk1" bg2="lt2" tx2="dk2" accent1="accent1" accent2="accent2" accent3="accent3" accent4="accent4" accent5="accent5" accent6="accent6" hlink="hlink" folHlink="folHlink"/>
+  <p:clrMap bg1="dk1" tx1="lt1" bg2="dk2" tx2="lt2" accent1="accent1" accent2="accent2" accent3="accent3" accent4="accent4" accent5="accent5" accent6="accent6" hlink="hlink" folHlink="folHlink"/>
   <p:sldLayoutIdLst>
-    <p:sldLayoutId id="2147483649" r:id="rId1"/>
-    <p:sldLayoutId id="2147483650" r:id="rId2"/>
-    <p:sldLayoutId id="2147483651" r:id="rId3"/>
-    <p:sldLayoutId id="2147483652" r:id="rId4"/>
-    <p:sldLayoutId id="2147483653" r:id="rId5"/>
-    <p:sldLayoutId id="2147483654" r:id="rId6"/>
-    <p:sldLayoutId id="2147483655" r:id="rId7"/>
-    <p:sldLayoutId id="2147483656" r:id="rId8"/>
-    <p:sldLayoutId id="2147483657" r:id="rId9"/>
-    <p:sldLayoutId id="2147483658" r:id="rId10"/>
-    <p:sldLayoutId id="2147483659" r:id="rId11"/>
+    <p:sldLayoutId id="2147483661" r:id="rId1"/>
+    <p:sldLayoutId id="2147483662" r:id="rId2"/>
+    <p:sldLayoutId id="2147483663" r:id="rId3"/>
+    <p:sldLayoutId id="2147483664" r:id="rId4"/>
+    <p:sldLayoutId id="2147483665" r:id="rId5"/>
+    <p:sldLayoutId id="2147483666" r:id="rId6"/>
+    <p:sldLayoutId id="2147483667" r:id="rId7"/>
+    <p:sldLayoutId id="2147483668" r:id="rId8"/>
+    <p:sldLayoutId id="2147483669" r:id="rId9"/>
+    <p:sldLayoutId id="2147483670" r:id="rId10"/>
+    <p:sldLayoutId id="2147483671" r:id="rId11"/>
   </p:sldLayoutIdLst>
   <p:txStyles>
     <p:titleStyle>
-      <a:lvl1pPr algn="ctr" defTabSz="914400" rtl="0" eaLnBrk="1" latinLnBrk="0" hangingPunct="1">
+      <a:lvl1pPr algn="l" defTabSz="914400" rtl="0" eaLnBrk="1" latinLnBrk="0" hangingPunct="1">
         <a:spcBef>
           <a:spcPct val="0"/>
         </a:spcBef>
         <a:buNone/>
-        <a:defRPr sz="4400" kern="1200">
+        <a:defRPr sz="3000" kern="1200" cap="all" spc="50" baseline="0">
           <a:solidFill>
             <a:schemeClr val="tx1"/>
           </a:solidFill>
@@ -2844,15 +3115,80 @@
           <a:cs typeface="+mj-cs"/>
         </a:defRPr>
       </a:lvl1pPr>
+      <a:lvl2pPr eaLnBrk="1" hangingPunct="1">
+        <a:defRPr>
+          <a:solidFill>
+            <a:schemeClr val="tx2"/>
+          </a:solidFill>
+        </a:defRPr>
+      </a:lvl2pPr>
+      <a:lvl3pPr eaLnBrk="1" hangingPunct="1">
+        <a:defRPr>
+          <a:solidFill>
+            <a:schemeClr val="tx2"/>
+          </a:solidFill>
+        </a:defRPr>
+      </a:lvl3pPr>
+      <a:lvl4pPr eaLnBrk="1" hangingPunct="1">
+        <a:defRPr>
+          <a:solidFill>
+            <a:schemeClr val="tx2"/>
+          </a:solidFill>
+        </a:defRPr>
+      </a:lvl4pPr>
+      <a:lvl5pPr eaLnBrk="1" hangingPunct="1">
+        <a:defRPr>
+          <a:solidFill>
+            <a:schemeClr val="tx2"/>
+          </a:solidFill>
+        </a:defRPr>
+      </a:lvl5pPr>
+      <a:lvl6pPr eaLnBrk="1" hangingPunct="1">
+        <a:defRPr>
+          <a:solidFill>
+            <a:schemeClr val="tx2"/>
+          </a:solidFill>
+        </a:defRPr>
+      </a:lvl6pPr>
+      <a:lvl7pPr eaLnBrk="1" hangingPunct="1">
+        <a:defRPr>
+          <a:solidFill>
+            <a:schemeClr val="tx2"/>
+          </a:solidFill>
+        </a:defRPr>
+      </a:lvl7pPr>
+      <a:lvl8pPr eaLnBrk="1" hangingPunct="1">
+        <a:defRPr>
+          <a:solidFill>
+            <a:schemeClr val="tx2"/>
+          </a:solidFill>
+        </a:defRPr>
+      </a:lvl8pPr>
+      <a:lvl9pPr eaLnBrk="1" hangingPunct="1">
+        <a:defRPr>
+          <a:solidFill>
+            <a:schemeClr val="tx2"/>
+          </a:solidFill>
+        </a:defRPr>
+      </a:lvl9pPr>
     </p:titleStyle>
     <p:bodyStyle>
       <a:lvl1pPr marL="342900" indent="-342900" algn="l" defTabSz="914400" rtl="0" eaLnBrk="1" latinLnBrk="0" hangingPunct="1">
+        <a:lnSpc>
+          <a:spcPct val="100000"/>
+        </a:lnSpc>
         <a:spcBef>
           <a:spcPct val="20000"/>
         </a:spcBef>
-        <a:buFont typeface="Arial" panose="020B0604020202020204" pitchFamily="34" charset="0"/>
+        <a:spcAft>
+          <a:spcPts val="600"/>
+        </a:spcAft>
+        <a:buClr>
+          <a:schemeClr val="tx2"/>
+        </a:buClr>
+        <a:buFont typeface="Arial" pitchFamily="34" charset="0"/>
         <a:buChar char="•"/>
-        <a:defRPr sz="3200" kern="1200">
+        <a:defRPr sz="1700" kern="1200" spc="30" baseline="0">
           <a:solidFill>
             <a:schemeClr val="tx1"/>
           </a:solidFill>
@@ -2862,12 +3198,21 @@
         </a:defRPr>
       </a:lvl1pPr>
       <a:lvl2pPr marL="742950" indent="-285750" algn="l" defTabSz="914400" rtl="0" eaLnBrk="1" latinLnBrk="0" hangingPunct="1">
+        <a:lnSpc>
+          <a:spcPct val="100000"/>
+        </a:lnSpc>
         <a:spcBef>
           <a:spcPct val="20000"/>
         </a:spcBef>
-        <a:buFont typeface="Arial" panose="020B0604020202020204" pitchFamily="34" charset="0"/>
-        <a:buChar char="–"/>
-        <a:defRPr sz="2800" kern="1200">
+        <a:spcAft>
+          <a:spcPts val="600"/>
+        </a:spcAft>
+        <a:buClr>
+          <a:schemeClr val="tx2"/>
+        </a:buClr>
+        <a:buFont typeface="Arial" pitchFamily="34" charset="0"/>
+        <a:buChar char="•"/>
+        <a:defRPr sz="1700" kern="1200" spc="30" baseline="0">
           <a:solidFill>
             <a:schemeClr val="tx1"/>
           </a:solidFill>
@@ -2877,12 +3222,21 @@
         </a:defRPr>
       </a:lvl2pPr>
       <a:lvl3pPr marL="1143000" indent="-228600" algn="l" defTabSz="914400" rtl="0" eaLnBrk="1" latinLnBrk="0" hangingPunct="1">
+        <a:lnSpc>
+          <a:spcPct val="100000"/>
+        </a:lnSpc>
         <a:spcBef>
           <a:spcPct val="20000"/>
         </a:spcBef>
-        <a:buFont typeface="Arial" panose="020B0604020202020204" pitchFamily="34" charset="0"/>
+        <a:spcAft>
+          <a:spcPts val="600"/>
+        </a:spcAft>
+        <a:buClr>
+          <a:schemeClr val="tx2"/>
+        </a:buClr>
+        <a:buFont typeface="Arial" pitchFamily="34" charset="0"/>
         <a:buChar char="•"/>
-        <a:defRPr sz="2400" kern="1200">
+        <a:defRPr sz="1700" kern="1200" spc="30" baseline="0">
           <a:solidFill>
             <a:schemeClr val="tx1"/>
           </a:solidFill>
@@ -2892,12 +3246,21 @@
         </a:defRPr>
       </a:lvl3pPr>
       <a:lvl4pPr marL="1600200" indent="-228600" algn="l" defTabSz="914400" rtl="0" eaLnBrk="1" latinLnBrk="0" hangingPunct="1">
+        <a:lnSpc>
+          <a:spcPct val="100000"/>
+        </a:lnSpc>
         <a:spcBef>
           <a:spcPct val="20000"/>
         </a:spcBef>
-        <a:buFont typeface="Arial" panose="020B0604020202020204" pitchFamily="34" charset="0"/>
-        <a:buChar char="–"/>
-        <a:defRPr sz="2000" kern="1200">
+        <a:spcAft>
+          <a:spcPts val="600"/>
+        </a:spcAft>
+        <a:buClr>
+          <a:schemeClr val="tx2"/>
+        </a:buClr>
+        <a:buFont typeface="Arial" pitchFamily="34" charset="0"/>
+        <a:buChar char="•"/>
+        <a:defRPr sz="1700" kern="1200" spc="30" baseline="0">
           <a:solidFill>
             <a:schemeClr val="tx1"/>
           </a:solidFill>
@@ -2907,12 +3270,21 @@
         </a:defRPr>
       </a:lvl4pPr>
       <a:lvl5pPr marL="2057400" indent="-228600" algn="l" defTabSz="914400" rtl="0" eaLnBrk="1" latinLnBrk="0" hangingPunct="1">
+        <a:lnSpc>
+          <a:spcPct val="100000"/>
+        </a:lnSpc>
         <a:spcBef>
           <a:spcPct val="20000"/>
         </a:spcBef>
-        <a:buFont typeface="Arial" panose="020B0604020202020204" pitchFamily="34" charset="0"/>
-        <a:buChar char="»"/>
-        <a:defRPr sz="2000" kern="1200">
+        <a:spcAft>
+          <a:spcPts val="600"/>
+        </a:spcAft>
+        <a:buClr>
+          <a:schemeClr val="tx2"/>
+        </a:buClr>
+        <a:buFont typeface="Arial" pitchFamily="34" charset="0"/>
+        <a:buChar char="•"/>
+        <a:defRPr sz="1700" kern="1200" spc="30" baseline="0">
           <a:solidFill>
             <a:schemeClr val="tx1"/>
           </a:solidFill>
@@ -2922,12 +3294,21 @@
         </a:defRPr>
       </a:lvl5pPr>
       <a:lvl6pPr marL="2514600" indent="-228600" algn="l" defTabSz="914400" rtl="0" eaLnBrk="1" latinLnBrk="0" hangingPunct="1">
+        <a:lnSpc>
+          <a:spcPct val="100000"/>
+        </a:lnSpc>
         <a:spcBef>
           <a:spcPct val="20000"/>
         </a:spcBef>
-        <a:buFont typeface="Arial" panose="020B0604020202020204" pitchFamily="34" charset="0"/>
+        <a:spcAft>
+          <a:spcPts val="600"/>
+        </a:spcAft>
+        <a:buClr>
+          <a:schemeClr val="tx2"/>
+        </a:buClr>
+        <a:buFont typeface="Arial" pitchFamily="34" charset="0"/>
         <a:buChar char="•"/>
-        <a:defRPr sz="2000" kern="1200">
+        <a:defRPr sz="1700" kern="1200">
           <a:solidFill>
             <a:schemeClr val="tx1"/>
           </a:solidFill>
@@ -2937,12 +3318,21 @@
         </a:defRPr>
       </a:lvl6pPr>
       <a:lvl7pPr marL="2971800" indent="-228600" algn="l" defTabSz="914400" rtl="0" eaLnBrk="1" latinLnBrk="0" hangingPunct="1">
+        <a:lnSpc>
+          <a:spcPct val="100000"/>
+        </a:lnSpc>
         <a:spcBef>
           <a:spcPct val="20000"/>
         </a:spcBef>
-        <a:buFont typeface="Arial" panose="020B0604020202020204" pitchFamily="34" charset="0"/>
+        <a:spcAft>
+          <a:spcPts val="600"/>
+        </a:spcAft>
+        <a:buClr>
+          <a:schemeClr val="tx2"/>
+        </a:buClr>
+        <a:buFont typeface="Arial" pitchFamily="34" charset="0"/>
         <a:buChar char="•"/>
-        <a:defRPr sz="2000" kern="1200">
+        <a:defRPr sz="1700" kern="1200">
           <a:solidFill>
             <a:schemeClr val="tx1"/>
           </a:solidFill>
@@ -2952,12 +3342,21 @@
         </a:defRPr>
       </a:lvl7pPr>
       <a:lvl8pPr marL="3429000" indent="-228600" algn="l" defTabSz="914400" rtl="0" eaLnBrk="1" latinLnBrk="0" hangingPunct="1">
+        <a:lnSpc>
+          <a:spcPct val="100000"/>
+        </a:lnSpc>
         <a:spcBef>
           <a:spcPct val="20000"/>
         </a:spcBef>
-        <a:buFont typeface="Arial" panose="020B0604020202020204" pitchFamily="34" charset="0"/>
+        <a:spcAft>
+          <a:spcPts val="600"/>
+        </a:spcAft>
+        <a:buClr>
+          <a:schemeClr val="tx2"/>
+        </a:buClr>
+        <a:buFont typeface="Arial" pitchFamily="34" charset="0"/>
         <a:buChar char="•"/>
-        <a:defRPr sz="2000" kern="1200">
+        <a:defRPr sz="1700" kern="1200">
           <a:solidFill>
             <a:schemeClr val="tx1"/>
           </a:solidFill>
@@ -2967,12 +3366,21 @@
         </a:defRPr>
       </a:lvl8pPr>
       <a:lvl9pPr marL="3886200" indent="-228600" algn="l" defTabSz="914400" rtl="0" eaLnBrk="1" latinLnBrk="0" hangingPunct="1">
+        <a:lnSpc>
+          <a:spcPct val="100000"/>
+        </a:lnSpc>
         <a:spcBef>
           <a:spcPct val="20000"/>
         </a:spcBef>
-        <a:buFont typeface="Arial" panose="020B0604020202020204" pitchFamily="34" charset="0"/>
+        <a:spcAft>
+          <a:spcPts val="600"/>
+        </a:spcAft>
+        <a:buClr>
+          <a:schemeClr val="tx2"/>
+        </a:buClr>
+        <a:buFont typeface="Arial" pitchFamily="34" charset="0"/>
         <a:buChar char="•"/>
-        <a:defRPr sz="2000" kern="1200">
+        <a:defRPr sz="1700" kern="1200">
           <a:solidFill>
             <a:schemeClr val="tx1"/>
           </a:solidFill>
@@ -2984,7 +3392,7 @@
     </p:bodyStyle>
     <p:otherStyle>
       <a:defPPr>
-        <a:defRPr lang="ru-RU"/>
+        <a:defRPr lang="en-US"/>
       </a:defPPr>
       <a:lvl1pPr marL="0" algn="l" defTabSz="914400" rtl="0" eaLnBrk="1" latinLnBrk="0" hangingPunct="1">
         <a:defRPr sz="1800" kern="1200">
@@ -3100,6 +3508,112 @@
       </p:grpSpPr>
       <p:sp>
         <p:nvSpPr>
+          <p:cNvPr id="3" name="Подзаголовок 2"/>
+          <p:cNvSpPr>
+            <a:spLocks noGrp="1"/>
+          </p:cNvSpPr>
+          <p:nvPr>
+            <p:ph type="subTitle" idx="1"/>
+          </p:nvPr>
+        </p:nvSpPr>
+        <p:spPr/>
+        <p:txBody>
+          <a:bodyPr/>
+          <a:lstStyle/>
+          <a:p>
+            <a:r>
+              <a:rPr lang="ru-RU" dirty="0" smtClean="0">
+                <a:solidFill>
+                  <a:schemeClr val="tx1"/>
+                </a:solidFill>
+                <a:latin typeface="Times New Roman" panose="02020603050405020304" pitchFamily="18" charset="0"/>
+                <a:cs typeface="Times New Roman" panose="02020603050405020304" pitchFamily="18" charset="0"/>
+              </a:rPr>
+              <a:t>Сделал</a:t>
+            </a:r>
+            <a:r>
+              <a:rPr lang="en-US" dirty="0" smtClean="0">
+                <a:solidFill>
+                  <a:schemeClr val="tx1"/>
+                </a:solidFill>
+                <a:latin typeface="Times New Roman" panose="02020603050405020304" pitchFamily="18" charset="0"/>
+                <a:cs typeface="Times New Roman" panose="02020603050405020304" pitchFamily="18" charset="0"/>
+              </a:rPr>
+              <a:t>: </a:t>
+            </a:r>
+            <a:br>
+              <a:rPr lang="en-US" dirty="0" smtClean="0">
+                <a:solidFill>
+                  <a:schemeClr val="tx1"/>
+                </a:solidFill>
+                <a:latin typeface="Times New Roman" panose="02020603050405020304" pitchFamily="18" charset="0"/>
+                <a:cs typeface="Times New Roman" panose="02020603050405020304" pitchFamily="18" charset="0"/>
+              </a:rPr>
+            </a:br>
+            <a:r>
+              <a:rPr lang="ru-RU" dirty="0" smtClean="0">
+                <a:solidFill>
+                  <a:schemeClr val="tx1"/>
+                </a:solidFill>
+                <a:latin typeface="Times New Roman" panose="02020603050405020304" pitchFamily="18" charset="0"/>
+                <a:cs typeface="Times New Roman" panose="02020603050405020304" pitchFamily="18" charset="0"/>
+              </a:rPr>
+              <a:t>Ученик </a:t>
+            </a:r>
+            <a:r>
+              <a:rPr lang="ru-RU" b="1" dirty="0" smtClean="0">
+                <a:solidFill>
+                  <a:schemeClr val="tx1"/>
+                </a:solidFill>
+                <a:latin typeface="Times New Roman" panose="02020603050405020304" pitchFamily="18" charset="0"/>
+                <a:cs typeface="Times New Roman" panose="02020603050405020304" pitchFamily="18" charset="0"/>
+              </a:rPr>
+              <a:t>9</a:t>
+            </a:r>
+            <a:r>
+              <a:rPr lang="ru-RU" dirty="0" smtClean="0">
+                <a:solidFill>
+                  <a:schemeClr val="tx1"/>
+                </a:solidFill>
+                <a:latin typeface="Times New Roman" panose="02020603050405020304" pitchFamily="18" charset="0"/>
+                <a:cs typeface="Times New Roman" panose="02020603050405020304" pitchFamily="18" charset="0"/>
+              </a:rPr>
+              <a:t> класса </a:t>
+            </a:r>
+            <a:r>
+              <a:rPr lang="ru-RU" b="1" dirty="0" smtClean="0">
+                <a:solidFill>
+                  <a:schemeClr val="tx1"/>
+                </a:solidFill>
+                <a:latin typeface="Times New Roman" panose="02020603050405020304" pitchFamily="18" charset="0"/>
+                <a:cs typeface="Times New Roman" panose="02020603050405020304" pitchFamily="18" charset="0"/>
+              </a:rPr>
+              <a:t>К</a:t>
+            </a:r>
+          </a:p>
+          <a:p>
+            <a:r>
+              <a:rPr lang="ru-RU" dirty="0" smtClean="0">
+                <a:solidFill>
+                  <a:schemeClr val="tx1"/>
+                </a:solidFill>
+                <a:latin typeface="Times New Roman" panose="02020603050405020304" pitchFamily="18" charset="0"/>
+                <a:cs typeface="Times New Roman" panose="02020603050405020304" pitchFamily="18" charset="0"/>
+              </a:rPr>
+              <a:t>Козлов Александр</a:t>
+            </a:r>
+            <a:endParaRPr lang="ru-RU" dirty="0">
+              <a:solidFill>
+                <a:schemeClr val="tx1"/>
+              </a:solidFill>
+              <a:latin typeface="Times New Roman" panose="02020603050405020304" pitchFamily="18" charset="0"/>
+              <a:cs typeface="Times New Roman" panose="02020603050405020304" pitchFamily="18" charset="0"/>
+            </a:endParaRPr>
+          </a:p>
+        </p:txBody>
+      </p:sp>
+      <p:sp>
+        <p:nvSpPr>
           <p:cNvPr id="2" name="Заголовок 1"/>
           <p:cNvSpPr>
             <a:spLocks noGrp="1"/>
@@ -3116,165 +3630,64 @@
         </p:spPr>
         <p:txBody>
           <a:bodyPr>
-            <a:normAutofit fontScale="90000"/>
+            <a:noAutofit/>
           </a:bodyPr>
           <a:lstStyle/>
           <a:p>
             <a:r>
-              <a:rPr lang="en-US" sz="7200" dirty="0" smtClean="0">
-                <a:latin typeface="Bradley Hand ITC" panose="03070402050302030203" pitchFamily="66" charset="0"/>
-              </a:rPr>
-              <a:t>Ping Pong </a:t>
-            </a:r>
-            <a:r>
-              <a:rPr lang="en-US" dirty="0" smtClean="0">
-                <a:latin typeface="Bradley Hand ITC" panose="03070402050302030203" pitchFamily="66" charset="0"/>
+              <a:rPr lang="ru-RU" sz="6000" dirty="0" smtClean="0">
+                <a:latin typeface="Times New Roman" panose="02020603050405020304" pitchFamily="18" charset="0"/>
+                <a:cs typeface="Times New Roman" panose="02020603050405020304" pitchFamily="18" charset="0"/>
+              </a:rPr>
+              <a:t>Проект</a:t>
+            </a:r>
+            <a:r>
+              <a:rPr lang="en-US" sz="6000" dirty="0" smtClean="0">
+                <a:latin typeface="Times New Roman" panose="02020603050405020304" pitchFamily="18" charset="0"/>
+                <a:cs typeface="Times New Roman" panose="02020603050405020304" pitchFamily="18" charset="0"/>
+              </a:rPr>
+              <a:t>: </a:t>
+            </a:r>
+            <a:r>
+              <a:rPr lang="ru-RU" sz="6000" dirty="0" smtClean="0">
+                <a:latin typeface="Times New Roman" panose="02020603050405020304" pitchFamily="18" charset="0"/>
+                <a:cs typeface="Times New Roman" panose="02020603050405020304" pitchFamily="18" charset="0"/>
               </a:rPr>
               <a:t/>
             </a:r>
             <a:br>
-              <a:rPr lang="en-US" dirty="0" smtClean="0">
-                <a:latin typeface="Bradley Hand ITC" panose="03070402050302030203" pitchFamily="66" charset="0"/>
+              <a:rPr lang="ru-RU" sz="6000" dirty="0" smtClean="0">
+                <a:latin typeface="Times New Roman" panose="02020603050405020304" pitchFamily="18" charset="0"/>
+                <a:cs typeface="Times New Roman" panose="02020603050405020304" pitchFamily="18" charset="0"/>
               </a:rPr>
             </a:br>
-            <a:endParaRPr lang="ru-RU" dirty="0"/>
-          </a:p>
-        </p:txBody>
-      </p:sp>
-      <p:sp>
-        <p:nvSpPr>
-          <p:cNvPr id="3" name="Подзаголовок 2"/>
-          <p:cNvSpPr>
-            <a:spLocks noGrp="1"/>
-          </p:cNvSpPr>
-          <p:nvPr>
-            <p:ph type="subTitle" idx="1"/>
-          </p:nvPr>
-        </p:nvSpPr>
-        <p:spPr/>
-        <p:txBody>
-          <a:bodyPr/>
-          <a:lstStyle/>
-          <a:p>
-            <a:r>
-              <a:rPr lang="en-US" dirty="0" smtClean="0">
-                <a:solidFill>
-                  <a:schemeClr val="tx1"/>
-                </a:solidFill>
-                <a:latin typeface="Bradley Hand ITC" panose="03070402050302030203" pitchFamily="66" charset="0"/>
-              </a:rPr>
-              <a:t>Made by</a:t>
-            </a:r>
-          </a:p>
-          <a:p>
-            <a:r>
-              <a:rPr lang="en-US" dirty="0" smtClean="0">
-                <a:solidFill>
-                  <a:schemeClr val="tx1"/>
-                </a:solidFill>
-                <a:latin typeface="Bradley Hand ITC" panose="03070402050302030203" pitchFamily="66" charset="0"/>
-              </a:rPr>
-              <a:t>Alexander </a:t>
-            </a:r>
-            <a:r>
-              <a:rPr lang="en-US" dirty="0" err="1" smtClean="0">
-                <a:solidFill>
-                  <a:schemeClr val="tx1"/>
-                </a:solidFill>
-                <a:latin typeface="Bradley Hand ITC" panose="03070402050302030203" pitchFamily="66" charset="0"/>
-              </a:rPr>
-              <a:t>Kozlov</a:t>
-            </a:r>
-            <a:endParaRPr lang="ru-RU" dirty="0">
-              <a:solidFill>
-                <a:schemeClr val="tx1"/>
-              </a:solidFill>
+            <a:r>
+              <a:rPr lang="en-US" sz="6000" dirty="0" smtClean="0">
+                <a:latin typeface="Times New Roman" panose="02020603050405020304" pitchFamily="18" charset="0"/>
+                <a:cs typeface="Times New Roman" panose="02020603050405020304" pitchFamily="18" charset="0"/>
+              </a:rPr>
+              <a:t>“Ping-Pong”</a:t>
+            </a:r>
+            <a:r>
+              <a:rPr lang="en-US" sz="6000" dirty="0" smtClean="0">
+                <a:latin typeface="Times New Roman" panose="02020603050405020304" pitchFamily="18" charset="0"/>
+                <a:cs typeface="Times New Roman" panose="02020603050405020304" pitchFamily="18" charset="0"/>
+              </a:rPr>
+              <a:t/>
+            </a:r>
+            <a:br>
+              <a:rPr lang="en-US" sz="6000" dirty="0" smtClean="0">
+                <a:latin typeface="Times New Roman" panose="02020603050405020304" pitchFamily="18" charset="0"/>
+                <a:cs typeface="Times New Roman" panose="02020603050405020304" pitchFamily="18" charset="0"/>
+              </a:rPr>
+            </a:br>
+            <a:endParaRPr lang="ru-RU" sz="6000" dirty="0">
+              <a:latin typeface="Times New Roman" panose="02020603050405020304" pitchFamily="18" charset="0"/>
+              <a:cs typeface="Times New Roman" panose="02020603050405020304" pitchFamily="18" charset="0"/>
             </a:endParaRPr>
           </a:p>
         </p:txBody>
       </p:sp>
-      <p:pic>
-        <p:nvPicPr>
-          <p:cNvPr id="1026" name="Picture 2" descr="https://cdn0.froala.com/assets/editor/docs/server/meta-social/python-cf759f4cca6f3ce4a8977728986eafce.png"/>
-          <p:cNvPicPr>
-            <a:picLocks noChangeAspect="1" noChangeArrowheads="1"/>
-          </p:cNvPicPr>
-          <p:nvPr/>
-        </p:nvPicPr>
-        <p:blipFill>
-          <a:blip r:embed="rId2" cstate="print">
-            <a:extLst>
-              <a:ext uri="{28A0092B-C50C-407E-A947-70E740481C1C}">
-                <a14:useLocalDpi xmlns:a14="http://schemas.microsoft.com/office/drawing/2010/main" val="0"/>
-              </a:ext>
-            </a:extLst>
-          </a:blip>
-          <a:srcRect/>
-          <a:stretch>
-            <a:fillRect/>
-          </a:stretch>
-        </p:blipFill>
-        <p:spPr bwMode="auto">
-          <a:xfrm>
-            <a:off x="0" y="116632"/>
-            <a:ext cx="3960440" cy="1980220"/>
-          </a:xfrm>
-          <a:prstGeom prst="rect">
-            <a:avLst/>
-          </a:prstGeom>
-          <a:noFill/>
-          <a:extLst>
-            <a:ext uri="{909E8E84-426E-40DD-AFC4-6F175D3DCCD1}">
-              <a14:hiddenFill xmlns:a14="http://schemas.microsoft.com/office/drawing/2010/main">
-                <a:solidFill>
-                  <a:srgbClr val="FFFFFF"/>
-                </a:solidFill>
-              </a14:hiddenFill>
-            </a:ext>
-          </a:extLst>
-        </p:spPr>
-      </p:pic>
-      <p:pic>
-        <p:nvPicPr>
-          <p:cNvPr id="1028" name="Picture 4" descr="https://img.wonderhowto.com/img/89/19/63462323989210/0/pygame-all-you-need-start-making-games-python.1280x600.jpg"/>
-          <p:cNvPicPr>
-            <a:picLocks noChangeAspect="1" noChangeArrowheads="1"/>
-          </p:cNvPicPr>
-          <p:nvPr/>
-        </p:nvPicPr>
-        <p:blipFill>
-          <a:blip r:embed="rId3" cstate="print">
-            <a:extLst>
-              <a:ext uri="{28A0092B-C50C-407E-A947-70E740481C1C}">
-                <a14:useLocalDpi xmlns:a14="http://schemas.microsoft.com/office/drawing/2010/main" val="0"/>
-              </a:ext>
-            </a:extLst>
-          </a:blip>
-          <a:srcRect/>
-          <a:stretch>
-            <a:fillRect/>
-          </a:stretch>
-        </p:blipFill>
-        <p:spPr bwMode="auto">
-          <a:xfrm>
-            <a:off x="4716016" y="165654"/>
-            <a:ext cx="3806146" cy="1882176"/>
-          </a:xfrm>
-          <a:prstGeom prst="rect">
-            <a:avLst/>
-          </a:prstGeom>
-          <a:noFill/>
-          <a:extLst>
-            <a:ext uri="{909E8E84-426E-40DD-AFC4-6F175D3DCCD1}">
-              <a14:hiddenFill xmlns:a14="http://schemas.microsoft.com/office/drawing/2010/main">
-                <a:solidFill>
-                  <a:srgbClr val="FFFFFF"/>
-                </a:solidFill>
-              </a14:hiddenFill>
-            </a:ext>
-          </a:extLst>
-        </p:spPr>
-      </p:pic>
     </p:spTree>
     <p:extLst>
       <p:ext uri="{BB962C8B-B14F-4D97-AF65-F5344CB8AC3E}">
@@ -3307,7 +3720,7 @@
       </p:grpSpPr>
       <p:sp>
         <p:nvSpPr>
-          <p:cNvPr id="2" name="Заголовок 1"/>
+          <p:cNvPr id="4" name="Заголовок 3"/>
           <p:cNvSpPr>
             <a:spLocks noGrp="1"/>
           </p:cNvSpPr>
@@ -3317,13 +3730,25 @@
         </p:nvSpPr>
         <p:spPr/>
         <p:txBody>
-          <a:bodyPr/>
-          <a:lstStyle/>
-          <a:p>
-            <a:r>
-              <a:rPr lang="ru-RU" dirty="0" smtClean="0"/>
-              <a:t>Задумка</a:t>
-            </a:r>
+          <a:bodyPr>
+            <a:normAutofit/>
+          </a:bodyPr>
+          <a:lstStyle/>
+          <a:p>
+            <a:r>
+              <a:rPr lang="ru-RU" b="1" dirty="0">
+                <a:latin typeface="Times New Roman" panose="02020603050405020304" pitchFamily="18" charset="0"/>
+                <a:cs typeface="Times New Roman" panose="02020603050405020304" pitchFamily="18" charset="0"/>
+              </a:rPr>
+              <a:t>Постановка задачи</a:t>
+            </a:r>
+            <a:r>
+              <a:rPr lang="ru-RU" b="1" dirty="0"/>
+              <a:t/>
+            </a:r>
+            <a:br>
+              <a:rPr lang="ru-RU" b="1" dirty="0"/>
+            </a:br>
             <a:endParaRPr lang="ru-RU" dirty="0"/>
           </a:p>
         </p:txBody>
@@ -3335,58 +3760,101 @@
             <a:spLocks noGrp="1"/>
           </p:cNvSpPr>
           <p:nvPr>
-            <p:ph idx="1"/>
+            <p:ph sz="quarter" idx="13"/>
           </p:nvPr>
         </p:nvSpPr>
         <p:spPr/>
         <p:txBody>
-          <a:bodyPr/>
+          <a:bodyPr>
+            <a:normAutofit/>
+          </a:bodyPr>
           <a:lstStyle/>
           <a:p>
             <a:pPr marL="0" indent="0">
               <a:buNone/>
             </a:pPr>
             <a:r>
-              <a:rPr lang="ru-RU" dirty="0" smtClean="0"/>
-              <a:t>Создание игры </a:t>
-            </a:r>
-            <a:r>
-              <a:rPr lang="en-US" dirty="0" smtClean="0"/>
-              <a:t>“</a:t>
-            </a:r>
-            <a:r>
-              <a:rPr lang="ru-RU" dirty="0" smtClean="0"/>
-              <a:t>Пинг-Понг</a:t>
-            </a:r>
-            <a:r>
-              <a:rPr lang="en-US" dirty="0" smtClean="0"/>
-              <a:t>” </a:t>
-            </a:r>
-            <a:r>
-              <a:rPr lang="ru-RU" dirty="0" smtClean="0"/>
-              <a:t>на языке </a:t>
-            </a:r>
-            <a:r>
-              <a:rPr lang="en-US" dirty="0" smtClean="0"/>
-              <a:t>Python </a:t>
-            </a:r>
-            <a:r>
-              <a:rPr lang="ru-RU" dirty="0" smtClean="0"/>
-              <a:t>с помощью </a:t>
-            </a:r>
-            <a:r>
-              <a:rPr lang="en-US" dirty="0" err="1" smtClean="0"/>
-              <a:t>PyGame</a:t>
-            </a:r>
-            <a:r>
-              <a:rPr lang="en-US" dirty="0" smtClean="0"/>
-              <a:t> </a:t>
-            </a:r>
-            <a:r>
-              <a:rPr lang="ru-RU" dirty="0" smtClean="0"/>
-              <a:t>с возможностью игры против ПК. Реализация музыкального сопровождения и эффектов.</a:t>
-            </a:r>
-            <a:endParaRPr lang="ru-RU" dirty="0"/>
+              <a:rPr lang="ru-RU" dirty="0" smtClean="0">
+                <a:latin typeface="Times New Roman" panose="02020603050405020304" pitchFamily="18" charset="0"/>
+                <a:cs typeface="Times New Roman" panose="02020603050405020304" pitchFamily="18" charset="0"/>
+              </a:rPr>
+              <a:t>В </a:t>
+            </a:r>
+            <a:r>
+              <a:rPr lang="ru-RU" dirty="0">
+                <a:latin typeface="Times New Roman" panose="02020603050405020304" pitchFamily="18" charset="0"/>
+                <a:cs typeface="Times New Roman" panose="02020603050405020304" pitchFamily="18" charset="0"/>
+              </a:rPr>
+              <a:t>данной работе я ставлю перед собой следующие задачи:</a:t>
+            </a:r>
+          </a:p>
+          <a:p>
+            <a:r>
+              <a:rPr lang="ru-RU" dirty="0">
+                <a:latin typeface="Times New Roman" panose="02020603050405020304" pitchFamily="18" charset="0"/>
+                <a:cs typeface="Times New Roman" panose="02020603050405020304" pitchFamily="18" charset="0"/>
+              </a:rPr>
+              <a:t>1. В игре должно присутствовать меню, из которого есть возможность перемещаться во вкладку “Опции” и во вкладку выбора режима игры.</a:t>
+            </a:r>
+          </a:p>
+          <a:p>
+            <a:r>
+              <a:rPr lang="ru-RU" dirty="0">
+                <a:latin typeface="Times New Roman" panose="02020603050405020304" pitchFamily="18" charset="0"/>
+                <a:cs typeface="Times New Roman" panose="02020603050405020304" pitchFamily="18" charset="0"/>
+              </a:rPr>
+              <a:t>2. Осуществить полноэкранный запуск игры.</a:t>
+            </a:r>
+          </a:p>
+          <a:p>
+            <a:r>
+              <a:rPr lang="ru-RU" dirty="0">
+                <a:latin typeface="Times New Roman" panose="02020603050405020304" pitchFamily="18" charset="0"/>
+                <a:cs typeface="Times New Roman" panose="02020603050405020304" pitchFamily="18" charset="0"/>
+              </a:rPr>
+              <a:t>3. Должно быть несколько уровней сложности (чем больше сложность, тем выше скорость шарика и сложнее обыграть компьютер).</a:t>
+            </a:r>
+          </a:p>
+          <a:p>
+            <a:r>
+              <a:rPr lang="ru-RU" dirty="0">
+                <a:latin typeface="Times New Roman" panose="02020603050405020304" pitchFamily="18" charset="0"/>
+                <a:cs typeface="Times New Roman" panose="02020603050405020304" pitchFamily="18" charset="0"/>
+              </a:rPr>
+              <a:t>4. Должно присутствовать звуковое сопровождение игры с возможностью регулирования громкости фоновой музыки.</a:t>
+            </a:r>
+          </a:p>
+          <a:p>
+            <a:r>
+              <a:rPr lang="ru-RU" dirty="0">
+                <a:latin typeface="Times New Roman" panose="02020603050405020304" pitchFamily="18" charset="0"/>
+                <a:cs typeface="Times New Roman" panose="02020603050405020304" pitchFamily="18" charset="0"/>
+              </a:rPr>
+              <a:t>5. Должна присутствовать возможность постановки игры на паузу, выхода в </a:t>
+            </a:r>
+            <a:r>
+              <a:rPr lang="ru-RU" dirty="0" smtClean="0">
+                <a:latin typeface="Times New Roman" panose="02020603050405020304" pitchFamily="18" charset="0"/>
+                <a:cs typeface="Times New Roman" panose="02020603050405020304" pitchFamily="18" charset="0"/>
+              </a:rPr>
+              <a:t>меню.</a:t>
+            </a:r>
+          </a:p>
+          <a:p>
+            <a:r>
+              <a:rPr lang="ru-RU" dirty="0" smtClean="0">
+                <a:latin typeface="Times New Roman" panose="02020603050405020304" pitchFamily="18" charset="0"/>
+                <a:cs typeface="Times New Roman" panose="02020603050405020304" pitchFamily="18" charset="0"/>
+              </a:rPr>
+              <a:t>6</a:t>
+            </a:r>
+            <a:r>
+              <a:rPr lang="ru-RU" dirty="0">
+                <a:latin typeface="Times New Roman" panose="02020603050405020304" pitchFamily="18" charset="0"/>
+                <a:cs typeface="Times New Roman" panose="02020603050405020304" pitchFamily="18" charset="0"/>
+              </a:rPr>
+              <a:t>. Должен присутствовать мануал по управлению и заставка при включении игры.</a:t>
+            </a:r>
           </a:p>
         </p:txBody>
       </p:sp>
@@ -3432,14 +3900,22 @@
         </p:nvSpPr>
         <p:spPr/>
         <p:txBody>
-          <a:bodyPr/>
-          <a:lstStyle/>
-          <a:p>
-            <a:r>
-              <a:rPr lang="ru-RU" dirty="0" smtClean="0"/>
-              <a:t>Реализация</a:t>
-            </a:r>
-            <a:endParaRPr lang="ru-RU" dirty="0"/>
+          <a:bodyPr>
+            <a:normAutofit/>
+          </a:bodyPr>
+          <a:lstStyle/>
+          <a:p>
+            <a:r>
+              <a:rPr lang="ru-RU" b="1" dirty="0">
+                <a:latin typeface="Times New Roman" panose="02020603050405020304" pitchFamily="18" charset="0"/>
+                <a:cs typeface="Times New Roman" panose="02020603050405020304" pitchFamily="18" charset="0"/>
+              </a:rPr>
+              <a:t>Выбор метода реализации задачи</a:t>
+            </a:r>
+            <a:endParaRPr lang="ru-RU" b="1" dirty="0">
+              <a:latin typeface="Times New Roman" panose="02020603050405020304" pitchFamily="18" charset="0"/>
+              <a:cs typeface="Times New Roman" panose="02020603050405020304" pitchFamily="18" charset="0"/>
+            </a:endParaRPr>
           </a:p>
         </p:txBody>
       </p:sp>
@@ -3450,28 +3926,162 @@
             <a:spLocks noGrp="1"/>
           </p:cNvSpPr>
           <p:nvPr>
-            <p:ph idx="1"/>
-          </p:nvPr>
-        </p:nvSpPr>
-        <p:spPr/>
-        <p:txBody>
-          <a:bodyPr/>
-          <a:lstStyle/>
-          <a:p>
-            <a:r>
-              <a:rPr lang="ru-RU" dirty="0" smtClean="0"/>
-              <a:t>Создание классов для мяча, платформ и алгоритма игры компьютера.</a:t>
-            </a:r>
-          </a:p>
-          <a:p>
-            <a:r>
-              <a:rPr lang="ru-RU" dirty="0" smtClean="0"/>
-              <a:t>Реализация звуковых эффектов по средствам описания классов кнопок и событий.</a:t>
-            </a:r>
-            <a:endParaRPr lang="ru-RU" dirty="0"/>
-          </a:p>
-        </p:txBody>
-      </p:sp>
+            <p:ph sz="quarter" idx="13"/>
+          </p:nvPr>
+        </p:nvSpPr>
+        <p:spPr>
+          <a:xfrm>
+            <a:off x="467544" y="1340768"/>
+            <a:ext cx="8229600" cy="1324743"/>
+          </a:xfrm>
+        </p:spPr>
+        <p:txBody>
+          <a:bodyPr>
+            <a:normAutofit/>
+          </a:bodyPr>
+          <a:lstStyle/>
+          <a:p>
+            <a:pPr marL="0" indent="0">
+              <a:buNone/>
+            </a:pPr>
+            <a:r>
+              <a:rPr lang="ru-RU" dirty="0" smtClean="0">
+                <a:latin typeface="Times New Roman" panose="02020603050405020304" pitchFamily="18" charset="0"/>
+                <a:cs typeface="Times New Roman" panose="02020603050405020304" pitchFamily="18" charset="0"/>
+              </a:rPr>
+              <a:t>Проект </a:t>
+            </a:r>
+            <a:r>
+              <a:rPr lang="ru-RU" dirty="0">
+                <a:latin typeface="Times New Roman" panose="02020603050405020304" pitchFamily="18" charset="0"/>
+                <a:cs typeface="Times New Roman" panose="02020603050405020304" pitchFamily="18" charset="0"/>
+              </a:rPr>
+              <a:t>был сделан в рамках курса Яндекс Лицей, поэтому для реализации был выбран язык программирования </a:t>
+            </a:r>
+            <a:r>
+              <a:rPr lang="en-US" dirty="0">
+                <a:latin typeface="Times New Roman" panose="02020603050405020304" pitchFamily="18" charset="0"/>
+                <a:cs typeface="Times New Roman" panose="02020603050405020304" pitchFamily="18" charset="0"/>
+              </a:rPr>
+              <a:t>Python </a:t>
+            </a:r>
+            <a:r>
+              <a:rPr lang="ru-RU" dirty="0">
+                <a:latin typeface="Times New Roman" panose="02020603050405020304" pitchFamily="18" charset="0"/>
+                <a:cs typeface="Times New Roman" panose="02020603050405020304" pitchFamily="18" charset="0"/>
+              </a:rPr>
+              <a:t>и модуль </a:t>
+            </a:r>
+            <a:r>
+              <a:rPr lang="en-US" dirty="0" err="1">
+                <a:latin typeface="Times New Roman" panose="02020603050405020304" pitchFamily="18" charset="0"/>
+                <a:cs typeface="Times New Roman" panose="02020603050405020304" pitchFamily="18" charset="0"/>
+              </a:rPr>
+              <a:t>PyGame</a:t>
+            </a:r>
+            <a:r>
+              <a:rPr lang="ru-RU" dirty="0">
+                <a:latin typeface="Times New Roman" panose="02020603050405020304" pitchFamily="18" charset="0"/>
+                <a:cs typeface="Times New Roman" panose="02020603050405020304" pitchFamily="18" charset="0"/>
+              </a:rPr>
+              <a:t>.</a:t>
+            </a:r>
+          </a:p>
+          <a:p>
+            <a:pPr marL="0" indent="0">
+              <a:buNone/>
+            </a:pPr>
+            <a:r>
+              <a:rPr lang="ru-RU" dirty="0"/>
+              <a:t> </a:t>
+            </a:r>
+          </a:p>
+        </p:txBody>
+      </p:sp>
+      <p:pic>
+        <p:nvPicPr>
+          <p:cNvPr id="4" name="Рисунок 3"/>
+          <p:cNvPicPr/>
+          <p:nvPr/>
+        </p:nvPicPr>
+        <p:blipFill>
+          <a:blip r:embed="rId2">
+            <a:extLst>
+              <a:ext uri="{28A0092B-C50C-407E-A947-70E740481C1C}">
+                <a14:useLocalDpi xmlns:a14="http://schemas.microsoft.com/office/drawing/2010/main" val="0"/>
+              </a:ext>
+            </a:extLst>
+          </a:blip>
+          <a:stretch>
+            <a:fillRect/>
+          </a:stretch>
+        </p:blipFill>
+        <p:spPr>
+          <a:xfrm>
+            <a:off x="3171497" y="2247647"/>
+            <a:ext cx="4681081" cy="2360295"/>
+          </a:xfrm>
+          <a:prstGeom prst="rect">
+            <a:avLst/>
+          </a:prstGeom>
+        </p:spPr>
+      </p:pic>
+      <p:pic>
+        <p:nvPicPr>
+          <p:cNvPr id="5" name="Рисунок 4"/>
+          <p:cNvPicPr/>
+          <p:nvPr/>
+        </p:nvPicPr>
+        <p:blipFill>
+          <a:blip r:embed="rId3" cstate="print">
+            <a:extLst>
+              <a:ext uri="{28A0092B-C50C-407E-A947-70E740481C1C}">
+                <a14:useLocalDpi xmlns:a14="http://schemas.microsoft.com/office/drawing/2010/main" val="0"/>
+              </a:ext>
+            </a:extLst>
+          </a:blip>
+          <a:stretch>
+            <a:fillRect/>
+          </a:stretch>
+        </p:blipFill>
+        <p:spPr>
+          <a:xfrm>
+            <a:off x="683568" y="2247649"/>
+            <a:ext cx="2487930" cy="2360295"/>
+          </a:xfrm>
+          <a:prstGeom prst="rect">
+            <a:avLst/>
+          </a:prstGeom>
+        </p:spPr>
+      </p:pic>
+      <p:pic>
+        <p:nvPicPr>
+          <p:cNvPr id="6" name="Рисунок 5"/>
+          <p:cNvPicPr/>
+          <p:nvPr/>
+        </p:nvPicPr>
+        <p:blipFill>
+          <a:blip r:embed="rId4">
+            <a:extLst>
+              <a:ext uri="{28A0092B-C50C-407E-A947-70E740481C1C}">
+                <a14:useLocalDpi xmlns:a14="http://schemas.microsoft.com/office/drawing/2010/main" val="0"/>
+              </a:ext>
+            </a:extLst>
+          </a:blip>
+          <a:stretch>
+            <a:fillRect/>
+          </a:stretch>
+        </p:blipFill>
+        <p:spPr>
+          <a:xfrm>
+            <a:off x="683568" y="4607942"/>
+            <a:ext cx="7169010" cy="1690370"/>
+          </a:xfrm>
+          <a:prstGeom prst="rect">
+            <a:avLst/>
+          </a:prstGeom>
+        </p:spPr>
+      </p:pic>
     </p:spTree>
     <p:extLst>
       <p:ext uri="{BB962C8B-B14F-4D97-AF65-F5344CB8AC3E}">
@@ -3512,67 +4122,997 @@
             <p:ph type="title"/>
           </p:nvPr>
         </p:nvSpPr>
-        <p:spPr/>
-        <p:txBody>
-          <a:bodyPr/>
-          <a:lstStyle/>
-          <a:p>
-            <a:r>
-              <a:rPr lang="ru-RU" dirty="0" smtClean="0"/>
-              <a:t>Возможности доработки</a:t>
-            </a:r>
+        <p:spPr>
+          <a:xfrm>
+            <a:off x="457200" y="116632"/>
+            <a:ext cx="8229600" cy="854968"/>
+          </a:xfrm>
+        </p:spPr>
+        <p:txBody>
+          <a:bodyPr>
+            <a:normAutofit/>
+          </a:bodyPr>
+          <a:lstStyle/>
+          <a:p>
+            <a:r>
+              <a:rPr lang="ru-RU" sz="4000" b="1" dirty="0">
+                <a:latin typeface="Times New Roman" panose="02020603050405020304" pitchFamily="18" charset="0"/>
+                <a:cs typeface="Times New Roman" panose="02020603050405020304" pitchFamily="18" charset="0"/>
+              </a:rPr>
+              <a:t>Структура </a:t>
+            </a:r>
+            <a:r>
+              <a:rPr lang="ru-RU" sz="4000" b="1" dirty="0" smtClean="0">
+                <a:latin typeface="Times New Roman" panose="02020603050405020304" pitchFamily="18" charset="0"/>
+                <a:cs typeface="Times New Roman" panose="02020603050405020304" pitchFamily="18" charset="0"/>
+              </a:rPr>
+              <a:t>интерфейса</a:t>
+            </a:r>
+            <a:endParaRPr lang="ru-RU" sz="4000" dirty="0">
+              <a:latin typeface="Times New Roman" panose="02020603050405020304" pitchFamily="18" charset="0"/>
+              <a:cs typeface="Times New Roman" panose="02020603050405020304" pitchFamily="18" charset="0"/>
+            </a:endParaRPr>
+          </a:p>
+        </p:txBody>
+      </p:sp>
+      <p:sp>
+        <p:nvSpPr>
+          <p:cNvPr id="3" name="Объект 2"/>
+          <p:cNvSpPr>
+            <a:spLocks noGrp="1"/>
+          </p:cNvSpPr>
+          <p:nvPr>
+            <p:ph sz="quarter" idx="13"/>
+          </p:nvPr>
+        </p:nvSpPr>
+        <p:spPr>
+          <a:xfrm>
+            <a:off x="457200" y="836712"/>
+            <a:ext cx="8229600" cy="4525963"/>
+          </a:xfrm>
+        </p:spPr>
+        <p:txBody>
+          <a:bodyPr>
+            <a:normAutofit/>
+          </a:bodyPr>
+          <a:lstStyle/>
+          <a:p>
+            <a:r>
+              <a:rPr lang="ru-RU" sz="1400" dirty="0" smtClean="0">
+                <a:latin typeface="Times New Roman" panose="02020603050405020304" pitchFamily="18" charset="0"/>
+                <a:cs typeface="Times New Roman" panose="02020603050405020304" pitchFamily="18" charset="0"/>
+              </a:rPr>
+              <a:t>После </a:t>
+            </a:r>
+            <a:r>
+              <a:rPr lang="ru-RU" sz="1400" dirty="0">
+                <a:latin typeface="Times New Roman" panose="02020603050405020304" pitchFamily="18" charset="0"/>
+                <a:cs typeface="Times New Roman" panose="02020603050405020304" pitchFamily="18" charset="0"/>
+              </a:rPr>
+              <a:t>того, как программа будет запущена, на экране появится начальный фрейм с логотипом, а затем главное меню. Из главного меню можно перейти в меню "</a:t>
+            </a:r>
+            <a:r>
+              <a:rPr lang="en-US" sz="1400" dirty="0">
+                <a:latin typeface="Times New Roman" panose="02020603050405020304" pitchFamily="18" charset="0"/>
+                <a:cs typeface="Times New Roman" panose="02020603050405020304" pitchFamily="18" charset="0"/>
+              </a:rPr>
+              <a:t>Options</a:t>
+            </a:r>
+            <a:r>
+              <a:rPr lang="ru-RU" sz="1400" dirty="0">
+                <a:latin typeface="Times New Roman" panose="02020603050405020304" pitchFamily="18" charset="0"/>
+                <a:cs typeface="Times New Roman" panose="02020603050405020304" pitchFamily="18" charset="0"/>
+              </a:rPr>
+              <a:t>", в котором есть три пункта: “</a:t>
+            </a:r>
+            <a:r>
+              <a:rPr lang="en-US" sz="1400" dirty="0">
+                <a:latin typeface="Times New Roman" panose="02020603050405020304" pitchFamily="18" charset="0"/>
+                <a:cs typeface="Times New Roman" panose="02020603050405020304" pitchFamily="18" charset="0"/>
+              </a:rPr>
+              <a:t>Controls</a:t>
+            </a:r>
+            <a:r>
+              <a:rPr lang="ru-RU" sz="1400" dirty="0">
+                <a:latin typeface="Times New Roman" panose="02020603050405020304" pitchFamily="18" charset="0"/>
+                <a:cs typeface="Times New Roman" panose="02020603050405020304" pitchFamily="18" charset="0"/>
+              </a:rPr>
+              <a:t>”, в котором можно посмотреть управление, “</a:t>
+            </a:r>
+            <a:r>
+              <a:rPr lang="en-US" sz="1400" dirty="0">
+                <a:latin typeface="Times New Roman" panose="02020603050405020304" pitchFamily="18" charset="0"/>
+                <a:cs typeface="Times New Roman" panose="02020603050405020304" pitchFamily="18" charset="0"/>
+              </a:rPr>
+              <a:t>Audio</a:t>
+            </a:r>
+            <a:r>
+              <a:rPr lang="ru-RU" sz="1400" dirty="0">
+                <a:latin typeface="Times New Roman" panose="02020603050405020304" pitchFamily="18" charset="0"/>
+                <a:cs typeface="Times New Roman" panose="02020603050405020304" pitchFamily="18" charset="0"/>
+              </a:rPr>
+              <a:t>”, где можно поменять громкость фоновой музыки, и “</a:t>
+            </a:r>
+            <a:r>
+              <a:rPr lang="en-US" sz="1400" dirty="0">
+                <a:latin typeface="Times New Roman" panose="02020603050405020304" pitchFamily="18" charset="0"/>
+                <a:cs typeface="Times New Roman" panose="02020603050405020304" pitchFamily="18" charset="0"/>
+              </a:rPr>
+              <a:t>Back</a:t>
+            </a:r>
+            <a:r>
+              <a:rPr lang="ru-RU" sz="1400" dirty="0">
+                <a:latin typeface="Times New Roman" panose="02020603050405020304" pitchFamily="18" charset="0"/>
+                <a:cs typeface="Times New Roman" panose="02020603050405020304" pitchFamily="18" charset="0"/>
+              </a:rPr>
+              <a:t>”, с помощью которого можно вернуться в главное меню. Также из главного меню можно перейти в меню “</a:t>
+            </a:r>
+            <a:r>
+              <a:rPr lang="en-US" sz="1400" dirty="0">
+                <a:latin typeface="Times New Roman" panose="02020603050405020304" pitchFamily="18" charset="0"/>
+                <a:cs typeface="Times New Roman" panose="02020603050405020304" pitchFamily="18" charset="0"/>
+              </a:rPr>
+              <a:t>Play</a:t>
+            </a:r>
+            <a:r>
+              <a:rPr lang="ru-RU" sz="1400" dirty="0">
+                <a:latin typeface="Times New Roman" panose="02020603050405020304" pitchFamily="18" charset="0"/>
+                <a:cs typeface="Times New Roman" panose="02020603050405020304" pitchFamily="18" charset="0"/>
+              </a:rPr>
+              <a:t>” для выбора игрового режима, а так же выйти из игры.</a:t>
+            </a:r>
+          </a:p>
+          <a:p>
+            <a:r>
+              <a:rPr lang="ru-RU" sz="1400" dirty="0">
+                <a:latin typeface="Times New Roman" panose="02020603050405020304" pitchFamily="18" charset="0"/>
+                <a:cs typeface="Times New Roman" panose="02020603050405020304" pitchFamily="18" charset="0"/>
+              </a:rPr>
+              <a:t>При выборе меню “</a:t>
+            </a:r>
+            <a:r>
+              <a:rPr lang="en-US" sz="1400" dirty="0">
+                <a:latin typeface="Times New Roman" panose="02020603050405020304" pitchFamily="18" charset="0"/>
+                <a:cs typeface="Times New Roman" panose="02020603050405020304" pitchFamily="18" charset="0"/>
+              </a:rPr>
+              <a:t>Play</a:t>
+            </a:r>
+            <a:r>
+              <a:rPr lang="ru-RU" sz="1400" dirty="0">
+                <a:latin typeface="Times New Roman" panose="02020603050405020304" pitchFamily="18" charset="0"/>
+                <a:cs typeface="Times New Roman" panose="02020603050405020304" pitchFamily="18" charset="0"/>
+              </a:rPr>
+              <a:t>” появляются две кнопки: “</a:t>
+            </a:r>
+            <a:r>
+              <a:rPr lang="en-US" sz="1400" dirty="0">
+                <a:latin typeface="Times New Roman" panose="02020603050405020304" pitchFamily="18" charset="0"/>
+                <a:cs typeface="Times New Roman" panose="02020603050405020304" pitchFamily="18" charset="0"/>
+              </a:rPr>
+              <a:t>Classic</a:t>
+            </a:r>
+            <a:r>
+              <a:rPr lang="ru-RU" sz="1400" dirty="0">
+                <a:latin typeface="Times New Roman" panose="02020603050405020304" pitchFamily="18" charset="0"/>
+                <a:cs typeface="Times New Roman" panose="02020603050405020304" pitchFamily="18" charset="0"/>
+              </a:rPr>
+              <a:t>”, для начала игры в классическом режиме против ПК,  и “</a:t>
+            </a:r>
+            <a:r>
+              <a:rPr lang="en-US" sz="1400" dirty="0">
+                <a:latin typeface="Times New Roman" panose="02020603050405020304" pitchFamily="18" charset="0"/>
+                <a:cs typeface="Times New Roman" panose="02020603050405020304" pitchFamily="18" charset="0"/>
+              </a:rPr>
+              <a:t>Back</a:t>
+            </a:r>
+            <a:r>
+              <a:rPr lang="ru-RU" sz="1400" dirty="0">
+                <a:latin typeface="Times New Roman" panose="02020603050405020304" pitchFamily="18" charset="0"/>
+                <a:cs typeface="Times New Roman" panose="02020603050405020304" pitchFamily="18" charset="0"/>
+              </a:rPr>
+              <a:t>”, для возвращения в главное меню.</a:t>
+            </a:r>
+          </a:p>
+          <a:p>
+            <a:r>
+              <a:rPr lang="ru-RU" sz="1400" dirty="0">
+                <a:latin typeface="Times New Roman" panose="02020603050405020304" pitchFamily="18" charset="0"/>
+                <a:cs typeface="Times New Roman" panose="02020603050405020304" pitchFamily="18" charset="0"/>
+              </a:rPr>
+              <a:t>После начала игры в классическом режиме появляется две плашки: правая – игрока и левая – компьютера – и шарик, летящий в произвольном направлении с начальной скоростью. Сверху показан счёт пропущенных шариков. По нажатию клавиши “</a:t>
+            </a:r>
+            <a:r>
+              <a:rPr lang="en-US" sz="1400" dirty="0">
+                <a:latin typeface="Times New Roman" panose="02020603050405020304" pitchFamily="18" charset="0"/>
+                <a:cs typeface="Times New Roman" panose="02020603050405020304" pitchFamily="18" charset="0"/>
+              </a:rPr>
+              <a:t>P</a:t>
+            </a:r>
+            <a:r>
+              <a:rPr lang="ru-RU" sz="1400" dirty="0">
+                <a:latin typeface="Times New Roman" panose="02020603050405020304" pitchFamily="18" charset="0"/>
+                <a:cs typeface="Times New Roman" panose="02020603050405020304" pitchFamily="18" charset="0"/>
+              </a:rPr>
+              <a:t>” игра ставится на паузу. Игра длится до непосредственного выхода пользователя из текущей игровой сессии клавишей “</a:t>
+            </a:r>
+            <a:r>
+              <a:rPr lang="en-US" sz="1400" dirty="0">
+                <a:latin typeface="Times New Roman" panose="02020603050405020304" pitchFamily="18" charset="0"/>
+                <a:cs typeface="Times New Roman" panose="02020603050405020304" pitchFamily="18" charset="0"/>
+              </a:rPr>
+              <a:t>Esc</a:t>
+            </a:r>
+            <a:r>
+              <a:rPr lang="ru-RU" sz="1400" dirty="0">
+                <a:latin typeface="Times New Roman" panose="02020603050405020304" pitchFamily="18" charset="0"/>
+                <a:cs typeface="Times New Roman" panose="02020603050405020304" pitchFamily="18" charset="0"/>
+              </a:rPr>
+              <a:t>”.</a:t>
+            </a:r>
+          </a:p>
+          <a:p>
             <a:endParaRPr lang="ru-RU" dirty="0"/>
           </a:p>
         </p:txBody>
       </p:sp>
-      <p:sp>
-        <p:nvSpPr>
-          <p:cNvPr id="3" name="Объект 2"/>
-          <p:cNvSpPr>
-            <a:spLocks noGrp="1"/>
-          </p:cNvSpPr>
-          <p:nvPr>
-            <p:ph idx="1"/>
-          </p:nvPr>
-        </p:nvSpPr>
-        <p:spPr/>
-        <p:txBody>
-          <a:bodyPr/>
-          <a:lstStyle/>
-          <a:p>
-            <a:r>
-              <a:rPr lang="ru-RU" dirty="0" smtClean="0"/>
-              <a:t>Реализация игры </a:t>
-            </a:r>
-            <a:r>
-              <a:rPr lang="en-US" dirty="0" smtClean="0"/>
-              <a:t>Player vs Player</a:t>
-            </a:r>
-            <a:r>
-              <a:rPr lang="ru-RU" dirty="0" smtClean="0"/>
-              <a:t>.</a:t>
-            </a:r>
-            <a:endParaRPr lang="en-US" dirty="0" smtClean="0"/>
-          </a:p>
-          <a:p>
-            <a:r>
-              <a:rPr lang="ru-RU" dirty="0" smtClean="0"/>
-              <a:t>Добавление возможности изменения сложности непосредственно из игры, а не внутри кода.</a:t>
-            </a:r>
-          </a:p>
-          <a:p>
-            <a:r>
-              <a:rPr lang="ru-RU" dirty="0" smtClean="0"/>
-              <a:t>Добавление режимов с несколькими мячиками.</a:t>
-            </a:r>
-            <a:endParaRPr lang="ru-RU" dirty="0"/>
+      <p:pic>
+        <p:nvPicPr>
+          <p:cNvPr id="1027" name="Рисунок 1"/>
+          <p:cNvPicPr>
+            <a:picLocks noChangeAspect="1" noChangeArrowheads="1"/>
+          </p:cNvPicPr>
+          <p:nvPr/>
+        </p:nvPicPr>
+        <p:blipFill>
+          <a:blip r:embed="rId2">
+            <a:extLst>
+              <a:ext uri="{28A0092B-C50C-407E-A947-70E740481C1C}">
+                <a14:useLocalDpi xmlns:a14="http://schemas.microsoft.com/office/drawing/2010/main" val="0"/>
+              </a:ext>
+            </a:extLst>
+          </a:blip>
+          <a:srcRect/>
+          <a:stretch>
+            <a:fillRect/>
+          </a:stretch>
+        </p:blipFill>
+        <p:spPr bwMode="auto">
+          <a:xfrm>
+            <a:off x="179512" y="3789040"/>
+            <a:ext cx="2952328" cy="2636912"/>
+          </a:xfrm>
+          <a:prstGeom prst="rect">
+            <a:avLst/>
+          </a:prstGeom>
+          <a:noFill/>
+          <a:extLst>
+            <a:ext uri="{909E8E84-426E-40DD-AFC4-6F175D3DCCD1}">
+              <a14:hiddenFill xmlns:a14="http://schemas.microsoft.com/office/drawing/2010/main">
+                <a:solidFill>
+                  <a:srgbClr val="FFFFFF"/>
+                </a:solidFill>
+              </a14:hiddenFill>
+            </a:ext>
+          </a:extLst>
+        </p:spPr>
+      </p:pic>
+      <p:pic>
+        <p:nvPicPr>
+          <p:cNvPr id="1026" name="Рисунок 6"/>
+          <p:cNvPicPr>
+            <a:picLocks noChangeAspect="1" noChangeArrowheads="1"/>
+          </p:cNvPicPr>
+          <p:nvPr/>
+        </p:nvPicPr>
+        <p:blipFill>
+          <a:blip r:embed="rId3">
+            <a:extLst>
+              <a:ext uri="{28A0092B-C50C-407E-A947-70E740481C1C}">
+                <a14:useLocalDpi xmlns:a14="http://schemas.microsoft.com/office/drawing/2010/main" val="0"/>
+              </a:ext>
+            </a:extLst>
+          </a:blip>
+          <a:srcRect/>
+          <a:stretch>
+            <a:fillRect/>
+          </a:stretch>
+        </p:blipFill>
+        <p:spPr bwMode="auto">
+          <a:xfrm>
+            <a:off x="3083441" y="3789040"/>
+            <a:ext cx="2898966" cy="2636912"/>
+          </a:xfrm>
+          <a:prstGeom prst="rect">
+            <a:avLst/>
+          </a:prstGeom>
+          <a:noFill/>
+          <a:extLst>
+            <a:ext uri="{909E8E84-426E-40DD-AFC4-6F175D3DCCD1}">
+              <a14:hiddenFill xmlns:a14="http://schemas.microsoft.com/office/drawing/2010/main">
+                <a:solidFill>
+                  <a:srgbClr val="FFFFFF"/>
+                </a:solidFill>
+              </a14:hiddenFill>
+            </a:ext>
+          </a:extLst>
+        </p:spPr>
+      </p:pic>
+      <p:pic>
+        <p:nvPicPr>
+          <p:cNvPr id="1025" name="Рисунок 7"/>
+          <p:cNvPicPr>
+            <a:picLocks noChangeAspect="1" noChangeArrowheads="1"/>
+          </p:cNvPicPr>
+          <p:nvPr/>
+        </p:nvPicPr>
+        <p:blipFill>
+          <a:blip r:embed="rId4">
+            <a:extLst>
+              <a:ext uri="{28A0092B-C50C-407E-A947-70E740481C1C}">
+                <a14:useLocalDpi xmlns:a14="http://schemas.microsoft.com/office/drawing/2010/main" val="0"/>
+              </a:ext>
+            </a:extLst>
+          </a:blip>
+          <a:srcRect/>
+          <a:stretch>
+            <a:fillRect/>
+          </a:stretch>
+        </p:blipFill>
+        <p:spPr bwMode="auto">
+          <a:xfrm>
+            <a:off x="5982407" y="3789040"/>
+            <a:ext cx="2893739" cy="2636912"/>
+          </a:xfrm>
+          <a:prstGeom prst="rect">
+            <a:avLst/>
+          </a:prstGeom>
+          <a:noFill/>
+          <a:extLst>
+            <a:ext uri="{909E8E84-426E-40DD-AFC4-6F175D3DCCD1}">
+              <a14:hiddenFill xmlns:a14="http://schemas.microsoft.com/office/drawing/2010/main">
+                <a:solidFill>
+                  <a:srgbClr val="FFFFFF"/>
+                </a:solidFill>
+              </a14:hiddenFill>
+            </a:ext>
+          </a:extLst>
+        </p:spPr>
+      </p:pic>
+      <p:sp>
+        <p:nvSpPr>
+          <p:cNvPr id="4" name="Rectangle 4"/>
+          <p:cNvSpPr>
+            <a:spLocks noChangeArrowheads="1"/>
+          </p:cNvSpPr>
+          <p:nvPr/>
+        </p:nvSpPr>
+        <p:spPr bwMode="auto">
+          <a:xfrm>
+            <a:off x="0" y="0"/>
+            <a:ext cx="9144000" cy="0"/>
+          </a:xfrm>
+          <a:prstGeom prst="rect">
+            <a:avLst/>
+          </a:prstGeom>
+          <a:noFill/>
+          <a:ln>
+            <a:noFill/>
+          </a:ln>
+          <a:effectLst/>
+          <a:extLst>
+            <a:ext uri="{909E8E84-426E-40DD-AFC4-6F175D3DCCD1}">
+              <a14:hiddenFill xmlns:a14="http://schemas.microsoft.com/office/drawing/2010/main">
+                <a:solidFill>
+                  <a:schemeClr val="accent1"/>
+                </a:solidFill>
+              </a14:hiddenFill>
+            </a:ext>
+            <a:ext uri="{91240B29-F687-4F45-9708-019B960494DF}">
+              <a14:hiddenLine xmlns:a14="http://schemas.microsoft.com/office/drawing/2010/main" w="9525">
+                <a:solidFill>
+                  <a:schemeClr val="tx1"/>
+                </a:solidFill>
+                <a:miter lim="800000"/>
+                <a:headEnd/>
+                <a:tailEnd/>
+              </a14:hiddenLine>
+            </a:ext>
+            <a:ext uri="{AF507438-7753-43E0-B8FC-AC1667EBCBE1}">
+              <a14:hiddenEffects xmlns:a14="http://schemas.microsoft.com/office/drawing/2010/main">
+                <a:effectLst>
+                  <a:outerShdw dist="35921" dir="2700000" algn="ctr" rotWithShape="0">
+                    <a:schemeClr val="bg2"/>
+                  </a:outerShdw>
+                </a:effectLst>
+              </a14:hiddenEffects>
+            </a:ext>
+          </a:extLst>
+        </p:spPr>
+        <p:txBody>
+          <a:bodyPr vert="horz" wrap="none" lIns="91440" tIns="45720" rIns="91440" bIns="45720" numCol="1" anchor="ctr" anchorCtr="0" compatLnSpc="1">
+            <a:prstTxWarp prst="textNoShape">
+              <a:avLst/>
+            </a:prstTxWarp>
+            <a:spAutoFit/>
+          </a:bodyPr>
+          <a:lstStyle/>
+          <a:p>
+            <a:endParaRPr lang="ru-RU"/>
+          </a:p>
+        </p:txBody>
+      </p:sp>
+      <p:sp>
+        <p:nvSpPr>
+          <p:cNvPr id="5" name="Rectangle 5"/>
+          <p:cNvSpPr>
+            <a:spLocks noChangeArrowheads="1"/>
+          </p:cNvSpPr>
+          <p:nvPr/>
+        </p:nvSpPr>
+        <p:spPr bwMode="auto">
+          <a:xfrm>
+            <a:off x="0" y="4076700"/>
+            <a:ext cx="9144000" cy="0"/>
+          </a:xfrm>
+          <a:prstGeom prst="rect">
+            <a:avLst/>
+          </a:prstGeom>
+          <a:noFill/>
+          <a:ln>
+            <a:noFill/>
+          </a:ln>
+          <a:effectLst/>
+          <a:extLst>
+            <a:ext uri="{909E8E84-426E-40DD-AFC4-6F175D3DCCD1}">
+              <a14:hiddenFill xmlns:a14="http://schemas.microsoft.com/office/drawing/2010/main">
+                <a:solidFill>
+                  <a:schemeClr val="accent1"/>
+                </a:solidFill>
+              </a14:hiddenFill>
+            </a:ext>
+            <a:ext uri="{91240B29-F687-4F45-9708-019B960494DF}">
+              <a14:hiddenLine xmlns:a14="http://schemas.microsoft.com/office/drawing/2010/main" w="9525">
+                <a:solidFill>
+                  <a:schemeClr val="tx1"/>
+                </a:solidFill>
+                <a:miter lim="800000"/>
+                <a:headEnd/>
+                <a:tailEnd/>
+              </a14:hiddenLine>
+            </a:ext>
+            <a:ext uri="{AF507438-7753-43E0-B8FC-AC1667EBCBE1}">
+              <a14:hiddenEffects xmlns:a14="http://schemas.microsoft.com/office/drawing/2010/main">
+                <a:effectLst>
+                  <a:outerShdw dist="35921" dir="2700000" algn="ctr" rotWithShape="0">
+                    <a:schemeClr val="bg2"/>
+                  </a:outerShdw>
+                </a:effectLst>
+              </a14:hiddenEffects>
+            </a:ext>
+          </a:extLst>
+        </p:spPr>
+        <p:txBody>
+          <a:bodyPr vert="horz" wrap="none" lIns="91440" tIns="45720" rIns="91440" bIns="45720" numCol="1" anchor="ctr" anchorCtr="0" compatLnSpc="1">
+            <a:prstTxWarp prst="textNoShape">
+              <a:avLst/>
+            </a:prstTxWarp>
+            <a:spAutoFit/>
+          </a:bodyPr>
+          <a:lstStyle/>
+          <a:p>
+            <a:pPr marL="0" marR="0" lvl="0" indent="0" algn="l" defTabSz="914400" rtl="0" eaLnBrk="1" fontAlgn="base" latinLnBrk="0" hangingPunct="1">
+              <a:lnSpc>
+                <a:spcPct val="100000"/>
+              </a:lnSpc>
+              <a:spcBef>
+                <a:spcPct val="0"/>
+              </a:spcBef>
+              <a:spcAft>
+                <a:spcPct val="0"/>
+              </a:spcAft>
+              <a:buClrTx/>
+              <a:buSzTx/>
+              <a:buFontTx/>
+              <a:buNone/>
+              <a:tabLst/>
+            </a:pPr>
+            <a:r>
+              <a:rPr kumimoji="0" lang="ru-RU" altLang="ru-RU" sz="1400" b="0" i="0" u="none" strike="noStrike" cap="none" normalizeH="0" baseline="0" smtClean="0">
+                <a:ln>
+                  <a:noFill/>
+                </a:ln>
+                <a:solidFill>
+                  <a:schemeClr val="tx1"/>
+                </a:solidFill>
+                <a:effectLst/>
+                <a:latin typeface="Times New Roman" pitchFamily="18" charset="0"/>
+                <a:ea typeface="MS Mincho" pitchFamily="49" charset="-128"/>
+                <a:cs typeface="Times New Roman" pitchFamily="18" charset="0"/>
+              </a:rPr>
+              <a:t> </a:t>
+            </a:r>
+            <a:endParaRPr kumimoji="0" lang="ru-RU" altLang="ru-RU" sz="1800" b="0" i="0" u="none" strike="noStrike" cap="none" normalizeH="0" baseline="0" smtClean="0">
+              <a:ln>
+                <a:noFill/>
+              </a:ln>
+              <a:solidFill>
+                <a:schemeClr val="tx1"/>
+              </a:solidFill>
+              <a:effectLst/>
+              <a:latin typeface="Arial" pitchFamily="34" charset="0"/>
+              <a:cs typeface="Arial" pitchFamily="34" charset="0"/>
+            </a:endParaRPr>
+          </a:p>
+        </p:txBody>
+      </p:sp>
+      <p:sp>
+        <p:nvSpPr>
+          <p:cNvPr id="6" name="Rectangle 6"/>
+          <p:cNvSpPr>
+            <a:spLocks noChangeArrowheads="1"/>
+          </p:cNvSpPr>
+          <p:nvPr/>
+        </p:nvSpPr>
+        <p:spPr bwMode="auto">
+          <a:xfrm>
+            <a:off x="0" y="6191250"/>
+            <a:ext cx="9144000" cy="0"/>
+          </a:xfrm>
+          <a:prstGeom prst="rect">
+            <a:avLst/>
+          </a:prstGeom>
+          <a:noFill/>
+          <a:ln>
+            <a:noFill/>
+          </a:ln>
+          <a:effectLst/>
+          <a:extLst>
+            <a:ext uri="{909E8E84-426E-40DD-AFC4-6F175D3DCCD1}">
+              <a14:hiddenFill xmlns:a14="http://schemas.microsoft.com/office/drawing/2010/main">
+                <a:solidFill>
+                  <a:schemeClr val="accent1"/>
+                </a:solidFill>
+              </a14:hiddenFill>
+            </a:ext>
+            <a:ext uri="{91240B29-F687-4F45-9708-019B960494DF}">
+              <a14:hiddenLine xmlns:a14="http://schemas.microsoft.com/office/drawing/2010/main" w="9525">
+                <a:solidFill>
+                  <a:schemeClr val="tx1"/>
+                </a:solidFill>
+                <a:miter lim="800000"/>
+                <a:headEnd/>
+                <a:tailEnd/>
+              </a14:hiddenLine>
+            </a:ext>
+            <a:ext uri="{AF507438-7753-43E0-B8FC-AC1667EBCBE1}">
+              <a14:hiddenEffects xmlns:a14="http://schemas.microsoft.com/office/drawing/2010/main">
+                <a:effectLst>
+                  <a:outerShdw dist="35921" dir="2700000" algn="ctr" rotWithShape="0">
+                    <a:schemeClr val="bg2"/>
+                  </a:outerShdw>
+                </a:effectLst>
+              </a14:hiddenEffects>
+            </a:ext>
+          </a:extLst>
+        </p:spPr>
+        <p:txBody>
+          <a:bodyPr vert="horz" wrap="none" lIns="91440" tIns="45720" rIns="91440" bIns="45720" numCol="1" anchor="ctr" anchorCtr="0" compatLnSpc="1">
+            <a:prstTxWarp prst="textNoShape">
+              <a:avLst/>
+            </a:prstTxWarp>
+            <a:spAutoFit/>
+          </a:bodyPr>
+          <a:lstStyle/>
+          <a:p>
+            <a:pPr marL="0" marR="0" lvl="0" indent="0" algn="l" defTabSz="914400" rtl="0" eaLnBrk="1" fontAlgn="base" latinLnBrk="0" hangingPunct="1">
+              <a:lnSpc>
+                <a:spcPct val="100000"/>
+              </a:lnSpc>
+              <a:spcBef>
+                <a:spcPct val="0"/>
+              </a:spcBef>
+              <a:spcAft>
+                <a:spcPct val="0"/>
+              </a:spcAft>
+              <a:buClrTx/>
+              <a:buSzTx/>
+              <a:buFontTx/>
+              <a:buNone/>
+              <a:tabLst/>
+            </a:pPr>
+            <a:r>
+              <a:rPr kumimoji="0" lang="ru-RU" altLang="ru-RU" sz="600" b="0" i="0" u="none" strike="noStrike" cap="none" normalizeH="0" baseline="0" smtClean="0">
+                <a:ln>
+                  <a:noFill/>
+                </a:ln>
+                <a:solidFill>
+                  <a:schemeClr val="tx1"/>
+                </a:solidFill>
+                <a:effectLst/>
+                <a:latin typeface="Arial" pitchFamily="34" charset="0"/>
+                <a:cs typeface="Arial" pitchFamily="34" charset="0"/>
+              </a:rPr>
+              <a:t> </a:t>
+            </a:r>
+            <a:endParaRPr kumimoji="0" lang="ru-RU" altLang="ru-RU" sz="1800" b="0" i="0" u="none" strike="noStrike" cap="none" normalizeH="0" baseline="0" smtClean="0">
+              <a:ln>
+                <a:noFill/>
+              </a:ln>
+              <a:solidFill>
+                <a:schemeClr val="tx1"/>
+              </a:solidFill>
+              <a:effectLst/>
+              <a:latin typeface="Arial" pitchFamily="34" charset="0"/>
+              <a:cs typeface="Arial" pitchFamily="34" charset="0"/>
+            </a:endParaRPr>
           </a:p>
         </p:txBody>
       </p:sp>
     </p:spTree>
     <p:extLst>
       <p:ext uri="{BB962C8B-B14F-4D97-AF65-F5344CB8AC3E}">
-        <p14:creationId xmlns:p14="http://schemas.microsoft.com/office/powerpoint/2010/main" val="1291037850"/>
+        <p14:creationId xmlns:p14="http://schemas.microsoft.com/office/powerpoint/2010/main" val="2672696008"/>
+      </p:ext>
+    </p:extLst>
+  </p:cSld>
+  <p:clrMapOvr>
+    <a:masterClrMapping/>
+  </p:clrMapOvr>
+</p:sld>
+</file>
+
+<file path=ppt/slides/slide5.xml><?xml version="1.0" encoding="utf-8"?>
+<p:sld xmlns:a="http://schemas.openxmlformats.org/drawingml/2006/main" xmlns:r="http://schemas.openxmlformats.org/officeDocument/2006/relationships" xmlns:p="http://schemas.openxmlformats.org/presentationml/2006/main">
+  <p:cSld>
+    <p:spTree>
+      <p:nvGrpSpPr>
+        <p:cNvPr id="1" name=""/>
+        <p:cNvGrpSpPr/>
+        <p:nvPr/>
+      </p:nvGrpSpPr>
+      <p:grpSpPr>
+        <a:xfrm>
+          <a:off x="0" y="0"/>
+          <a:ext cx="0" cy="0"/>
+          <a:chOff x="0" y="0"/>
+          <a:chExt cx="0" cy="0"/>
+        </a:xfrm>
+      </p:grpSpPr>
+      <p:sp>
+        <p:nvSpPr>
+          <p:cNvPr id="2" name="Заголовок 1"/>
+          <p:cNvSpPr>
+            <a:spLocks noGrp="1"/>
+          </p:cNvSpPr>
+          <p:nvPr>
+            <p:ph type="title"/>
+          </p:nvPr>
+        </p:nvSpPr>
+        <p:spPr>
+          <a:xfrm>
+            <a:off x="467544" y="188640"/>
+            <a:ext cx="8229600" cy="1143000"/>
+          </a:xfrm>
+        </p:spPr>
+        <p:txBody>
+          <a:bodyPr>
+            <a:normAutofit fontScale="90000"/>
+          </a:bodyPr>
+          <a:lstStyle/>
+          <a:p>
+            <a:r>
+              <a:rPr lang="ru-RU" b="1" dirty="0">
+                <a:latin typeface="Times New Roman" panose="02020603050405020304" pitchFamily="18" charset="0"/>
+                <a:cs typeface="Times New Roman" panose="02020603050405020304" pitchFamily="18" charset="0"/>
+              </a:rPr>
+              <a:t>Выделение функциональных частей</a:t>
+            </a:r>
+            <a:r>
+              <a:rPr lang="ru-RU" b="1" dirty="0"/>
+              <a:t/>
+            </a:r>
+            <a:br>
+              <a:rPr lang="ru-RU" b="1" dirty="0"/>
+            </a:br>
+            <a:endParaRPr lang="ru-RU" dirty="0"/>
+          </a:p>
+        </p:txBody>
+      </p:sp>
+      <p:sp>
+        <p:nvSpPr>
+          <p:cNvPr id="3" name="Объект 2"/>
+          <p:cNvSpPr>
+            <a:spLocks noGrp="1"/>
+          </p:cNvSpPr>
+          <p:nvPr>
+            <p:ph sz="quarter" idx="13"/>
+          </p:nvPr>
+        </p:nvSpPr>
+        <p:spPr>
+          <a:xfrm>
+            <a:off x="467544" y="1124744"/>
+            <a:ext cx="8229600" cy="4525963"/>
+          </a:xfrm>
+        </p:spPr>
+        <p:txBody>
+          <a:bodyPr/>
+          <a:lstStyle/>
+          <a:p>
+            <a:pPr marL="0" indent="0">
+              <a:buNone/>
+            </a:pPr>
+            <a:r>
+              <a:rPr lang="ru-RU" sz="2000" dirty="0" smtClean="0">
+                <a:latin typeface="Times New Roman" panose="02020603050405020304" pitchFamily="18" charset="0"/>
+                <a:cs typeface="Times New Roman" panose="02020603050405020304" pitchFamily="18" charset="0"/>
+              </a:rPr>
+              <a:t>Игра </a:t>
+            </a:r>
+            <a:r>
+              <a:rPr lang="ru-RU" sz="2000" dirty="0">
+                <a:latin typeface="Times New Roman" panose="02020603050405020304" pitchFamily="18" charset="0"/>
+                <a:cs typeface="Times New Roman" panose="02020603050405020304" pitchFamily="18" charset="0"/>
+              </a:rPr>
+              <a:t>состоит из нескольких функциональных модулей. Каждый из элементов описан в отдельных файлах для соблюдения чистоты и аккуратности кода. Под каждый элемент интерфейса написан класс с функциями, определяющими возможности данных элементов. </a:t>
+            </a:r>
+          </a:p>
+          <a:p>
+            <a:endParaRPr lang="ru-RU" dirty="0"/>
+          </a:p>
+        </p:txBody>
+      </p:sp>
+      <p:pic>
+        <p:nvPicPr>
+          <p:cNvPr id="4" name="Рисунок 3"/>
+          <p:cNvPicPr/>
+          <p:nvPr/>
+        </p:nvPicPr>
+        <p:blipFill>
+          <a:blip r:embed="rId2"/>
+          <a:stretch>
+            <a:fillRect/>
+          </a:stretch>
+        </p:blipFill>
+        <p:spPr>
+          <a:xfrm>
+            <a:off x="611560" y="2636912"/>
+            <a:ext cx="7416824" cy="3384376"/>
+          </a:xfrm>
+          <a:prstGeom prst="rect">
+            <a:avLst/>
+          </a:prstGeom>
+        </p:spPr>
+      </p:pic>
+    </p:spTree>
+    <p:extLst>
+      <p:ext uri="{BB962C8B-B14F-4D97-AF65-F5344CB8AC3E}">
+        <p14:creationId xmlns:p14="http://schemas.microsoft.com/office/powerpoint/2010/main" val="3115428361"/>
+      </p:ext>
+    </p:extLst>
+  </p:cSld>
+  <p:clrMapOvr>
+    <a:masterClrMapping/>
+  </p:clrMapOvr>
+</p:sld>
+</file>
+
+<file path=ppt/slides/slide6.xml><?xml version="1.0" encoding="utf-8"?>
+<p:sld xmlns:a="http://schemas.openxmlformats.org/drawingml/2006/main" xmlns:r="http://schemas.openxmlformats.org/officeDocument/2006/relationships" xmlns:p="http://schemas.openxmlformats.org/presentationml/2006/main">
+  <p:cSld>
+    <p:spTree>
+      <p:nvGrpSpPr>
+        <p:cNvPr id="1" name=""/>
+        <p:cNvGrpSpPr/>
+        <p:nvPr/>
+      </p:nvGrpSpPr>
+      <p:grpSpPr>
+        <a:xfrm>
+          <a:off x="0" y="0"/>
+          <a:ext cx="0" cy="0"/>
+          <a:chOff x="0" y="0"/>
+          <a:chExt cx="0" cy="0"/>
+        </a:xfrm>
+      </p:grpSpPr>
+      <p:sp>
+        <p:nvSpPr>
+          <p:cNvPr id="3" name="Объект 2"/>
+          <p:cNvSpPr>
+            <a:spLocks noGrp="1"/>
+          </p:cNvSpPr>
+          <p:nvPr>
+            <p:ph sz="quarter" idx="13"/>
+          </p:nvPr>
+        </p:nvSpPr>
+        <p:spPr>
+          <a:xfrm>
+            <a:off x="609600" y="1340768"/>
+            <a:ext cx="7924800" cy="4374232"/>
+          </a:xfrm>
+        </p:spPr>
+        <p:txBody>
+          <a:bodyPr/>
+          <a:lstStyle/>
+          <a:p>
+            <a:r>
+              <a:rPr lang="ru-RU" dirty="0"/>
+              <a:t>Результатом выполненной работы является игра </a:t>
+            </a:r>
+            <a:r>
+              <a:rPr lang="en-US" dirty="0"/>
+              <a:t>Ping</a:t>
+            </a:r>
+            <a:r>
+              <a:rPr lang="ru-RU" dirty="0"/>
+              <a:t>-</a:t>
+            </a:r>
+            <a:r>
+              <a:rPr lang="en-US" dirty="0"/>
+              <a:t>Pong</a:t>
+            </a:r>
+            <a:r>
+              <a:rPr lang="ru-RU" dirty="0"/>
+              <a:t>, написанная на </a:t>
+            </a:r>
+            <a:r>
+              <a:rPr lang="en-US" dirty="0"/>
+              <a:t>Python</a:t>
+            </a:r>
+            <a:r>
+              <a:rPr lang="ru-RU" dirty="0"/>
+              <a:t>, с использованием модуля </a:t>
+            </a:r>
+            <a:r>
+              <a:rPr lang="en-US" dirty="0" err="1"/>
+              <a:t>PyGame</a:t>
+            </a:r>
+            <a:r>
+              <a:rPr lang="en-US" dirty="0"/>
+              <a:t> </a:t>
+            </a:r>
+            <a:r>
+              <a:rPr lang="ru-RU" dirty="0"/>
+              <a:t>и метода объектно-ориентированного программирования. Проект является полностью рабочим, багов в результате тестирования не обнаружено. При написании данного проекта были получены важные знания о написании приложений на </a:t>
+            </a:r>
+            <a:r>
+              <a:rPr lang="en-US" dirty="0"/>
+              <a:t>Python </a:t>
+            </a:r>
+            <a:r>
+              <a:rPr lang="ru-RU" dirty="0"/>
+              <a:t>и о ООП.</a:t>
+            </a:r>
+          </a:p>
+          <a:p>
+            <a:r>
+              <a:rPr lang="ru-RU" dirty="0"/>
+              <a:t>Из улучшений проекта, я в первую очередь хотел бы сделать ещё несколько режимов игры по типу игры с несколькими шариками, либо режим игры игрок против игрока. Также можно сделать кастомизацию плашек и шарика, улучшение качества текстур, добавление </a:t>
+            </a:r>
+            <a:r>
+              <a:rPr lang="ru-RU" dirty="0" err="1"/>
+              <a:t>отрисованного</a:t>
+            </a:r>
+            <a:r>
+              <a:rPr lang="ru-RU" dirty="0"/>
+              <a:t> поля для игры вместо чёрного фона без рамок.</a:t>
+            </a:r>
+          </a:p>
+          <a:p>
+            <a:r>
+              <a:rPr lang="ru-RU" dirty="0"/>
+              <a:t>Также хотелось бы добавить таблицу с рекордами, возможность сохранять прогресс текущей игры при выходе.</a:t>
+            </a:r>
+          </a:p>
+          <a:p>
+            <a:endParaRPr lang="ru-RU" dirty="0"/>
+          </a:p>
+        </p:txBody>
+      </p:sp>
+      <p:sp>
+        <p:nvSpPr>
+          <p:cNvPr id="4" name="Заголовок 1"/>
+          <p:cNvSpPr txBox="1">
+            <a:spLocks/>
+          </p:cNvSpPr>
+          <p:nvPr/>
+        </p:nvSpPr>
+        <p:spPr>
+          <a:xfrm>
+            <a:off x="611560" y="332656"/>
+            <a:ext cx="7924800" cy="652934"/>
+          </a:xfrm>
+          <a:prstGeom prst="rect">
+            <a:avLst/>
+          </a:prstGeom>
+        </p:spPr>
+        <p:txBody>
+          <a:bodyPr vert="horz" lIns="91440" tIns="45720" rIns="91440" bIns="45720" rtlCol="0" anchor="b" anchorCtr="0">
+            <a:noAutofit/>
+          </a:bodyPr>
+          <a:lstStyle>
+            <a:lvl1pPr algn="l" defTabSz="914400" rtl="0" eaLnBrk="1" latinLnBrk="0" hangingPunct="1">
+              <a:spcBef>
+                <a:spcPct val="0"/>
+              </a:spcBef>
+              <a:buNone/>
+              <a:defRPr sz="3000" kern="1200" cap="all" spc="50" baseline="0">
+                <a:solidFill>
+                  <a:schemeClr val="tx1"/>
+                </a:solidFill>
+                <a:latin typeface="+mj-lt"/>
+                <a:ea typeface="+mj-ea"/>
+                <a:cs typeface="+mj-cs"/>
+              </a:defRPr>
+            </a:lvl1pPr>
+            <a:lvl2pPr eaLnBrk="1" hangingPunct="1">
+              <a:defRPr>
+                <a:solidFill>
+                  <a:schemeClr val="tx2"/>
+                </a:solidFill>
+              </a:defRPr>
+            </a:lvl2pPr>
+            <a:lvl3pPr eaLnBrk="1" hangingPunct="1">
+              <a:defRPr>
+                <a:solidFill>
+                  <a:schemeClr val="tx2"/>
+                </a:solidFill>
+              </a:defRPr>
+            </a:lvl3pPr>
+            <a:lvl4pPr eaLnBrk="1" hangingPunct="1">
+              <a:defRPr>
+                <a:solidFill>
+                  <a:schemeClr val="tx2"/>
+                </a:solidFill>
+              </a:defRPr>
+            </a:lvl4pPr>
+            <a:lvl5pPr eaLnBrk="1" hangingPunct="1">
+              <a:defRPr>
+                <a:solidFill>
+                  <a:schemeClr val="tx2"/>
+                </a:solidFill>
+              </a:defRPr>
+            </a:lvl5pPr>
+            <a:lvl6pPr eaLnBrk="1" hangingPunct="1">
+              <a:defRPr>
+                <a:solidFill>
+                  <a:schemeClr val="tx2"/>
+                </a:solidFill>
+              </a:defRPr>
+            </a:lvl6pPr>
+            <a:lvl7pPr eaLnBrk="1" hangingPunct="1">
+              <a:defRPr>
+                <a:solidFill>
+                  <a:schemeClr val="tx2"/>
+                </a:solidFill>
+              </a:defRPr>
+            </a:lvl7pPr>
+            <a:lvl8pPr eaLnBrk="1" hangingPunct="1">
+              <a:defRPr>
+                <a:solidFill>
+                  <a:schemeClr val="tx2"/>
+                </a:solidFill>
+              </a:defRPr>
+            </a:lvl8pPr>
+            <a:lvl9pPr eaLnBrk="1" hangingPunct="1">
+              <a:defRPr>
+                <a:solidFill>
+                  <a:schemeClr val="tx2"/>
+                </a:solidFill>
+              </a:defRPr>
+            </a:lvl9pPr>
+          </a:lstStyle>
+          <a:p>
+            <a:r>
+              <a:rPr lang="ru-RU" b="1" dirty="0" smtClean="0"/>
+              <a:t>Итоги и возможные улучшения проекта</a:t>
+            </a:r>
+            <a:endParaRPr lang="ru-RU" dirty="0"/>
+          </a:p>
+        </p:txBody>
+      </p:sp>
+    </p:spTree>
+    <p:extLst>
+      <p:ext uri="{BB962C8B-B14F-4D97-AF65-F5344CB8AC3E}">
+        <p14:creationId xmlns:p14="http://schemas.microsoft.com/office/powerpoint/2010/main" val="1876668897"/>
       </p:ext>
     </p:extLst>
   </p:cSld>
@@ -3583,93 +5123,58 @@
 </file>
 
 <file path=ppt/theme/theme1.xml><?xml version="1.0" encoding="utf-8"?>
-<a:theme xmlns:a="http://schemas.openxmlformats.org/drawingml/2006/main" name="Тема Office">
+<a:theme xmlns:a="http://schemas.openxmlformats.org/drawingml/2006/main" name="Горизонт">
   <a:themeElements>
-    <a:clrScheme name="Стандартная">
+    <a:clrScheme name="Горизонт">
       <a:dk1>
-        <a:sysClr val="windowText" lastClr="000000"/>
+        <a:srgbClr val="000000"/>
       </a:dk1>
       <a:lt1>
-        <a:sysClr val="window" lastClr="FFFFFF"/>
+        <a:srgbClr val="FFFFFF"/>
       </a:lt1>
       <a:dk2>
-        <a:srgbClr val="1F497D"/>
+        <a:srgbClr val="1F2123"/>
       </a:dk2>
       <a:lt2>
-        <a:srgbClr val="EEECE1"/>
+        <a:srgbClr val="DC9E1F"/>
       </a:lt2>
       <a:accent1>
-        <a:srgbClr val="4F81BD"/>
+        <a:srgbClr val="7E97AD"/>
       </a:accent1>
       <a:accent2>
-        <a:srgbClr val="C0504D"/>
+        <a:srgbClr val="CC8E60"/>
       </a:accent2>
       <a:accent3>
-        <a:srgbClr val="9BBB59"/>
+        <a:srgbClr val="7A6A60"/>
       </a:accent3>
       <a:accent4>
-        <a:srgbClr val="8064A2"/>
+        <a:srgbClr val="B4936D"/>
       </a:accent4>
       <a:accent5>
-        <a:srgbClr val="4BACC6"/>
+        <a:srgbClr val="67787B"/>
       </a:accent5>
       <a:accent6>
-        <a:srgbClr val="F79646"/>
+        <a:srgbClr val="9D936F"/>
       </a:accent6>
       <a:hlink>
-        <a:srgbClr val="0000FF"/>
+        <a:srgbClr val="646464"/>
       </a:hlink>
       <a:folHlink>
-        <a:srgbClr val="800080"/>
+        <a:srgbClr val="969696"/>
       </a:folHlink>
     </a:clrScheme>
-    <a:fontScheme name="Стандартная">
+    <a:fontScheme name="Горизонт">
       <a:majorFont>
-        <a:latin typeface="Calibri"/>
+        <a:latin typeface="Arial Narrow"/>
         <a:ea typeface=""/>
         <a:cs typeface=""/>
-        <a:font script="Jpan" typeface="ＭＳ Ｐゴシック"/>
-        <a:font script="Hang" typeface="맑은 고딕"/>
-        <a:font script="Hans" typeface="宋体"/>
-        <a:font script="Hant" typeface="新細明體"/>
-        <a:font script="Arab" typeface="Times New Roman"/>
-        <a:font script="Hebr" typeface="Times New Roman"/>
-        <a:font script="Thai" typeface="Angsana New"/>
-        <a:font script="Ethi" typeface="Nyala"/>
-        <a:font script="Beng" typeface="Vrinda"/>
-        <a:font script="Gujr" typeface="Shruti"/>
-        <a:font script="Khmr" typeface="MoolBoran"/>
-        <a:font script="Knda" typeface="Tunga"/>
-        <a:font script="Guru" typeface="Raavi"/>
-        <a:font script="Cans" typeface="Euphemia"/>
-        <a:font script="Cher" typeface="Plantagenet Cherokee"/>
-        <a:font script="Yiii" typeface="Microsoft Yi Baiti"/>
-        <a:font script="Tibt" typeface="Microsoft Himalaya"/>
-        <a:font script="Thaa" typeface="MV Boli"/>
-        <a:font script="Deva" typeface="Mangal"/>
-        <a:font script="Telu" typeface="Gautami"/>
-        <a:font script="Taml" typeface="Latha"/>
-        <a:font script="Syrc" typeface="Estrangelo Edessa"/>
-        <a:font script="Orya" typeface="Kalinga"/>
-        <a:font script="Mlym" typeface="Kartika"/>
-        <a:font script="Laoo" typeface="DokChampa"/>
-        <a:font script="Sinh" typeface="Iskoola Pota"/>
-        <a:font script="Mong" typeface="Mongolian Baiti"/>
-        <a:font script="Viet" typeface="Times New Roman"/>
-        <a:font script="Uigh" typeface="Microsoft Uighur"/>
-        <a:font script="Geor" typeface="Sylfaen"/>
-      </a:majorFont>
-      <a:minorFont>
-        <a:latin typeface="Calibri"/>
-        <a:ea typeface=""/>
-        <a:cs typeface=""/>
-        <a:font script="Jpan" typeface="ＭＳ Ｐゴシック"/>
-        <a:font script="Hang" typeface="맑은 고딕"/>
-        <a:font script="Hans" typeface="宋体"/>
-        <a:font script="Hant" typeface="新細明體"/>
+        <a:font script="Jpan" typeface="HGｺﾞｼｯｸM"/>
+        <a:font script="Hang" typeface="HY얕은샘물M"/>
+        <a:font script="Hans" typeface="方正姚体"/>
+        <a:font script="Hant" typeface="微軟正黑體"/>
         <a:font script="Arab" typeface="Arial"/>
-        <a:font script="Hebr" typeface="Arial"/>
-        <a:font script="Thai" typeface="Cordia New"/>
+        <a:font script="Hebr" typeface="Levenim MT"/>
+        <a:font script="Thai" typeface="FreesiaUPC"/>
         <a:font script="Ethi" typeface="Nyala"/>
         <a:font script="Beng" typeface="Vrinda"/>
         <a:font script="Gujr" typeface="Shruti"/>
@@ -3690,12 +5195,47 @@
         <a:font script="Laoo" typeface="DokChampa"/>
         <a:font script="Sinh" typeface="Iskoola Pota"/>
         <a:font script="Mong" typeface="Mongolian Baiti"/>
-        <a:font script="Viet" typeface="Arial"/>
+        <a:font script="Viet" typeface="Tahoma"/>
+        <a:font script="Uigh" typeface="Microsoft Uighur"/>
+        <a:font script="Geor" typeface="Sylfaen"/>
+      </a:majorFont>
+      <a:minorFont>
+        <a:latin typeface="Arial Narrow"/>
+        <a:ea typeface=""/>
+        <a:cs typeface=""/>
+        <a:font script="Jpan" typeface="HGｺﾞｼｯｸM"/>
+        <a:font script="Hang" typeface="HY얕은샘물M"/>
+        <a:font script="Hans" typeface="方正姚体"/>
+        <a:font script="Hant" typeface="微軟正黑體"/>
+        <a:font script="Arab" typeface="Arial"/>
+        <a:font script="Hebr" typeface="Levenim MT"/>
+        <a:font script="Thai" typeface="FreesiaUPC"/>
+        <a:font script="Ethi" typeface="Nyala"/>
+        <a:font script="Beng" typeface="Vrinda"/>
+        <a:font script="Gujr" typeface="Shruti"/>
+        <a:font script="Khmr" typeface="DaunPenh"/>
+        <a:font script="Knda" typeface="Tunga"/>
+        <a:font script="Guru" typeface="Raavi"/>
+        <a:font script="Cans" typeface="Euphemia"/>
+        <a:font script="Cher" typeface="Plantagenet Cherokee"/>
+        <a:font script="Yiii" typeface="Microsoft Yi Baiti"/>
+        <a:font script="Tibt" typeface="Microsoft Himalaya"/>
+        <a:font script="Thaa" typeface="MV Boli"/>
+        <a:font script="Deva" typeface="Mangal"/>
+        <a:font script="Telu" typeface="Gautami"/>
+        <a:font script="Taml" typeface="Latha"/>
+        <a:font script="Syrc" typeface="Estrangelo Edessa"/>
+        <a:font script="Orya" typeface="Kalinga"/>
+        <a:font script="Mlym" typeface="Kartika"/>
+        <a:font script="Laoo" typeface="DokChampa"/>
+        <a:font script="Sinh" typeface="Iskoola Pota"/>
+        <a:font script="Mong" typeface="Mongolian Baiti"/>
+        <a:font script="Viet" typeface="Tahoma"/>
         <a:font script="Uigh" typeface="Microsoft Uighur"/>
         <a:font script="Geor" typeface="Sylfaen"/>
       </a:minorFont>
     </a:fontScheme>
-    <a:fmtScheme name="Стандартная">
+    <a:fmtScheme name="Горизонт">
       <a:fillStyleLst>
         <a:solidFill>
           <a:schemeClr val="phClr"/>
@@ -3704,68 +5244,62 @@
           <a:gsLst>
             <a:gs pos="0">
               <a:schemeClr val="phClr">
-                <a:tint val="50000"/>
-                <a:satMod val="300000"/>
-              </a:schemeClr>
-            </a:gs>
-            <a:gs pos="35000">
-              <a:schemeClr val="phClr">
-                <a:tint val="37000"/>
-                <a:satMod val="300000"/>
+                <a:tint val="83000"/>
+                <a:shade val="100000"/>
+                <a:satMod val="100000"/>
               </a:schemeClr>
             </a:gs>
             <a:gs pos="100000">
               <a:schemeClr val="phClr">
-                <a:tint val="15000"/>
-                <a:satMod val="350000"/>
+                <a:tint val="61000"/>
+                <a:alpha val="100000"/>
+                <a:satMod val="200000"/>
               </a:schemeClr>
             </a:gs>
           </a:gsLst>
-          <a:lin ang="16200000" scaled="1"/>
+          <a:path path="circle">
+            <a:fillToRect l="100000" t="100000" r="100000" b="100000"/>
+          </a:path>
         </a:gradFill>
         <a:gradFill rotWithShape="1">
           <a:gsLst>
             <a:gs pos="0">
               <a:schemeClr val="phClr">
-                <a:shade val="51000"/>
-                <a:satMod val="130000"/>
-              </a:schemeClr>
-            </a:gs>
-            <a:gs pos="80000">
-              <a:schemeClr val="phClr">
-                <a:shade val="93000"/>
-                <a:satMod val="130000"/>
+                <a:shade val="85000"/>
               </a:schemeClr>
             </a:gs>
             <a:gs pos="100000">
               <a:schemeClr val="phClr">
-                <a:shade val="94000"/>
-                <a:satMod val="135000"/>
+                <a:tint val="90000"/>
+                <a:alpha val="100000"/>
+                <a:satMod val="200000"/>
               </a:schemeClr>
             </a:gs>
           </a:gsLst>
-          <a:lin ang="16200000" scaled="0"/>
+          <a:path path="circle">
+            <a:fillToRect l="100000" t="100000" r="100000" b="100000"/>
+          </a:path>
         </a:gradFill>
       </a:fillStyleLst>
       <a:lnStyleLst>
         <a:ln w="9525" cap="flat" cmpd="sng" algn="ctr">
           <a:solidFill>
-            <a:schemeClr val="phClr">
-              <a:shade val="95000"/>
-              <a:satMod val="105000"/>
-            </a:schemeClr>
+            <a:schemeClr val="phClr"/>
           </a:solidFill>
           <a:prstDash val="solid"/>
         </a:ln>
-        <a:ln w="25400" cap="flat" cmpd="sng" algn="ctr">
+        <a:ln w="10795" cap="flat" cmpd="sng" algn="ctr">
           <a:solidFill>
             <a:schemeClr val="phClr"/>
           </a:solidFill>
           <a:prstDash val="solid"/>
         </a:ln>
-        <a:ln w="38100" cap="flat" cmpd="sng" algn="ctr">
+        <a:ln w="15240" cap="flat" cmpd="sng" algn="ctr">
           <a:solidFill>
-            <a:schemeClr val="phClr"/>
+            <a:schemeClr val="phClr">
+              <a:tint val="25000"/>
+              <a:alpha val="25000"/>
+            </a:schemeClr>
           </a:solidFill>
           <a:prstDash val="solid"/>
         </a:ln>
@@ -3773,27 +5307,27 @@
       <a:effectStyleLst>
         <a:effectStyle>
           <a:effectLst>
-            <a:outerShdw blurRad="40000" dist="20000" dir="5400000" rotWithShape="0">
+            <a:outerShdw blurRad="38100" dist="25400" dir="5400000" rotWithShape="0">
               <a:srgbClr val="000000">
-                <a:alpha val="38000"/>
+                <a:alpha val="40000"/>
               </a:srgbClr>
             </a:outerShdw>
           </a:effectLst>
         </a:effectStyle>
         <a:effectStyle>
           <a:effectLst>
-            <a:outerShdw blurRad="40000" dist="23000" dir="5400000" rotWithShape="0">
+            <a:outerShdw blurRad="50800" dist="42924" dir="5400000" rotWithShape="0">
               <a:srgbClr val="000000">
-                <a:alpha val="35000"/>
+                <a:alpha val="40000"/>
               </a:srgbClr>
             </a:outerShdw>
           </a:effectLst>
         </a:effectStyle>
         <a:effectStyle>
           <a:effectLst>
-            <a:outerShdw blurRad="40000" dist="23000" dir="5400000" rotWithShape="0">
+            <a:outerShdw blurRad="50800" dist="25400" dir="5400000" rotWithShape="0">
               <a:srgbClr val="000000">
-                <a:alpha val="35000"/>
+                <a:alpha val="40000"/>
               </a:srgbClr>
             </a:outerShdw>
           </a:effectLst>
@@ -3801,12 +5335,12 @@
             <a:camera prst="orthographicFront">
               <a:rot lat="0" lon="0" rev="0"/>
             </a:camera>
-            <a:lightRig rig="threePt" dir="t">
-              <a:rot lat="0" lon="0" rev="1200000"/>
+            <a:lightRig rig="flat" dir="t">
+              <a:rot lat="0" lon="0" rev="3600000"/>
             </a:lightRig>
           </a:scene3d>
-          <a:sp3d>
-            <a:bevelT w="63500" h="25400"/>
+          <a:sp3d prstMaterial="flat">
+            <a:bevelT w="34925" h="47625" prst="coolSlant"/>
           </a:sp3d>
         </a:effectStyle>
       </a:effectStyleLst>
@@ -3818,45 +5352,57 @@
           <a:gsLst>
             <a:gs pos="0">
               <a:schemeClr val="phClr">
-                <a:tint val="40000"/>
-                <a:satMod val="350000"/>
+                <a:tint val="96000"/>
+                <a:shade val="100000"/>
+                <a:alpha val="100000"/>
+                <a:satMod val="140000"/>
               </a:schemeClr>
             </a:gs>
-            <a:gs pos="40000">
+            <a:gs pos="31000">
               <a:schemeClr val="phClr">
-                <a:tint val="45000"/>
-                <a:shade val="99000"/>
-                <a:satMod val="350000"/>
+                <a:tint val="100000"/>
+                <a:shade val="90000"/>
+                <a:alpha val="100000"/>
               </a:schemeClr>
             </a:gs>
             <a:gs pos="100000">
               <a:schemeClr val="phClr">
-                <a:shade val="20000"/>
-                <a:satMod val="255000"/>
+                <a:tint val="100000"/>
+                <a:shade val="80000"/>
+                <a:alpha val="100000"/>
               </a:schemeClr>
             </a:gs>
           </a:gsLst>
-          <a:path path="circle">
-            <a:fillToRect l="50000" t="-80000" r="50000" b="180000"/>
-          </a:path>
+          <a:lin ang="5400000" scaled="0"/>
         </a:gradFill>
         <a:gradFill rotWithShape="1">
           <a:gsLst>
             <a:gs pos="0">
               <a:schemeClr val="phClr">
-                <a:tint val="80000"/>
-                <a:satMod val="300000"/>
+                <a:tint val="96000"/>
+                <a:shade val="100000"/>
+                <a:alpha val="100000"/>
+                <a:satMod val="180000"/>
+              </a:schemeClr>
+            </a:gs>
+            <a:gs pos="41000">
+              <a:schemeClr val="phClr">
+                <a:tint val="100000"/>
+                <a:shade val="100000"/>
+                <a:alpha val="100000"/>
+                <a:satMod val="150000"/>
               </a:schemeClr>
             </a:gs>
             <a:gs pos="100000">
               <a:schemeClr val="phClr">
-                <a:shade val="30000"/>
-                <a:satMod val="200000"/>
+                <a:tint val="100000"/>
+                <a:shade val="65000"/>
+                <a:alpha val="100000"/>
               </a:schemeClr>
             </a:gs>
           </a:gsLst>
           <a:path path="circle">
-            <a:fillToRect l="50000" t="50000" r="50000" b="50000"/>
+            <a:fillToRect l="50000" t="80000" r="100000" b="100000"/>
           </a:path>
         </a:gradFill>
       </a:bgFillStyleLst>
